--- a/受控文档/需求规格说明书/软件需求规格说明书.pptx
+++ b/受控文档/需求规格说明书/软件需求规格说明书.pptx
@@ -42,11 +42,12 @@
     <p:sldId id="266" r:id="rId36"/>
     <p:sldId id="287" r:id="rId37"/>
     <p:sldId id="267" r:id="rId38"/>
-    <p:sldId id="288" r:id="rId39"/>
-    <p:sldId id="269" r:id="rId40"/>
-    <p:sldId id="270" r:id="rId41"/>
-    <p:sldId id="290" r:id="rId42"/>
-    <p:sldId id="289" r:id="rId43"/>
+    <p:sldId id="301" r:id="rId39"/>
+    <p:sldId id="288" r:id="rId40"/>
+    <p:sldId id="269" r:id="rId41"/>
+    <p:sldId id="270" r:id="rId42"/>
+    <p:sldId id="290" r:id="rId43"/>
+    <p:sldId id="289" r:id="rId44"/>
   </p:sldIdLst>
   <p:sldSz cx="12192000" cy="6858000"/>
   <p:notesSz cx="6858000" cy="9144000"/>
@@ -899,7 +900,7 @@
             <a:fld id="{B61BEF0D-F0BB-DE4B-95CE-6DB70DBA9567}" type="datetimeFigureOut">
               <a:rPr lang="en-US" dirty="0"/>
               <a:pPr/>
-              <a:t>1/3/2019</a:t>
+              <a:t>1/4/2019</a:t>
             </a:fld>
             <a:endParaRPr lang="en-US" dirty="0"/>
           </a:p>
@@ -1147,7 +1148,7 @@
             <a:fld id="{B61BEF0D-F0BB-DE4B-95CE-6DB70DBA9567}" type="datetimeFigureOut">
               <a:rPr lang="en-US" dirty="0"/>
               <a:pPr/>
-              <a:t>1/3/2019</a:t>
+              <a:t>1/4/2019</a:t>
             </a:fld>
             <a:endParaRPr lang="en-US" dirty="0"/>
           </a:p>
@@ -1458,7 +1459,7 @@
             <a:fld id="{B61BEF0D-F0BB-DE4B-95CE-6DB70DBA9567}" type="datetimeFigureOut">
               <a:rPr lang="en-US" dirty="0"/>
               <a:pPr/>
-              <a:t>1/3/2019</a:t>
+              <a:t>1/4/2019</a:t>
             </a:fld>
             <a:endParaRPr lang="en-US" dirty="0"/>
           </a:p>
@@ -1788,7 +1789,7 @@
             <a:fld id="{B61BEF0D-F0BB-DE4B-95CE-6DB70DBA9567}" type="datetimeFigureOut">
               <a:rPr lang="en-US" dirty="0"/>
               <a:pPr/>
-              <a:t>1/3/2019</a:t>
+              <a:t>1/4/2019</a:t>
             </a:fld>
             <a:endParaRPr lang="en-US" dirty="0"/>
           </a:p>
@@ -2099,7 +2100,7 @@
             <a:fld id="{B61BEF0D-F0BB-DE4B-95CE-6DB70DBA9567}" type="datetimeFigureOut">
               <a:rPr lang="en-US" dirty="0"/>
               <a:pPr/>
-              <a:t>1/3/2019</a:t>
+              <a:t>1/4/2019</a:t>
             </a:fld>
             <a:endParaRPr lang="en-US" dirty="0"/>
           </a:p>
@@ -2489,7 +2490,7 @@
             <a:fld id="{B61BEF0D-F0BB-DE4B-95CE-6DB70DBA9567}" type="datetimeFigureOut">
               <a:rPr lang="en-US" dirty="0"/>
               <a:pPr/>
-              <a:t>1/3/2019</a:t>
+              <a:t>1/4/2019</a:t>
             </a:fld>
             <a:endParaRPr lang="en-US" dirty="0"/>
           </a:p>
@@ -2655,7 +2656,7 @@
           <a:p>
             <a:fld id="{55C6B4A9-1611-4792-9094-5F34BCA07E0B}" type="datetimeFigureOut">
               <a:rPr lang="en-US" dirty="0"/>
-              <a:t>1/3/2019</a:t>
+              <a:t>1/4/2019</a:t>
             </a:fld>
             <a:endParaRPr lang="en-US" dirty="0"/>
           </a:p>
@@ -2831,7 +2832,7 @@
             <a:fld id="{B61BEF0D-F0BB-DE4B-95CE-6DB70DBA9567}" type="datetimeFigureOut">
               <a:rPr lang="en-US" dirty="0"/>
               <a:pPr/>
-              <a:t>1/3/2019</a:t>
+              <a:t>1/4/2019</a:t>
             </a:fld>
             <a:endParaRPr lang="en-US" dirty="0"/>
           </a:p>
@@ -2997,7 +2998,7 @@
           <a:p>
             <a:fld id="{42A54C80-263E-416B-A8E0-580EDEADCBDC}" type="datetimeFigureOut">
               <a:rPr lang="en-US" dirty="0"/>
-              <a:t>1/3/2019</a:t>
+              <a:t>1/4/2019</a:t>
             </a:fld>
             <a:endParaRPr lang="en-US" dirty="0"/>
           </a:p>
@@ -3240,7 +3241,7 @@
             <a:fld id="{B61BEF0D-F0BB-DE4B-95CE-6DB70DBA9567}" type="datetimeFigureOut">
               <a:rPr lang="en-US" dirty="0"/>
               <a:pPr/>
-              <a:t>1/3/2019</a:t>
+              <a:t>1/4/2019</a:t>
             </a:fld>
             <a:endParaRPr lang="en-US" dirty="0"/>
           </a:p>
@@ -3468,7 +3469,7 @@
           <a:p>
             <a:fld id="{42A54C80-263E-416B-A8E0-580EDEADCBDC}" type="datetimeFigureOut">
               <a:rPr lang="en-US" dirty="0"/>
-              <a:t>1/3/2019</a:t>
+              <a:t>1/4/2019</a:t>
             </a:fld>
             <a:endParaRPr lang="en-US" dirty="0"/>
           </a:p>
@@ -3838,7 +3839,7 @@
             <a:fld id="{B61BEF0D-F0BB-DE4B-95CE-6DB70DBA9567}" type="datetimeFigureOut">
               <a:rPr lang="en-US" dirty="0"/>
               <a:pPr/>
-              <a:t>1/3/2019</a:t>
+              <a:t>1/4/2019</a:t>
             </a:fld>
             <a:endParaRPr lang="en-US" dirty="0"/>
           </a:p>
@@ -3958,7 +3959,7 @@
             <a:fld id="{B61BEF0D-F0BB-DE4B-95CE-6DB70DBA9567}" type="datetimeFigureOut">
               <a:rPr lang="en-US" dirty="0"/>
               <a:pPr/>
-              <a:t>1/3/2019</a:t>
+              <a:t>1/4/2019</a:t>
             </a:fld>
             <a:endParaRPr lang="en-US" dirty="0"/>
           </a:p>
@@ -4050,7 +4051,7 @@
             <a:fld id="{B61BEF0D-F0BB-DE4B-95CE-6DB70DBA9567}" type="datetimeFigureOut">
               <a:rPr lang="en-US" dirty="0"/>
               <a:pPr/>
-              <a:t>1/3/2019</a:t>
+              <a:t>1/4/2019</a:t>
             </a:fld>
             <a:endParaRPr lang="en-US" dirty="0"/>
           </a:p>
@@ -4301,7 +4302,7 @@
           <a:p>
             <a:fld id="{42A54C80-263E-416B-A8E0-580EDEADCBDC}" type="datetimeFigureOut">
               <a:rPr lang="en-US" dirty="0"/>
-              <a:t>1/3/2019</a:t>
+              <a:t>1/4/2019</a:t>
             </a:fld>
             <a:endParaRPr lang="en-US" dirty="0"/>
           </a:p>
@@ -4603,7 +4604,7 @@
             <a:fld id="{B61BEF0D-F0BB-DE4B-95CE-6DB70DBA9567}" type="datetimeFigureOut">
               <a:rPr lang="en-US" dirty="0"/>
               <a:pPr/>
-              <a:t>1/3/2019</a:t>
+              <a:t>1/4/2019</a:t>
             </a:fld>
             <a:endParaRPr lang="en-US" dirty="0"/>
           </a:p>
@@ -5301,7 +5302,7 @@
             <a:fld id="{B61BEF0D-F0BB-DE4B-95CE-6DB70DBA9567}" type="datetimeFigureOut">
               <a:rPr lang="en-US" dirty="0"/>
               <a:pPr/>
-              <a:t>1/3/2019</a:t>
+              <a:t>1/4/2019</a:t>
             </a:fld>
             <a:endParaRPr lang="en-US" dirty="0"/>
           </a:p>
@@ -5839,8 +5840,8 @@
         </p:nvSpPr>
         <p:spPr>
           <a:xfrm>
-            <a:off x="1507067" y="2143125"/>
-            <a:ext cx="7766936" cy="1907711"/>
+            <a:off x="1507067" y="1948293"/>
+            <a:ext cx="7766936" cy="2102544"/>
           </a:xfrm>
         </p:spPr>
         <p:txBody>
@@ -5897,14 +5898,26 @@
           <a:lstStyle/>
           <a:p>
             <a:r>
-              <a:rPr lang="zh-CN" altLang="en-US" sz="2400" dirty="0"/>
+              <a:rPr lang="zh-CN" altLang="en-US" sz="2400" dirty="0">
+                <a:solidFill>
+                  <a:schemeClr val="tx1"/>
+                </a:solidFill>
+              </a:rPr>
               <a:t>组长：童欣</a:t>
             </a:r>
-            <a:endParaRPr lang="en-US" altLang="zh-CN" sz="2400" dirty="0"/>
+            <a:endParaRPr lang="en-US" altLang="zh-CN" sz="2400" dirty="0">
+              <a:solidFill>
+                <a:schemeClr val="tx1"/>
+              </a:solidFill>
+            </a:endParaRPr>
           </a:p>
           <a:p>
             <a:r>
-              <a:rPr lang="zh-CN" altLang="en-US" sz="2400" dirty="0"/>
+              <a:rPr lang="zh-CN" altLang="en-US" sz="2400" dirty="0">
+                <a:solidFill>
+                  <a:schemeClr val="tx1"/>
+                </a:solidFill>
+              </a:rPr>
               <a:t>组员：陈婧唯、陈雅菁、刘震、吴自强、张天颖</a:t>
             </a:r>
           </a:p>
@@ -10114,7 +10127,11 @@
           <a:lstStyle/>
           <a:p>
             <a:r>
-              <a:rPr lang="zh-CN" altLang="en-US" sz="4800" dirty="0"/>
+              <a:rPr lang="zh-CN" altLang="en-US" sz="4800" dirty="0">
+                <a:solidFill>
+                  <a:schemeClr val="tx1"/>
+                </a:solidFill>
+              </a:rPr>
               <a:t>目录</a:t>
             </a:r>
           </a:p>
@@ -10448,7 +10465,15 @@
           <a:p>
             <a:r>
               <a:rPr lang="zh-CN" altLang="en-US" sz="3600" dirty="0"/>
-              <a:t>需求优先级</a:t>
+              <a:t>需求优先级（</a:t>
+            </a:r>
+            <a:r>
+              <a:rPr lang="en-US" altLang="zh-CN" sz="3600" dirty="0"/>
+              <a:t>TBD</a:t>
+            </a:r>
+            <a:r>
+              <a:rPr lang="zh-CN" altLang="en-US" sz="3600" dirty="0"/>
+              <a:t>）</a:t>
             </a:r>
             <a:endParaRPr lang="en-US" altLang="zh-CN" sz="3600" dirty="0"/>
           </a:p>
@@ -33781,7 +33806,7 @@
         </p:nvSpPr>
         <p:spPr>
           <a:xfrm>
-            <a:off x="419099" y="508397"/>
+            <a:off x="447674" y="1060847"/>
             <a:ext cx="9629776" cy="2831544"/>
           </a:xfrm>
           <a:prstGeom prst="rect">
@@ -33937,7 +33962,7 @@
                 <a:latin typeface="Times New Roman" panose="02020603050405020304" pitchFamily="18" charset="0"/>
                 <a:ea typeface="宋体" panose="02010600030101010101" pitchFamily="2" charset="-122"/>
               </a:rPr>
-              <a:t>12</a:t>
+              <a:t>8</a:t>
             </a:r>
             <a:r>
               <a:rPr lang="zh-CN" altLang="zh-CN" sz="2400" kern="100" dirty="0">
@@ -33951,7 +33976,7 @@
                 <a:latin typeface="Times New Roman" panose="02020603050405020304" pitchFamily="18" charset="0"/>
                 <a:ea typeface="宋体" panose="02010600030101010101" pitchFamily="2" charset="-122"/>
               </a:rPr>
-              <a:t>00-21</a:t>
+              <a:t>00-22</a:t>
             </a:r>
             <a:r>
               <a:rPr lang="zh-CN" altLang="zh-CN" sz="2400" kern="100" dirty="0">
@@ -35568,6 +35593,264 @@
           <p:cNvPr id="4" name="表格 3">
             <a:extLst>
               <a:ext uri="{FF2B5EF4-FFF2-40B4-BE49-F238E27FC236}">
+                <a16:creationId xmlns:a16="http://schemas.microsoft.com/office/drawing/2014/main" id="{400E4A2B-F403-4327-9FEC-3580EAA64406}"/>
+              </a:ext>
+            </a:extLst>
+          </p:cNvPr>
+          <p:cNvGraphicFramePr>
+            <a:graphicFrameLocks noGrp="1"/>
+          </p:cNvGraphicFramePr>
+          <p:nvPr>
+            <p:extLst>
+              <p:ext uri="{D42A27DB-BD31-4B8C-83A1-F6EECF244321}">
+                <p14:modId xmlns:p14="http://schemas.microsoft.com/office/powerpoint/2010/main" val="1063826464"/>
+              </p:ext>
+            </p:extLst>
+          </p:nvPr>
+        </p:nvGraphicFramePr>
+        <p:xfrm>
+          <a:off x="1231900" y="1691215"/>
+          <a:ext cx="6464300" cy="2985560"/>
+        </p:xfrm>
+        <a:graphic>
+          <a:graphicData uri="http://schemas.openxmlformats.org/drawingml/2006/table">
+            <a:tbl>
+              <a:tblPr firstRow="1" bandRow="1">
+                <a:tableStyleId>{5C22544A-7EE6-4342-B048-85BDC9FD1C3A}</a:tableStyleId>
+              </a:tblPr>
+              <a:tblGrid>
+                <a:gridCol w="3232150">
+                  <a:extLst>
+                    <a:ext uri="{9D8B030D-6E8A-4147-A177-3AD203B41FA5}">
+                      <a16:colId xmlns:a16="http://schemas.microsoft.com/office/drawing/2014/main" val="283136174"/>
+                    </a:ext>
+                  </a:extLst>
+                </a:gridCol>
+                <a:gridCol w="3232150">
+                  <a:extLst>
+                    <a:ext uri="{9D8B030D-6E8A-4147-A177-3AD203B41FA5}">
+                      <a16:colId xmlns:a16="http://schemas.microsoft.com/office/drawing/2014/main" val="65170427"/>
+                    </a:ext>
+                  </a:extLst>
+                </a:gridCol>
+              </a:tblGrid>
+              <a:tr h="746390">
+                <a:tc>
+                  <a:txBody>
+                    <a:bodyPr/>
+                    <a:lstStyle/>
+                    <a:p>
+                      <a:r>
+                        <a:rPr lang="zh-CN" altLang="en-US" sz="3200" dirty="0">
+                          <a:solidFill>
+                            <a:schemeClr val="tx1"/>
+                          </a:solidFill>
+                        </a:rPr>
+                        <a:t>代号</a:t>
+                      </a:r>
+                    </a:p>
+                  </a:txBody>
+                  <a:tcPr/>
+                </a:tc>
+                <a:tc>
+                  <a:txBody>
+                    <a:bodyPr/>
+                    <a:lstStyle/>
+                    <a:p>
+                      <a:r>
+                        <a:rPr lang="zh-CN" altLang="en-US" sz="3200" dirty="0">
+                          <a:solidFill>
+                            <a:schemeClr val="tx1"/>
+                          </a:solidFill>
+                        </a:rPr>
+                        <a:t>代表角色</a:t>
+                      </a:r>
+                    </a:p>
+                  </a:txBody>
+                  <a:tcPr/>
+                </a:tc>
+                <a:extLst>
+                  <a:ext uri="{0D108BD9-81ED-4DB2-BD59-A6C34878D82A}">
+                    <a16:rowId xmlns:a16="http://schemas.microsoft.com/office/drawing/2014/main" val="1820504839"/>
+                  </a:ext>
+                </a:extLst>
+              </a:tr>
+              <a:tr h="746390">
+                <a:tc>
+                  <a:txBody>
+                    <a:bodyPr/>
+                    <a:lstStyle/>
+                    <a:p>
+                      <a:r>
+                        <a:rPr lang="en-US" altLang="zh-CN" sz="3200" dirty="0"/>
+                        <a:t>Tea</a:t>
+                      </a:r>
+                      <a:endParaRPr lang="zh-CN" altLang="en-US" sz="3200" dirty="0"/>
+                    </a:p>
+                  </a:txBody>
+                  <a:tcPr/>
+                </a:tc>
+                <a:tc>
+                  <a:txBody>
+                    <a:bodyPr/>
+                    <a:lstStyle/>
+                    <a:p>
+                      <a:r>
+                        <a:rPr lang="zh-CN" altLang="en-US" sz="3200" dirty="0"/>
+                        <a:t>老师</a:t>
+                      </a:r>
+                    </a:p>
+                  </a:txBody>
+                  <a:tcPr/>
+                </a:tc>
+                <a:extLst>
+                  <a:ext uri="{0D108BD9-81ED-4DB2-BD59-A6C34878D82A}">
+                    <a16:rowId xmlns:a16="http://schemas.microsoft.com/office/drawing/2014/main" val="3461846514"/>
+                  </a:ext>
+                </a:extLst>
+              </a:tr>
+              <a:tr h="746390">
+                <a:tc>
+                  <a:txBody>
+                    <a:bodyPr/>
+                    <a:lstStyle/>
+                    <a:p>
+                      <a:r>
+                        <a:rPr lang="en-US" altLang="zh-CN" sz="3200" dirty="0"/>
+                        <a:t>Stu</a:t>
+                      </a:r>
+                      <a:endParaRPr lang="zh-CN" altLang="en-US" sz="3200" dirty="0"/>
+                    </a:p>
+                  </a:txBody>
+                  <a:tcPr/>
+                </a:tc>
+                <a:tc>
+                  <a:txBody>
+                    <a:bodyPr/>
+                    <a:lstStyle/>
+                    <a:p>
+                      <a:r>
+                        <a:rPr lang="zh-CN" altLang="en-US" sz="3200" dirty="0"/>
+                        <a:t>学生</a:t>
+                      </a:r>
+                    </a:p>
+                  </a:txBody>
+                  <a:tcPr/>
+                </a:tc>
+                <a:extLst>
+                  <a:ext uri="{0D108BD9-81ED-4DB2-BD59-A6C34878D82A}">
+                    <a16:rowId xmlns:a16="http://schemas.microsoft.com/office/drawing/2014/main" val="1553499096"/>
+                  </a:ext>
+                </a:extLst>
+              </a:tr>
+              <a:tr h="746390">
+                <a:tc>
+                  <a:txBody>
+                    <a:bodyPr/>
+                    <a:lstStyle/>
+                    <a:p>
+                      <a:r>
+                        <a:rPr lang="en-US" altLang="zh-CN" sz="3200" dirty="0"/>
+                        <a:t>Ad</a:t>
+                      </a:r>
+                      <a:endParaRPr lang="zh-CN" altLang="en-US" sz="3200" dirty="0"/>
+                    </a:p>
+                  </a:txBody>
+                  <a:tcPr/>
+                </a:tc>
+                <a:tc>
+                  <a:txBody>
+                    <a:bodyPr/>
+                    <a:lstStyle/>
+                    <a:p>
+                      <a:r>
+                        <a:rPr lang="zh-CN" altLang="en-US" sz="3200" dirty="0"/>
+                        <a:t>管理员</a:t>
+                      </a:r>
+                    </a:p>
+                  </a:txBody>
+                  <a:tcPr/>
+                </a:tc>
+                <a:extLst>
+                  <a:ext uri="{0D108BD9-81ED-4DB2-BD59-A6C34878D82A}">
+                    <a16:rowId xmlns:a16="http://schemas.microsoft.com/office/drawing/2014/main" val="3413961639"/>
+                  </a:ext>
+                </a:extLst>
+              </a:tr>
+            </a:tbl>
+          </a:graphicData>
+        </a:graphic>
+      </p:graphicFrame>
+      <p:sp>
+        <p:nvSpPr>
+          <p:cNvPr id="5" name="文本框 4">
+            <a:extLst>
+              <a:ext uri="{FF2B5EF4-FFF2-40B4-BE49-F238E27FC236}">
+                <a16:creationId xmlns:a16="http://schemas.microsoft.com/office/drawing/2014/main" id="{A7FF0196-DB91-4BA4-9ECD-9D2598419F0A}"/>
+              </a:ext>
+            </a:extLst>
+          </p:cNvPr>
+          <p:cNvSpPr txBox="1"/>
+          <p:nvPr/>
+        </p:nvSpPr>
+        <p:spPr>
+          <a:xfrm>
+            <a:off x="1231900" y="990600"/>
+            <a:ext cx="1978025" cy="523220"/>
+          </a:xfrm>
+          <a:prstGeom prst="rect">
+            <a:avLst/>
+          </a:prstGeom>
+          <a:noFill/>
+        </p:spPr>
+        <p:txBody>
+          <a:bodyPr wrap="square" rtlCol="0">
+            <a:spAutoFit/>
+          </a:bodyPr>
+          <a:lstStyle/>
+          <a:p>
+            <a:r>
+              <a:rPr lang="zh-CN" altLang="en-US" sz="2800" dirty="0"/>
+              <a:t>命名规则</a:t>
+            </a:r>
+          </a:p>
+        </p:txBody>
+      </p:sp>
+    </p:spTree>
+    <p:extLst>
+      <p:ext uri="{BB962C8B-B14F-4D97-AF65-F5344CB8AC3E}">
+        <p14:creationId xmlns:p14="http://schemas.microsoft.com/office/powerpoint/2010/main" val="725292920"/>
+      </p:ext>
+    </p:extLst>
+  </p:cSld>
+  <p:clrMapOvr>
+    <a:masterClrMapping/>
+  </p:clrMapOvr>
+</p:sld>
+</file>
+
+<file path=ppt/slides/slide39.xml><?xml version="1.0" encoding="utf-8"?>
+<p:sld xmlns:a="http://schemas.openxmlformats.org/drawingml/2006/main" xmlns:r="http://schemas.openxmlformats.org/officeDocument/2006/relationships" xmlns:p="http://schemas.openxmlformats.org/presentationml/2006/main">
+  <p:cSld>
+    <p:spTree>
+      <p:nvGrpSpPr>
+        <p:cNvPr id="1" name=""/>
+        <p:cNvGrpSpPr/>
+        <p:nvPr/>
+      </p:nvGrpSpPr>
+      <p:grpSpPr>
+        <a:xfrm>
+          <a:off x="0" y="0"/>
+          <a:ext cx="0" cy="0"/>
+          <a:chOff x="0" y="0"/>
+          <a:chExt cx="0" cy="0"/>
+        </a:xfrm>
+      </p:grpSpPr>
+      <p:graphicFrame>
+        <p:nvGraphicFramePr>
+          <p:cNvPr id="4" name="表格 3">
+            <a:extLst>
+              <a:ext uri="{FF2B5EF4-FFF2-40B4-BE49-F238E27FC236}">
                 <a16:creationId xmlns:a16="http://schemas.microsoft.com/office/drawing/2014/main" id="{7086BBE7-22EB-4B82-9DEC-4BAE98466031}"/>
               </a:ext>
             </a:extLst>
@@ -37058,7 +37341,7 @@
                         </a:spcAft>
                       </a:pPr>
                       <a:r>
-                        <a:rPr lang="zh-CN" sz="2000" kern="100">
+                        <a:rPr lang="zh-CN" sz="2000" kern="100" dirty="0">
                           <a:effectLst/>
                         </a:rPr>
                         <a:t>教师登陆网站</a:t>
@@ -37071,7 +37354,7 @@
                         </a:spcAft>
                       </a:pPr>
                       <a:r>
-                        <a:rPr lang="zh-CN" sz="2000" kern="100">
+                        <a:rPr lang="zh-CN" sz="2000" kern="100" dirty="0">
                           <a:effectLst/>
                         </a:rPr>
                         <a:t>教师进入课程资料下载界面</a:t>
@@ -37084,12 +37367,12 @@
                         </a:spcAft>
                       </a:pPr>
                       <a:r>
-                        <a:rPr lang="zh-CN" sz="2000" kern="100">
+                        <a:rPr lang="zh-CN" sz="2000" kern="100" dirty="0">
                           <a:effectLst/>
                         </a:rPr>
                         <a:t>课程资料已存在</a:t>
                       </a:r>
-                      <a:endParaRPr lang="zh-CN" sz="2000" kern="100">
+                      <a:endParaRPr lang="zh-CN" sz="2000" kern="100" dirty="0">
                         <a:effectLst/>
                         <a:latin typeface="Calibri" panose="020F0502020204030204" pitchFamily="34" charset="0"/>
                         <a:ea typeface="宋体" panose="02010600030101010101" pitchFamily="2" charset="-122"/>
@@ -37905,7 +38188,164 @@
 </p:sld>
 </file>
 
-<file path=ppt/slides/slide39.xml><?xml version="1.0" encoding="utf-8"?>
+<file path=ppt/slides/slide4.xml><?xml version="1.0" encoding="utf-8"?>
+<p:sld xmlns:a="http://schemas.openxmlformats.org/drawingml/2006/main" xmlns:r="http://schemas.openxmlformats.org/officeDocument/2006/relationships" xmlns:p="http://schemas.openxmlformats.org/presentationml/2006/main">
+  <p:cSld>
+    <p:spTree>
+      <p:nvGrpSpPr>
+        <p:cNvPr id="1" name=""/>
+        <p:cNvGrpSpPr/>
+        <p:nvPr/>
+      </p:nvGrpSpPr>
+      <p:grpSpPr>
+        <a:xfrm>
+          <a:off x="0" y="0"/>
+          <a:ext cx="0" cy="0"/>
+          <a:chOff x="0" y="0"/>
+          <a:chExt cx="0" cy="0"/>
+        </a:xfrm>
+      </p:grpSpPr>
+      <p:sp>
+        <p:nvSpPr>
+          <p:cNvPr id="4" name="矩形 3">
+            <a:extLst>
+              <a:ext uri="{FF2B5EF4-FFF2-40B4-BE49-F238E27FC236}">
+                <a16:creationId xmlns:a16="http://schemas.microsoft.com/office/drawing/2014/main" id="{83ED1D1B-4032-4A47-8712-142FFA78BCF1}"/>
+              </a:ext>
+            </a:extLst>
+          </p:cNvPr>
+          <p:cNvSpPr/>
+          <p:nvPr/>
+        </p:nvSpPr>
+        <p:spPr>
+          <a:xfrm>
+            <a:off x="438149" y="788463"/>
+            <a:ext cx="9286875" cy="4846840"/>
+          </a:xfrm>
+          <a:prstGeom prst="rect">
+            <a:avLst/>
+          </a:prstGeom>
+        </p:spPr>
+        <p:txBody>
+          <a:bodyPr wrap="square">
+            <a:spAutoFit/>
+          </a:bodyPr>
+          <a:lstStyle/>
+          <a:p>
+            <a:pPr algn="just">
+              <a:lnSpc>
+                <a:spcPct val="172000"/>
+              </a:lnSpc>
+              <a:spcBef>
+                <a:spcPts val="1300"/>
+              </a:spcBef>
+              <a:spcAft>
+                <a:spcPts val="1300"/>
+              </a:spcAft>
+            </a:pPr>
+            <a:r>
+              <a:rPr lang="zh-CN" altLang="zh-CN" sz="3600" b="1" kern="100" dirty="0">
+                <a:latin typeface="Arial" panose="020B0604020202020204" pitchFamily="34" charset="0"/>
+                <a:ea typeface="黑体" panose="02010609060101010101" pitchFamily="49" charset="-122"/>
+                <a:cs typeface="Times New Roman" panose="02020603050405020304" pitchFamily="18" charset="0"/>
+              </a:rPr>
+              <a:t>愿景声明</a:t>
+            </a:r>
+          </a:p>
+          <a:p>
+            <a:pPr indent="266700" algn="just">
+              <a:lnSpc>
+                <a:spcPct val="150000"/>
+              </a:lnSpc>
+              <a:spcAft>
+                <a:spcPts val="0"/>
+              </a:spcAft>
+            </a:pPr>
+            <a:r>
+              <a:rPr lang="zh-CN" altLang="zh-CN" sz="2000" kern="100" dirty="0">
+                <a:latin typeface="Times New Roman" panose="02020603050405020304" pitchFamily="18" charset="0"/>
+                <a:ea typeface="Arial" panose="020B0604020202020204" pitchFamily="34" charset="0"/>
+                <a:cs typeface="Times New Roman" panose="02020603050405020304" pitchFamily="18" charset="0"/>
+              </a:rPr>
+              <a:t>“</a:t>
+            </a:r>
+            <a:r>
+              <a:rPr lang="zh-CN" altLang="zh-CN" sz="2000" kern="100" dirty="0">
+                <a:latin typeface="Times New Roman" panose="02020603050405020304" pitchFamily="18" charset="0"/>
+                <a:ea typeface="宋体" panose="02010600030101010101" pitchFamily="2" charset="-122"/>
+              </a:rPr>
+              <a:t>软件工程系列课程教学辅助网站</a:t>
+            </a:r>
+            <a:r>
+              <a:rPr lang="zh-CN" altLang="zh-CN" sz="2000" kern="100" dirty="0">
+                <a:latin typeface="Times New Roman" panose="02020603050405020304" pitchFamily="18" charset="0"/>
+                <a:ea typeface="Arial" panose="020B0604020202020204" pitchFamily="34" charset="0"/>
+                <a:cs typeface="Times New Roman" panose="02020603050405020304" pitchFamily="18" charset="0"/>
+              </a:rPr>
+              <a:t>”</a:t>
+            </a:r>
+            <a:r>
+              <a:rPr lang="zh-CN" altLang="zh-CN" sz="2000" kern="100" dirty="0">
+                <a:latin typeface="Times New Roman" panose="02020603050405020304" pitchFamily="18" charset="0"/>
+                <a:ea typeface="宋体" panose="02010600030101010101" pitchFamily="2" charset="-122"/>
+              </a:rPr>
+              <a:t>是一个专门针对软件工程系列课程的教学辅助网站，并可以有效的提供多课程交叉的资源共享与控制。它的主要用户是软件工程系列相关课程的教师和学习这系列课程的所有学生以及一些感兴趣的网友。它的功能就是服务教师和学生，使他们在教育和学习过程中得到便捷。</a:t>
+            </a:r>
+          </a:p>
+          <a:p>
+            <a:pPr indent="266700" algn="just">
+              <a:lnSpc>
+                <a:spcPct val="150000"/>
+              </a:lnSpc>
+              <a:spcAft>
+                <a:spcPts val="0"/>
+              </a:spcAft>
+            </a:pPr>
+            <a:r>
+              <a:rPr lang="en-US" altLang="zh-CN" sz="2000" kern="100" dirty="0">
+                <a:latin typeface="Times New Roman" panose="02020603050405020304" pitchFamily="18" charset="0"/>
+                <a:ea typeface="宋体" panose="02010600030101010101" pitchFamily="2" charset="-122"/>
+              </a:rPr>
+              <a:t>BB</a:t>
+            </a:r>
+            <a:r>
+              <a:rPr lang="zh-CN" altLang="zh-CN" sz="2000" kern="100" dirty="0">
+                <a:latin typeface="Times New Roman" panose="02020603050405020304" pitchFamily="18" charset="0"/>
+                <a:ea typeface="宋体" panose="02010600030101010101" pitchFamily="2" charset="-122"/>
+              </a:rPr>
+              <a:t>、</a:t>
+            </a:r>
+            <a:r>
+              <a:rPr lang="en-US" altLang="zh-CN" sz="2000" kern="100" dirty="0">
+                <a:latin typeface="Times New Roman" panose="02020603050405020304" pitchFamily="18" charset="0"/>
+                <a:ea typeface="宋体" panose="02010600030101010101" pitchFamily="2" charset="-122"/>
+              </a:rPr>
+              <a:t>MOOC</a:t>
+            </a:r>
+            <a:r>
+              <a:rPr lang="zh-CN" altLang="zh-CN" sz="2000" kern="100" dirty="0">
+                <a:latin typeface="Times New Roman" panose="02020603050405020304" pitchFamily="18" charset="0"/>
+                <a:ea typeface="宋体" panose="02010600030101010101" pitchFamily="2" charset="-122"/>
+              </a:rPr>
+              <a:t>针对教学过程的教学网站，所以需要软件工程系列课程教学辅助网站作为工程类专业学习的专业网站，因为此类课程领悟时间较长，需要通过实践证明，是一个持续长期的过程。此网站为学生和前辈和老师面向专业领域的长期的学习分享和交流提供了一个垂直交流的社区。</a:t>
+            </a:r>
+          </a:p>
+        </p:txBody>
+      </p:sp>
+    </p:spTree>
+    <p:extLst>
+      <p:ext uri="{BB962C8B-B14F-4D97-AF65-F5344CB8AC3E}">
+        <p14:creationId xmlns:p14="http://schemas.microsoft.com/office/powerpoint/2010/main" val="2037974991"/>
+      </p:ext>
+    </p:extLst>
+  </p:cSld>
+  <p:clrMapOvr>
+    <a:masterClrMapping/>
+  </p:clrMapOvr>
+</p:sld>
+</file>
+
+<file path=ppt/slides/slide40.xml><?xml version="1.0" encoding="utf-8"?>
 <p:sld xmlns:a="http://schemas.openxmlformats.org/drawingml/2006/main" xmlns:r="http://schemas.openxmlformats.org/officeDocument/2006/relationships" xmlns:p="http://schemas.openxmlformats.org/presentationml/2006/main">
   <p:cSld>
     <p:bg>
@@ -39429,164 +39869,7 @@
 </p:sld>
 </file>
 
-<file path=ppt/slides/slide4.xml><?xml version="1.0" encoding="utf-8"?>
-<p:sld xmlns:a="http://schemas.openxmlformats.org/drawingml/2006/main" xmlns:r="http://schemas.openxmlformats.org/officeDocument/2006/relationships" xmlns:p="http://schemas.openxmlformats.org/presentationml/2006/main">
-  <p:cSld>
-    <p:spTree>
-      <p:nvGrpSpPr>
-        <p:cNvPr id="1" name=""/>
-        <p:cNvGrpSpPr/>
-        <p:nvPr/>
-      </p:nvGrpSpPr>
-      <p:grpSpPr>
-        <a:xfrm>
-          <a:off x="0" y="0"/>
-          <a:ext cx="0" cy="0"/>
-          <a:chOff x="0" y="0"/>
-          <a:chExt cx="0" cy="0"/>
-        </a:xfrm>
-      </p:grpSpPr>
-      <p:sp>
-        <p:nvSpPr>
-          <p:cNvPr id="4" name="矩形 3">
-            <a:extLst>
-              <a:ext uri="{FF2B5EF4-FFF2-40B4-BE49-F238E27FC236}">
-                <a16:creationId xmlns:a16="http://schemas.microsoft.com/office/drawing/2014/main" id="{83ED1D1B-4032-4A47-8712-142FFA78BCF1}"/>
-              </a:ext>
-            </a:extLst>
-          </p:cNvPr>
-          <p:cNvSpPr/>
-          <p:nvPr/>
-        </p:nvSpPr>
-        <p:spPr>
-          <a:xfrm>
-            <a:off x="438149" y="788463"/>
-            <a:ext cx="9286875" cy="4846840"/>
-          </a:xfrm>
-          <a:prstGeom prst="rect">
-            <a:avLst/>
-          </a:prstGeom>
-        </p:spPr>
-        <p:txBody>
-          <a:bodyPr wrap="square">
-            <a:spAutoFit/>
-          </a:bodyPr>
-          <a:lstStyle/>
-          <a:p>
-            <a:pPr algn="just">
-              <a:lnSpc>
-                <a:spcPct val="172000"/>
-              </a:lnSpc>
-              <a:spcBef>
-                <a:spcPts val="1300"/>
-              </a:spcBef>
-              <a:spcAft>
-                <a:spcPts val="1300"/>
-              </a:spcAft>
-            </a:pPr>
-            <a:r>
-              <a:rPr lang="zh-CN" altLang="zh-CN" sz="3600" b="1" kern="100" dirty="0">
-                <a:latin typeface="Arial" panose="020B0604020202020204" pitchFamily="34" charset="0"/>
-                <a:ea typeface="黑体" panose="02010609060101010101" pitchFamily="49" charset="-122"/>
-                <a:cs typeface="Times New Roman" panose="02020603050405020304" pitchFamily="18" charset="0"/>
-              </a:rPr>
-              <a:t>愿景声明</a:t>
-            </a:r>
-          </a:p>
-          <a:p>
-            <a:pPr indent="266700" algn="just">
-              <a:lnSpc>
-                <a:spcPct val="150000"/>
-              </a:lnSpc>
-              <a:spcAft>
-                <a:spcPts val="0"/>
-              </a:spcAft>
-            </a:pPr>
-            <a:r>
-              <a:rPr lang="zh-CN" altLang="zh-CN" sz="2000" kern="100" dirty="0">
-                <a:latin typeface="Times New Roman" panose="02020603050405020304" pitchFamily="18" charset="0"/>
-                <a:ea typeface="Arial" panose="020B0604020202020204" pitchFamily="34" charset="0"/>
-                <a:cs typeface="Times New Roman" panose="02020603050405020304" pitchFamily="18" charset="0"/>
-              </a:rPr>
-              <a:t>“</a:t>
-            </a:r>
-            <a:r>
-              <a:rPr lang="zh-CN" altLang="zh-CN" sz="2000" kern="100" dirty="0">
-                <a:latin typeface="Times New Roman" panose="02020603050405020304" pitchFamily="18" charset="0"/>
-                <a:ea typeface="宋体" panose="02010600030101010101" pitchFamily="2" charset="-122"/>
-              </a:rPr>
-              <a:t>软件工程系列课程教学辅助网站</a:t>
-            </a:r>
-            <a:r>
-              <a:rPr lang="zh-CN" altLang="zh-CN" sz="2000" kern="100" dirty="0">
-                <a:latin typeface="Times New Roman" panose="02020603050405020304" pitchFamily="18" charset="0"/>
-                <a:ea typeface="Arial" panose="020B0604020202020204" pitchFamily="34" charset="0"/>
-                <a:cs typeface="Times New Roman" panose="02020603050405020304" pitchFamily="18" charset="0"/>
-              </a:rPr>
-              <a:t>”</a:t>
-            </a:r>
-            <a:r>
-              <a:rPr lang="zh-CN" altLang="zh-CN" sz="2000" kern="100" dirty="0">
-                <a:latin typeface="Times New Roman" panose="02020603050405020304" pitchFamily="18" charset="0"/>
-                <a:ea typeface="宋体" panose="02010600030101010101" pitchFamily="2" charset="-122"/>
-              </a:rPr>
-              <a:t>是一个专门针对软件工程系列课程的教学辅助网站，并可以有效的提供多课程交叉的资源共享与控制。它的主要用户是软件工程系列相关课程的教师和学习这系列课程的所有学生以及一些感兴趣的网友。它的功能就是服务教师和学生，使他们在教育和学习过程中得到便捷。</a:t>
-            </a:r>
-          </a:p>
-          <a:p>
-            <a:pPr indent="266700" algn="just">
-              <a:lnSpc>
-                <a:spcPct val="150000"/>
-              </a:lnSpc>
-              <a:spcAft>
-                <a:spcPts val="0"/>
-              </a:spcAft>
-            </a:pPr>
-            <a:r>
-              <a:rPr lang="en-US" altLang="zh-CN" sz="2000" kern="100" dirty="0">
-                <a:latin typeface="Times New Roman" panose="02020603050405020304" pitchFamily="18" charset="0"/>
-                <a:ea typeface="宋体" panose="02010600030101010101" pitchFamily="2" charset="-122"/>
-              </a:rPr>
-              <a:t>BB</a:t>
-            </a:r>
-            <a:r>
-              <a:rPr lang="zh-CN" altLang="zh-CN" sz="2000" kern="100" dirty="0">
-                <a:latin typeface="Times New Roman" panose="02020603050405020304" pitchFamily="18" charset="0"/>
-                <a:ea typeface="宋体" panose="02010600030101010101" pitchFamily="2" charset="-122"/>
-              </a:rPr>
-              <a:t>、</a:t>
-            </a:r>
-            <a:r>
-              <a:rPr lang="en-US" altLang="zh-CN" sz="2000" kern="100" dirty="0">
-                <a:latin typeface="Times New Roman" panose="02020603050405020304" pitchFamily="18" charset="0"/>
-                <a:ea typeface="宋体" panose="02010600030101010101" pitchFamily="2" charset="-122"/>
-              </a:rPr>
-              <a:t>MOOC</a:t>
-            </a:r>
-            <a:r>
-              <a:rPr lang="zh-CN" altLang="zh-CN" sz="2000" kern="100" dirty="0">
-                <a:latin typeface="Times New Roman" panose="02020603050405020304" pitchFamily="18" charset="0"/>
-                <a:ea typeface="宋体" panose="02010600030101010101" pitchFamily="2" charset="-122"/>
-              </a:rPr>
-              <a:t>针对教学过程的教学网站，所以需要软件工程系列课程教学辅助网站作为工程类专业学习的专业网站，因为此类课程领悟时间较长，需要通过实践证明，是一个持续长期的过程。此网站为学生和前辈和老师面向专业领域的长期的学习分享和交流提供了一个垂直交流的社区。</a:t>
-            </a:r>
-          </a:p>
-        </p:txBody>
-      </p:sp>
-    </p:spTree>
-    <p:extLst>
-      <p:ext uri="{BB962C8B-B14F-4D97-AF65-F5344CB8AC3E}">
-        <p14:creationId xmlns:p14="http://schemas.microsoft.com/office/powerpoint/2010/main" val="2037974991"/>
-      </p:ext>
-    </p:extLst>
-  </p:cSld>
-  <p:clrMapOvr>
-    <a:masterClrMapping/>
-  </p:clrMapOvr>
-</p:sld>
-</file>
-
-<file path=ppt/slides/slide40.xml><?xml version="1.0" encoding="utf-8"?>
+<file path=ppt/slides/slide41.xml><?xml version="1.0" encoding="utf-8"?>
 <p:sld xmlns:a="http://schemas.openxmlformats.org/drawingml/2006/main" xmlns:r="http://schemas.openxmlformats.org/officeDocument/2006/relationships" xmlns:p="http://schemas.openxmlformats.org/presentationml/2006/main">
   <p:cSld>
     <p:bg>
@@ -40685,7 +40968,7 @@
 </p:sld>
 </file>
 
-<file path=ppt/slides/slide41.xml><?xml version="1.0" encoding="utf-8"?>
+<file path=ppt/slides/slide42.xml><?xml version="1.0" encoding="utf-8"?>
 <p:sld xmlns:a="http://schemas.openxmlformats.org/drawingml/2006/main" xmlns:r="http://schemas.openxmlformats.org/officeDocument/2006/relationships" xmlns:p="http://schemas.openxmlformats.org/presentationml/2006/main">
   <p:cSld>
     <p:bg>
@@ -41736,7 +42019,15 @@
             </a:r>
             <a:r>
               <a:rPr lang="zh-CN" altLang="en-US" sz="2800" dirty="0"/>
-              <a:t>，用户手册</a:t>
+              <a:t>，用户手册，</a:t>
+            </a:r>
+            <a:r>
+              <a:rPr lang="en-US" altLang="zh-CN" sz="2800" dirty="0"/>
+              <a:t>UML</a:t>
+            </a:r>
+            <a:r>
+              <a:rPr lang="zh-CN" altLang="en-US" sz="2800"/>
+              <a:t>图</a:t>
             </a:r>
             <a:endParaRPr lang="en-US" altLang="zh-CN" sz="2800" dirty="0"/>
           </a:p>
@@ -41837,7 +42128,7 @@
 </p:sld>
 </file>
 
-<file path=ppt/slides/slide42.xml><?xml version="1.0" encoding="utf-8"?>
+<file path=ppt/slides/slide43.xml><?xml version="1.0" encoding="utf-8"?>
 <p:sld xmlns:a="http://schemas.openxmlformats.org/drawingml/2006/main" xmlns:r="http://schemas.openxmlformats.org/officeDocument/2006/relationships" xmlns:p="http://schemas.openxmlformats.org/presentationml/2006/main">
   <p:cSld>
     <p:bg>

--- a/受控文档/需求规格说明书/软件需求规格说明书.pptx
+++ b/受控文档/需求规格说明书/软件需求规格说明书.pptx
@@ -34,20 +34,22 @@
     <p:sldId id="263" r:id="rId28"/>
     <p:sldId id="282" r:id="rId29"/>
     <p:sldId id="284" r:id="rId30"/>
-    <p:sldId id="264" r:id="rId31"/>
-    <p:sldId id="291" r:id="rId32"/>
-    <p:sldId id="265" r:id="rId33"/>
-    <p:sldId id="285" r:id="rId34"/>
-    <p:sldId id="298" r:id="rId35"/>
-    <p:sldId id="266" r:id="rId36"/>
-    <p:sldId id="287" r:id="rId37"/>
-    <p:sldId id="267" r:id="rId38"/>
-    <p:sldId id="301" r:id="rId39"/>
-    <p:sldId id="288" r:id="rId40"/>
-    <p:sldId id="269" r:id="rId41"/>
-    <p:sldId id="270" r:id="rId42"/>
-    <p:sldId id="290" r:id="rId43"/>
-    <p:sldId id="289" r:id="rId44"/>
+    <p:sldId id="302" r:id="rId31"/>
+    <p:sldId id="303" r:id="rId32"/>
+    <p:sldId id="264" r:id="rId33"/>
+    <p:sldId id="291" r:id="rId34"/>
+    <p:sldId id="265" r:id="rId35"/>
+    <p:sldId id="285" r:id="rId36"/>
+    <p:sldId id="298" r:id="rId37"/>
+    <p:sldId id="266" r:id="rId38"/>
+    <p:sldId id="287" r:id="rId39"/>
+    <p:sldId id="267" r:id="rId40"/>
+    <p:sldId id="301" r:id="rId41"/>
+    <p:sldId id="288" r:id="rId42"/>
+    <p:sldId id="269" r:id="rId43"/>
+    <p:sldId id="270" r:id="rId44"/>
+    <p:sldId id="290" r:id="rId45"/>
+    <p:sldId id="289" r:id="rId46"/>
   </p:sldIdLst>
   <p:sldSz cx="12192000" cy="6858000"/>
   <p:notesSz cx="6858000" cy="9144000"/>
@@ -900,7 +902,7 @@
             <a:fld id="{B61BEF0D-F0BB-DE4B-95CE-6DB70DBA9567}" type="datetimeFigureOut">
               <a:rPr lang="en-US" dirty="0"/>
               <a:pPr/>
-              <a:t>1/4/2019</a:t>
+              <a:t>1/11/2019</a:t>
             </a:fld>
             <a:endParaRPr lang="en-US" dirty="0"/>
           </a:p>
@@ -1148,7 +1150,7 @@
             <a:fld id="{B61BEF0D-F0BB-DE4B-95CE-6DB70DBA9567}" type="datetimeFigureOut">
               <a:rPr lang="en-US" dirty="0"/>
               <a:pPr/>
-              <a:t>1/4/2019</a:t>
+              <a:t>1/11/2019</a:t>
             </a:fld>
             <a:endParaRPr lang="en-US" dirty="0"/>
           </a:p>
@@ -1459,7 +1461,7 @@
             <a:fld id="{B61BEF0D-F0BB-DE4B-95CE-6DB70DBA9567}" type="datetimeFigureOut">
               <a:rPr lang="en-US" dirty="0"/>
               <a:pPr/>
-              <a:t>1/4/2019</a:t>
+              <a:t>1/11/2019</a:t>
             </a:fld>
             <a:endParaRPr lang="en-US" dirty="0"/>
           </a:p>
@@ -1789,7 +1791,7 @@
             <a:fld id="{B61BEF0D-F0BB-DE4B-95CE-6DB70DBA9567}" type="datetimeFigureOut">
               <a:rPr lang="en-US" dirty="0"/>
               <a:pPr/>
-              <a:t>1/4/2019</a:t>
+              <a:t>1/11/2019</a:t>
             </a:fld>
             <a:endParaRPr lang="en-US" dirty="0"/>
           </a:p>
@@ -2100,7 +2102,7 @@
             <a:fld id="{B61BEF0D-F0BB-DE4B-95CE-6DB70DBA9567}" type="datetimeFigureOut">
               <a:rPr lang="en-US" dirty="0"/>
               <a:pPr/>
-              <a:t>1/4/2019</a:t>
+              <a:t>1/11/2019</a:t>
             </a:fld>
             <a:endParaRPr lang="en-US" dirty="0"/>
           </a:p>
@@ -2490,7 +2492,7 @@
             <a:fld id="{B61BEF0D-F0BB-DE4B-95CE-6DB70DBA9567}" type="datetimeFigureOut">
               <a:rPr lang="en-US" dirty="0"/>
               <a:pPr/>
-              <a:t>1/4/2019</a:t>
+              <a:t>1/11/2019</a:t>
             </a:fld>
             <a:endParaRPr lang="en-US" dirty="0"/>
           </a:p>
@@ -2656,7 +2658,7 @@
           <a:p>
             <a:fld id="{55C6B4A9-1611-4792-9094-5F34BCA07E0B}" type="datetimeFigureOut">
               <a:rPr lang="en-US" dirty="0"/>
-              <a:t>1/4/2019</a:t>
+              <a:t>1/11/2019</a:t>
             </a:fld>
             <a:endParaRPr lang="en-US" dirty="0"/>
           </a:p>
@@ -2832,7 +2834,7 @@
             <a:fld id="{B61BEF0D-F0BB-DE4B-95CE-6DB70DBA9567}" type="datetimeFigureOut">
               <a:rPr lang="en-US" dirty="0"/>
               <a:pPr/>
-              <a:t>1/4/2019</a:t>
+              <a:t>1/11/2019</a:t>
             </a:fld>
             <a:endParaRPr lang="en-US" dirty="0"/>
           </a:p>
@@ -2998,7 +3000,7 @@
           <a:p>
             <a:fld id="{42A54C80-263E-416B-A8E0-580EDEADCBDC}" type="datetimeFigureOut">
               <a:rPr lang="en-US" dirty="0"/>
-              <a:t>1/4/2019</a:t>
+              <a:t>1/11/2019</a:t>
             </a:fld>
             <a:endParaRPr lang="en-US" dirty="0"/>
           </a:p>
@@ -3241,7 +3243,7 @@
             <a:fld id="{B61BEF0D-F0BB-DE4B-95CE-6DB70DBA9567}" type="datetimeFigureOut">
               <a:rPr lang="en-US" dirty="0"/>
               <a:pPr/>
-              <a:t>1/4/2019</a:t>
+              <a:t>1/11/2019</a:t>
             </a:fld>
             <a:endParaRPr lang="en-US" dirty="0"/>
           </a:p>
@@ -3469,7 +3471,7 @@
           <a:p>
             <a:fld id="{42A54C80-263E-416B-A8E0-580EDEADCBDC}" type="datetimeFigureOut">
               <a:rPr lang="en-US" dirty="0"/>
-              <a:t>1/4/2019</a:t>
+              <a:t>1/11/2019</a:t>
             </a:fld>
             <a:endParaRPr lang="en-US" dirty="0"/>
           </a:p>
@@ -3839,7 +3841,7 @@
             <a:fld id="{B61BEF0D-F0BB-DE4B-95CE-6DB70DBA9567}" type="datetimeFigureOut">
               <a:rPr lang="en-US" dirty="0"/>
               <a:pPr/>
-              <a:t>1/4/2019</a:t>
+              <a:t>1/11/2019</a:t>
             </a:fld>
             <a:endParaRPr lang="en-US" dirty="0"/>
           </a:p>
@@ -3959,7 +3961,7 @@
             <a:fld id="{B61BEF0D-F0BB-DE4B-95CE-6DB70DBA9567}" type="datetimeFigureOut">
               <a:rPr lang="en-US" dirty="0"/>
               <a:pPr/>
-              <a:t>1/4/2019</a:t>
+              <a:t>1/11/2019</a:t>
             </a:fld>
             <a:endParaRPr lang="en-US" dirty="0"/>
           </a:p>
@@ -4051,7 +4053,7 @@
             <a:fld id="{B61BEF0D-F0BB-DE4B-95CE-6DB70DBA9567}" type="datetimeFigureOut">
               <a:rPr lang="en-US" dirty="0"/>
               <a:pPr/>
-              <a:t>1/4/2019</a:t>
+              <a:t>1/11/2019</a:t>
             </a:fld>
             <a:endParaRPr lang="en-US" dirty="0"/>
           </a:p>
@@ -4302,7 +4304,7 @@
           <a:p>
             <a:fld id="{42A54C80-263E-416B-A8E0-580EDEADCBDC}" type="datetimeFigureOut">
               <a:rPr lang="en-US" dirty="0"/>
-              <a:t>1/4/2019</a:t>
+              <a:t>1/11/2019</a:t>
             </a:fld>
             <a:endParaRPr lang="en-US" dirty="0"/>
           </a:p>
@@ -4604,7 +4606,7 @@
             <a:fld id="{B61BEF0D-F0BB-DE4B-95CE-6DB70DBA9567}" type="datetimeFigureOut">
               <a:rPr lang="en-US" dirty="0"/>
               <a:pPr/>
-              <a:t>1/4/2019</a:t>
+              <a:t>1/11/2019</a:t>
             </a:fld>
             <a:endParaRPr lang="en-US" dirty="0"/>
           </a:p>
@@ -5302,7 +5304,7 @@
             <a:fld id="{B61BEF0D-F0BB-DE4B-95CE-6DB70DBA9567}" type="datetimeFigureOut">
               <a:rPr lang="en-US" dirty="0"/>
               <a:pPr/>
-              <a:t>1/4/2019</a:t>
+              <a:t>1/11/2019</a:t>
             </a:fld>
             <a:endParaRPr lang="en-US" dirty="0"/>
           </a:p>
@@ -10465,6 +10467,13 @@
           <a:p>
             <a:r>
               <a:rPr lang="zh-CN" altLang="en-US" sz="3600" dirty="0"/>
+              <a:t>需求冲突</a:t>
+            </a:r>
+            <a:endParaRPr lang="en-US" altLang="zh-CN" sz="3600" dirty="0"/>
+          </a:p>
+          <a:p>
+            <a:r>
+              <a:rPr lang="zh-CN" altLang="en-US" sz="3600" dirty="0"/>
               <a:t>需求优先级（</a:t>
             </a:r>
             <a:r>
@@ -29960,6 +29969,5053 @@
         </p:nvSpPr>
         <p:spPr>
           <a:xfrm>
+            <a:off x="4419136" y="1020871"/>
+            <a:ext cx="6960759" cy="2849671"/>
+          </a:xfrm>
+        </p:spPr>
+        <p:txBody>
+          <a:bodyPr vert="horz" lIns="91440" tIns="45720" rIns="91440" bIns="45720" rtlCol="0" anchor="b">
+            <a:normAutofit/>
+          </a:bodyPr>
+          <a:lstStyle/>
+          <a:p>
+            <a:r>
+              <a:rPr lang="zh-CN" altLang="en-US" sz="6000" dirty="0">
+                <a:solidFill>
+                  <a:srgbClr val="FFFFFF"/>
+                </a:solidFill>
+              </a:rPr>
+              <a:t>需求冲突</a:t>
+            </a:r>
+            <a:endParaRPr lang="en-US" altLang="zh-CN" sz="6000" dirty="0">
+              <a:solidFill>
+                <a:srgbClr val="FFFFFF"/>
+              </a:solidFill>
+            </a:endParaRPr>
+          </a:p>
+        </p:txBody>
+      </p:sp>
+      <p:sp>
+        <p:nvSpPr>
+          <p:cNvPr id="75" name="Isosceles Triangle 74">
+            <a:extLst>
+              <a:ext uri="{FF2B5EF4-FFF2-40B4-BE49-F238E27FC236}">
+                <a16:creationId xmlns:a16="http://schemas.microsoft.com/office/drawing/2014/main" id="{9D2E8756-2465-473A-BA2A-2DB1D6224745}"/>
+              </a:ext>
+              <a:ext uri="{C183D7F6-B498-43B3-948B-1728B52AA6E4}">
+                <adec:decorative xmlns:adec="http://schemas.microsoft.com/office/drawing/2017/decorative" val="1"/>
+              </a:ext>
+            </a:extLst>
+          </p:cNvPr>
+          <p:cNvSpPr>
+            <a:spLocks noGrp="1" noRot="1" noChangeAspect="1" noMove="1" noResize="1" noEditPoints="1" noAdjustHandles="1" noChangeArrowheads="1" noChangeShapeType="1" noTextEdit="1"/>
+          </p:cNvSpPr>
+          <p:nvPr>
+            <p:extLst>
+              <p:ext uri="{386F3935-93C4-4BCD-93E2-E3B085C9AB24}">
+                <p16:designElem xmlns:p16="http://schemas.microsoft.com/office/powerpoint/2015/main" val="1"/>
+              </p:ext>
+            </p:extLst>
+          </p:nvPr>
+        </p:nvSpPr>
+        <p:spPr>
+          <a:xfrm rot="5400000">
+            <a:off x="4062562" y="3271487"/>
+            <a:ext cx="220660" cy="186439"/>
+          </a:xfrm>
+          <a:prstGeom prst="triangle">
+            <a:avLst/>
+          </a:prstGeom>
+          <a:solidFill>
+            <a:srgbClr val="FFFFFF"/>
+          </a:solidFill>
+          <a:ln>
+            <a:noFill/>
+          </a:ln>
+        </p:spPr>
+        <p:style>
+          <a:lnRef idx="2">
+            <a:schemeClr val="accent1">
+              <a:shade val="50000"/>
+            </a:schemeClr>
+          </a:lnRef>
+          <a:fillRef idx="1">
+            <a:schemeClr val="accent1"/>
+          </a:fillRef>
+          <a:effectRef idx="0">
+            <a:schemeClr val="accent1"/>
+          </a:effectRef>
+          <a:fontRef idx="minor">
+            <a:schemeClr val="lt1"/>
+          </a:fontRef>
+        </p:style>
+        <p:txBody>
+          <a:bodyPr rtlCol="0" anchor="ctr"/>
+          <a:lstStyle/>
+          <a:p>
+            <a:pPr algn="ctr"/>
+            <a:endParaRPr lang="en-US"/>
+          </a:p>
+        </p:txBody>
+      </p:sp>
+    </p:spTree>
+    <p:extLst>
+      <p:ext uri="{BB962C8B-B14F-4D97-AF65-F5344CB8AC3E}">
+        <p14:creationId xmlns:p14="http://schemas.microsoft.com/office/powerpoint/2010/main" val="3955272602"/>
+      </p:ext>
+    </p:extLst>
+  </p:cSld>
+  <p:clrMapOvr>
+    <a:overrideClrMapping bg1="dk1" tx1="lt1" bg2="dk2" tx2="lt2" accent1="accent1" accent2="accent2" accent3="accent3" accent4="accent4" accent5="accent5" accent6="accent6" hlink="hlink" folHlink="folHlink"/>
+  </p:clrMapOvr>
+</p:sld>
+</file>
+
+<file path=ppt/slides/slide31.xml><?xml version="1.0" encoding="utf-8"?>
+<p:sld xmlns:a="http://schemas.openxmlformats.org/drawingml/2006/main" xmlns:r="http://schemas.openxmlformats.org/officeDocument/2006/relationships" xmlns:p="http://schemas.openxmlformats.org/presentationml/2006/main">
+  <p:cSld>
+    <p:bg>
+      <p:bgPr>
+        <a:solidFill>
+          <a:schemeClr val="bg1"/>
+        </a:solidFill>
+        <a:effectLst/>
+      </p:bgPr>
+    </p:bg>
+    <p:spTree>
+      <p:nvGrpSpPr>
+        <p:cNvPr id="1" name=""/>
+        <p:cNvGrpSpPr/>
+        <p:nvPr/>
+      </p:nvGrpSpPr>
+      <p:grpSpPr>
+        <a:xfrm>
+          <a:off x="0" y="0"/>
+          <a:ext cx="0" cy="0"/>
+          <a:chOff x="0" y="0"/>
+          <a:chExt cx="0" cy="0"/>
+        </a:xfrm>
+      </p:grpSpPr>
+      <p:grpSp>
+        <p:nvGrpSpPr>
+          <p:cNvPr id="10" name="Group 9">
+            <a:extLst>
+              <a:ext uri="{FF2B5EF4-FFF2-40B4-BE49-F238E27FC236}">
+                <a16:creationId xmlns:a16="http://schemas.microsoft.com/office/drawing/2014/main" id="{4815A7B4-532E-48C9-AC24-D78ACF3339DB}"/>
+              </a:ext>
+              <a:ext uri="{C183D7F6-B498-43B3-948B-1728B52AA6E4}">
+                <adec:decorative xmlns:adec="http://schemas.microsoft.com/office/drawing/2017/decorative" val="1"/>
+              </a:ext>
+            </a:extLst>
+          </p:cNvPr>
+          <p:cNvGrpSpPr>
+            <a:grpSpLocks noGrp="1" noUngrp="1" noRot="1" noChangeAspect="1" noMove="1" noResize="1"/>
+          </p:cNvGrpSpPr>
+          <p:nvPr>
+            <p:extLst>
+              <p:ext uri="{386F3935-93C4-4BCD-93E2-E3B085C9AB24}">
+                <p16:designElem xmlns:p16="http://schemas.microsoft.com/office/powerpoint/2015/main" val="1"/>
+              </p:ext>
+            </p:extLst>
+          </p:nvPr>
+        </p:nvGrpSpPr>
+        <p:grpSpPr>
+          <a:xfrm>
+            <a:off x="0" y="-8467"/>
+            <a:ext cx="12192000" cy="6866467"/>
+            <a:chOff x="0" y="-8467"/>
+            <a:chExt cx="12192000" cy="6866467"/>
+          </a:xfrm>
+        </p:grpSpPr>
+        <p:sp>
+          <p:nvSpPr>
+            <p:cNvPr id="11" name="Freeform 14">
+              <a:extLst>
+                <a:ext uri="{FF2B5EF4-FFF2-40B4-BE49-F238E27FC236}">
+                  <a16:creationId xmlns:a16="http://schemas.microsoft.com/office/drawing/2014/main" id="{D40109F4-CE5C-45F4-856E-F3F69C9FD4E1}"/>
+                </a:ext>
+                <a:ext uri="{C183D7F6-B498-43B3-948B-1728B52AA6E4}">
+                  <adec:decorative xmlns:adec="http://schemas.microsoft.com/office/drawing/2017/decorative" val="1"/>
+                </a:ext>
+              </a:extLst>
+            </p:cNvPr>
+            <p:cNvSpPr/>
+            <p:nvPr>
+              <p:extLst>
+                <p:ext uri="{386F3935-93C4-4BCD-93E2-E3B085C9AB24}">
+                  <p16:designElem xmlns:p16="http://schemas.microsoft.com/office/powerpoint/2015/main" val="1"/>
+                </p:ext>
+              </p:extLst>
+            </p:nvPr>
+          </p:nvSpPr>
+          <p:spPr>
+            <a:xfrm>
+              <a:off x="0" y="-7862"/>
+              <a:ext cx="863600" cy="5698067"/>
+            </a:xfrm>
+            <a:custGeom>
+              <a:avLst/>
+              <a:gdLst/>
+              <a:ahLst/>
+              <a:cxnLst/>
+              <a:rect l="l" t="t" r="r" b="b"/>
+              <a:pathLst>
+                <a:path w="863600" h="5698067">
+                  <a:moveTo>
+                    <a:pt x="0" y="8467"/>
+                  </a:moveTo>
+                  <a:lnTo>
+                    <a:pt x="863600" y="0"/>
+                  </a:lnTo>
+                  <a:lnTo>
+                    <a:pt x="863600" y="16934"/>
+                  </a:lnTo>
+                  <a:lnTo>
+                    <a:pt x="0" y="5698067"/>
+                  </a:lnTo>
+                  <a:lnTo>
+                    <a:pt x="0" y="8467"/>
+                  </a:lnTo>
+                  <a:close/>
+                </a:path>
+              </a:pathLst>
+            </a:custGeom>
+            <a:solidFill>
+              <a:schemeClr val="accent1">
+                <a:alpha val="70000"/>
+              </a:schemeClr>
+            </a:solidFill>
+            <a:ln>
+              <a:noFill/>
+            </a:ln>
+            <a:effectLst/>
+          </p:spPr>
+          <p:style>
+            <a:lnRef idx="1">
+              <a:schemeClr val="accent1"/>
+            </a:lnRef>
+            <a:fillRef idx="3">
+              <a:schemeClr val="accent1"/>
+            </a:fillRef>
+            <a:effectRef idx="2">
+              <a:schemeClr val="accent1"/>
+            </a:effectRef>
+            <a:fontRef idx="minor">
+              <a:schemeClr val="lt1"/>
+            </a:fontRef>
+          </p:style>
+        </p:sp>
+        <p:cxnSp>
+          <p:nvCxnSpPr>
+            <p:cNvPr id="12" name="Straight Connector 11">
+              <a:extLst>
+                <a:ext uri="{FF2B5EF4-FFF2-40B4-BE49-F238E27FC236}">
+                  <a16:creationId xmlns:a16="http://schemas.microsoft.com/office/drawing/2014/main" id="{3CBAA4DE-3D7B-460B-AE98-D9F9990C0B62}"/>
+                </a:ext>
+                <a:ext uri="{C183D7F6-B498-43B3-948B-1728B52AA6E4}">
+                  <adec:decorative xmlns:adec="http://schemas.microsoft.com/office/drawing/2017/decorative" val="1"/>
+                </a:ext>
+              </a:extLst>
+            </p:cNvPr>
+            <p:cNvCxnSpPr/>
+            <p:nvPr>
+              <p:extLst>
+                <p:ext uri="{386F3935-93C4-4BCD-93E2-E3B085C9AB24}">
+                  <p16:designElem xmlns:p16="http://schemas.microsoft.com/office/powerpoint/2015/main" val="1"/>
+                </p:ext>
+              </p:extLst>
+            </p:nvPr>
+          </p:nvCxnSpPr>
+          <p:spPr>
+            <a:xfrm>
+              <a:off x="9371012" y="0"/>
+              <a:ext cx="1219200" cy="6858000"/>
+            </a:xfrm>
+            <a:prstGeom prst="line">
+              <a:avLst/>
+            </a:prstGeom>
+            <a:ln w="9525">
+              <a:solidFill>
+                <a:schemeClr val="accent1">
+                  <a:alpha val="70000"/>
+                </a:schemeClr>
+              </a:solidFill>
+            </a:ln>
+          </p:spPr>
+          <p:style>
+            <a:lnRef idx="2">
+              <a:schemeClr val="accent1"/>
+            </a:lnRef>
+            <a:fillRef idx="0">
+              <a:schemeClr val="accent1"/>
+            </a:fillRef>
+            <a:effectRef idx="1">
+              <a:schemeClr val="accent1"/>
+            </a:effectRef>
+            <a:fontRef idx="minor">
+              <a:schemeClr val="tx1"/>
+            </a:fontRef>
+          </p:style>
+        </p:cxnSp>
+        <p:cxnSp>
+          <p:nvCxnSpPr>
+            <p:cNvPr id="13" name="Straight Connector 12">
+              <a:extLst>
+                <a:ext uri="{FF2B5EF4-FFF2-40B4-BE49-F238E27FC236}">
+                  <a16:creationId xmlns:a16="http://schemas.microsoft.com/office/drawing/2014/main" id="{7BF1ED3E-4F80-4AF6-A41B-44F53DDE610D}"/>
+                </a:ext>
+                <a:ext uri="{C183D7F6-B498-43B3-948B-1728B52AA6E4}">
+                  <adec:decorative xmlns:adec="http://schemas.microsoft.com/office/drawing/2017/decorative" val="1"/>
+                </a:ext>
+              </a:extLst>
+            </p:cNvPr>
+            <p:cNvCxnSpPr/>
+            <p:nvPr>
+              <p:extLst>
+                <p:ext uri="{386F3935-93C4-4BCD-93E2-E3B085C9AB24}">
+                  <p16:designElem xmlns:p16="http://schemas.microsoft.com/office/powerpoint/2015/main" val="1"/>
+                </p:ext>
+              </p:extLst>
+            </p:nvPr>
+          </p:nvCxnSpPr>
+          <p:spPr>
+            <a:xfrm flipH="1">
+              <a:off x="7425267" y="3681413"/>
+              <a:ext cx="4763558" cy="3176587"/>
+            </a:xfrm>
+            <a:prstGeom prst="line">
+              <a:avLst/>
+            </a:prstGeom>
+            <a:ln w="9525">
+              <a:solidFill>
+                <a:schemeClr val="accent1">
+                  <a:alpha val="70000"/>
+                </a:schemeClr>
+              </a:solidFill>
+            </a:ln>
+          </p:spPr>
+          <p:style>
+            <a:lnRef idx="2">
+              <a:schemeClr val="accent1"/>
+            </a:lnRef>
+            <a:fillRef idx="0">
+              <a:schemeClr val="accent1"/>
+            </a:fillRef>
+            <a:effectRef idx="1">
+              <a:schemeClr val="accent1"/>
+            </a:effectRef>
+            <a:fontRef idx="minor">
+              <a:schemeClr val="tx1"/>
+            </a:fontRef>
+          </p:style>
+        </p:cxnSp>
+        <p:sp>
+          <p:nvSpPr>
+            <p:cNvPr id="14" name="Rectangle 23">
+              <a:extLst>
+                <a:ext uri="{FF2B5EF4-FFF2-40B4-BE49-F238E27FC236}">
+                  <a16:creationId xmlns:a16="http://schemas.microsoft.com/office/drawing/2014/main" id="{C0B2D747-3E31-45C5-9A98-A9710A585FBB}"/>
+                </a:ext>
+                <a:ext uri="{C183D7F6-B498-43B3-948B-1728B52AA6E4}">
+                  <adec:decorative xmlns:adec="http://schemas.microsoft.com/office/drawing/2017/decorative" val="1"/>
+                </a:ext>
+              </a:extLst>
+            </p:cNvPr>
+            <p:cNvSpPr/>
+            <p:nvPr>
+              <p:extLst>
+                <p:ext uri="{386F3935-93C4-4BCD-93E2-E3B085C9AB24}">
+                  <p16:designElem xmlns:p16="http://schemas.microsoft.com/office/powerpoint/2015/main" val="1"/>
+                </p:ext>
+              </p:extLst>
+            </p:nvPr>
+          </p:nvSpPr>
+          <p:spPr>
+            <a:xfrm>
+              <a:off x="9181476" y="-8467"/>
+              <a:ext cx="3007349" cy="6866467"/>
+            </a:xfrm>
+            <a:custGeom>
+              <a:avLst/>
+              <a:gdLst/>
+              <a:ahLst/>
+              <a:cxnLst/>
+              <a:rect l="l" t="t" r="r" b="b"/>
+              <a:pathLst>
+                <a:path w="3007349" h="6866467">
+                  <a:moveTo>
+                    <a:pt x="2045532" y="0"/>
+                  </a:moveTo>
+                  <a:lnTo>
+                    <a:pt x="3007349" y="0"/>
+                  </a:lnTo>
+                  <a:lnTo>
+                    <a:pt x="3007349" y="6866467"/>
+                  </a:lnTo>
+                  <a:lnTo>
+                    <a:pt x="0" y="6866467"/>
+                  </a:lnTo>
+                  <a:lnTo>
+                    <a:pt x="2045532" y="0"/>
+                  </a:lnTo>
+                  <a:close/>
+                </a:path>
+              </a:pathLst>
+            </a:custGeom>
+            <a:solidFill>
+              <a:schemeClr val="accent1">
+                <a:alpha val="36000"/>
+              </a:schemeClr>
+            </a:solidFill>
+            <a:ln>
+              <a:noFill/>
+            </a:ln>
+            <a:effectLst/>
+          </p:spPr>
+          <p:style>
+            <a:lnRef idx="1">
+              <a:schemeClr val="accent1"/>
+            </a:lnRef>
+            <a:fillRef idx="3">
+              <a:schemeClr val="accent1"/>
+            </a:fillRef>
+            <a:effectRef idx="2">
+              <a:schemeClr val="accent1"/>
+            </a:effectRef>
+            <a:fontRef idx="minor">
+              <a:schemeClr val="lt1"/>
+            </a:fontRef>
+          </p:style>
+        </p:sp>
+        <p:sp>
+          <p:nvSpPr>
+            <p:cNvPr id="15" name="Rectangle 25">
+              <a:extLst>
+                <a:ext uri="{FF2B5EF4-FFF2-40B4-BE49-F238E27FC236}">
+                  <a16:creationId xmlns:a16="http://schemas.microsoft.com/office/drawing/2014/main" id="{A15FD4BA-3020-462D-8BE8-B3A65B8E492A}"/>
+                </a:ext>
+                <a:ext uri="{C183D7F6-B498-43B3-948B-1728B52AA6E4}">
+                  <adec:decorative xmlns:adec="http://schemas.microsoft.com/office/drawing/2017/decorative" val="1"/>
+                </a:ext>
+              </a:extLst>
+            </p:cNvPr>
+            <p:cNvSpPr/>
+            <p:nvPr>
+              <p:extLst>
+                <p:ext uri="{386F3935-93C4-4BCD-93E2-E3B085C9AB24}">
+                  <p16:designElem xmlns:p16="http://schemas.microsoft.com/office/powerpoint/2015/main" val="1"/>
+                </p:ext>
+              </p:extLst>
+            </p:nvPr>
+          </p:nvSpPr>
+          <p:spPr>
+            <a:xfrm>
+              <a:off x="9603442" y="-8467"/>
+              <a:ext cx="2588558" cy="6866467"/>
+            </a:xfrm>
+            <a:custGeom>
+              <a:avLst/>
+              <a:gdLst/>
+              <a:ahLst/>
+              <a:cxnLst/>
+              <a:rect l="l" t="t" r="r" b="b"/>
+              <a:pathLst>
+                <a:path w="2573311" h="6866467">
+                  <a:moveTo>
+                    <a:pt x="0" y="0"/>
+                  </a:moveTo>
+                  <a:lnTo>
+                    <a:pt x="2573311" y="0"/>
+                  </a:lnTo>
+                  <a:lnTo>
+                    <a:pt x="2573311" y="6866467"/>
+                  </a:lnTo>
+                  <a:lnTo>
+                    <a:pt x="1202336" y="6866467"/>
+                  </a:lnTo>
+                  <a:lnTo>
+                    <a:pt x="0" y="0"/>
+                  </a:lnTo>
+                  <a:close/>
+                </a:path>
+              </a:pathLst>
+            </a:custGeom>
+            <a:solidFill>
+              <a:schemeClr val="accent1">
+                <a:alpha val="20000"/>
+              </a:schemeClr>
+            </a:solidFill>
+            <a:ln>
+              <a:noFill/>
+            </a:ln>
+            <a:effectLst/>
+          </p:spPr>
+          <p:style>
+            <a:lnRef idx="1">
+              <a:schemeClr val="accent1"/>
+            </a:lnRef>
+            <a:fillRef idx="3">
+              <a:schemeClr val="accent1"/>
+            </a:fillRef>
+            <a:effectRef idx="2">
+              <a:schemeClr val="accent1"/>
+            </a:effectRef>
+            <a:fontRef idx="minor">
+              <a:schemeClr val="lt1"/>
+            </a:fontRef>
+          </p:style>
+        </p:sp>
+        <p:sp>
+          <p:nvSpPr>
+            <p:cNvPr id="16" name="Isosceles Triangle 15">
+              <a:extLst>
+                <a:ext uri="{FF2B5EF4-FFF2-40B4-BE49-F238E27FC236}">
+                  <a16:creationId xmlns:a16="http://schemas.microsoft.com/office/drawing/2014/main" id="{A304284A-7318-4DD5-898C-2F6B23C778FA}"/>
+                </a:ext>
+                <a:ext uri="{C183D7F6-B498-43B3-948B-1728B52AA6E4}">
+                  <adec:decorative xmlns:adec="http://schemas.microsoft.com/office/drawing/2017/decorative" val="1"/>
+                </a:ext>
+              </a:extLst>
+            </p:cNvPr>
+            <p:cNvSpPr/>
+            <p:nvPr>
+              <p:extLst>
+                <p:ext uri="{386F3935-93C4-4BCD-93E2-E3B085C9AB24}">
+                  <p16:designElem xmlns:p16="http://schemas.microsoft.com/office/powerpoint/2015/main" val="1"/>
+                </p:ext>
+              </p:extLst>
+            </p:nvPr>
+          </p:nvSpPr>
+          <p:spPr>
+            <a:xfrm>
+              <a:off x="8932333" y="3048000"/>
+              <a:ext cx="3259667" cy="3810000"/>
+            </a:xfrm>
+            <a:prstGeom prst="triangle">
+              <a:avLst>
+                <a:gd name="adj" fmla="val 100000"/>
+              </a:avLst>
+            </a:prstGeom>
+            <a:solidFill>
+              <a:schemeClr val="accent1">
+                <a:lumMod val="75000"/>
+                <a:alpha val="66000"/>
+              </a:schemeClr>
+            </a:solidFill>
+            <a:ln>
+              <a:noFill/>
+            </a:ln>
+            <a:effectLst/>
+          </p:spPr>
+          <p:style>
+            <a:lnRef idx="1">
+              <a:schemeClr val="accent1"/>
+            </a:lnRef>
+            <a:fillRef idx="3">
+              <a:schemeClr val="accent1"/>
+            </a:fillRef>
+            <a:effectRef idx="2">
+              <a:schemeClr val="accent1"/>
+            </a:effectRef>
+            <a:fontRef idx="minor">
+              <a:schemeClr val="lt1"/>
+            </a:fontRef>
+          </p:style>
+        </p:sp>
+        <p:sp>
+          <p:nvSpPr>
+            <p:cNvPr id="17" name="Rectangle 27">
+              <a:extLst>
+                <a:ext uri="{FF2B5EF4-FFF2-40B4-BE49-F238E27FC236}">
+                  <a16:creationId xmlns:a16="http://schemas.microsoft.com/office/drawing/2014/main" id="{9DF48E66-B635-4509-B115-E0987C014EBC}"/>
+                </a:ext>
+                <a:ext uri="{C183D7F6-B498-43B3-948B-1728B52AA6E4}">
+                  <adec:decorative xmlns:adec="http://schemas.microsoft.com/office/drawing/2017/decorative" val="1"/>
+                </a:ext>
+              </a:extLst>
+            </p:cNvPr>
+            <p:cNvSpPr/>
+            <p:nvPr>
+              <p:extLst>
+                <p:ext uri="{386F3935-93C4-4BCD-93E2-E3B085C9AB24}">
+                  <p16:designElem xmlns:p16="http://schemas.microsoft.com/office/powerpoint/2015/main" val="1"/>
+                </p:ext>
+              </p:extLst>
+            </p:nvPr>
+          </p:nvSpPr>
+          <p:spPr>
+            <a:xfrm>
+              <a:off x="9334500" y="-8467"/>
+              <a:ext cx="2854326" cy="6866467"/>
+            </a:xfrm>
+            <a:custGeom>
+              <a:avLst/>
+              <a:gdLst/>
+              <a:ahLst/>
+              <a:cxnLst/>
+              <a:rect l="l" t="t" r="r" b="b"/>
+              <a:pathLst>
+                <a:path w="2858013" h="6866467">
+                  <a:moveTo>
+                    <a:pt x="0" y="0"/>
+                  </a:moveTo>
+                  <a:lnTo>
+                    <a:pt x="2858013" y="0"/>
+                  </a:lnTo>
+                  <a:lnTo>
+                    <a:pt x="2858013" y="6866467"/>
+                  </a:lnTo>
+                  <a:lnTo>
+                    <a:pt x="2473942" y="6866467"/>
+                  </a:lnTo>
+                  <a:lnTo>
+                    <a:pt x="0" y="0"/>
+                  </a:lnTo>
+                  <a:close/>
+                </a:path>
+              </a:pathLst>
+            </a:custGeom>
+            <a:solidFill>
+              <a:schemeClr val="accent1">
+                <a:lumMod val="75000"/>
+                <a:alpha val="50000"/>
+              </a:schemeClr>
+            </a:solidFill>
+            <a:ln>
+              <a:noFill/>
+            </a:ln>
+            <a:effectLst/>
+          </p:spPr>
+          <p:style>
+            <a:lnRef idx="1">
+              <a:schemeClr val="accent1"/>
+            </a:lnRef>
+            <a:fillRef idx="3">
+              <a:schemeClr val="accent1"/>
+            </a:fillRef>
+            <a:effectRef idx="2">
+              <a:schemeClr val="accent1"/>
+            </a:effectRef>
+            <a:fontRef idx="minor">
+              <a:schemeClr val="lt1"/>
+            </a:fontRef>
+          </p:style>
+        </p:sp>
+        <p:sp>
+          <p:nvSpPr>
+            <p:cNvPr id="18" name="Rectangle 28">
+              <a:extLst>
+                <a:ext uri="{FF2B5EF4-FFF2-40B4-BE49-F238E27FC236}">
+                  <a16:creationId xmlns:a16="http://schemas.microsoft.com/office/drawing/2014/main" id="{E3B96D94-5F5A-4F4C-810C-917BF4D266C3}"/>
+                </a:ext>
+                <a:ext uri="{C183D7F6-B498-43B3-948B-1728B52AA6E4}">
+                  <adec:decorative xmlns:adec="http://schemas.microsoft.com/office/drawing/2017/decorative" val="1"/>
+                </a:ext>
+              </a:extLst>
+            </p:cNvPr>
+            <p:cNvSpPr/>
+            <p:nvPr>
+              <p:extLst>
+                <p:ext uri="{386F3935-93C4-4BCD-93E2-E3B085C9AB24}">
+                  <p16:designElem xmlns:p16="http://schemas.microsoft.com/office/powerpoint/2015/main" val="1"/>
+                </p:ext>
+              </p:extLst>
+            </p:nvPr>
+          </p:nvSpPr>
+          <p:spPr>
+            <a:xfrm>
+              <a:off x="10898730" y="-8467"/>
+              <a:ext cx="1290094" cy="6866467"/>
+            </a:xfrm>
+            <a:custGeom>
+              <a:avLst/>
+              <a:gdLst/>
+              <a:ahLst/>
+              <a:cxnLst/>
+              <a:rect l="l" t="t" r="r" b="b"/>
+              <a:pathLst>
+                <a:path w="1290094" h="6858000">
+                  <a:moveTo>
+                    <a:pt x="1019735" y="0"/>
+                  </a:moveTo>
+                  <a:lnTo>
+                    <a:pt x="1290094" y="0"/>
+                  </a:lnTo>
+                  <a:lnTo>
+                    <a:pt x="1290094" y="6858000"/>
+                  </a:lnTo>
+                  <a:lnTo>
+                    <a:pt x="0" y="6858000"/>
+                  </a:lnTo>
+                  <a:lnTo>
+                    <a:pt x="1019735" y="0"/>
+                  </a:lnTo>
+                  <a:close/>
+                </a:path>
+              </a:pathLst>
+            </a:custGeom>
+            <a:solidFill>
+              <a:schemeClr val="accent2">
+                <a:alpha val="70000"/>
+              </a:schemeClr>
+            </a:solidFill>
+            <a:ln>
+              <a:noFill/>
+            </a:ln>
+            <a:effectLst/>
+          </p:spPr>
+          <p:style>
+            <a:lnRef idx="1">
+              <a:schemeClr val="accent1"/>
+            </a:lnRef>
+            <a:fillRef idx="3">
+              <a:schemeClr val="accent1"/>
+            </a:fillRef>
+            <a:effectRef idx="2">
+              <a:schemeClr val="accent1"/>
+            </a:effectRef>
+            <a:fontRef idx="minor">
+              <a:schemeClr val="lt1"/>
+            </a:fontRef>
+          </p:style>
+        </p:sp>
+        <p:sp>
+          <p:nvSpPr>
+            <p:cNvPr id="19" name="Rectangle 29">
+              <a:extLst>
+                <a:ext uri="{FF2B5EF4-FFF2-40B4-BE49-F238E27FC236}">
+                  <a16:creationId xmlns:a16="http://schemas.microsoft.com/office/drawing/2014/main" id="{7F3782D6-BFF8-4389-9D39-A023ADAA92C1}"/>
+                </a:ext>
+                <a:ext uri="{C183D7F6-B498-43B3-948B-1728B52AA6E4}">
+                  <adec:decorative xmlns:adec="http://schemas.microsoft.com/office/drawing/2017/decorative" val="1"/>
+                </a:ext>
+              </a:extLst>
+            </p:cNvPr>
+            <p:cNvSpPr/>
+            <p:nvPr>
+              <p:extLst>
+                <p:ext uri="{386F3935-93C4-4BCD-93E2-E3B085C9AB24}">
+                  <p16:designElem xmlns:p16="http://schemas.microsoft.com/office/powerpoint/2015/main" val="1"/>
+                </p:ext>
+              </p:extLst>
+            </p:nvPr>
+          </p:nvSpPr>
+          <p:spPr>
+            <a:xfrm>
+              <a:off x="10938999" y="-8467"/>
+              <a:ext cx="1249825" cy="6866467"/>
+            </a:xfrm>
+            <a:custGeom>
+              <a:avLst/>
+              <a:gdLst/>
+              <a:ahLst/>
+              <a:cxnLst/>
+              <a:rect l="l" t="t" r="r" b="b"/>
+              <a:pathLst>
+                <a:path w="1249825" h="6858000">
+                  <a:moveTo>
+                    <a:pt x="0" y="0"/>
+                  </a:moveTo>
+                  <a:lnTo>
+                    <a:pt x="1249825" y="0"/>
+                  </a:lnTo>
+                  <a:lnTo>
+                    <a:pt x="1249825" y="6858000"/>
+                  </a:lnTo>
+                  <a:lnTo>
+                    <a:pt x="1109382" y="6858000"/>
+                  </a:lnTo>
+                  <a:lnTo>
+                    <a:pt x="0" y="0"/>
+                  </a:lnTo>
+                  <a:close/>
+                </a:path>
+              </a:pathLst>
+            </a:custGeom>
+            <a:solidFill>
+              <a:schemeClr val="accent2">
+                <a:lumMod val="75000"/>
+                <a:alpha val="80000"/>
+              </a:schemeClr>
+            </a:solidFill>
+            <a:ln>
+              <a:noFill/>
+            </a:ln>
+            <a:effectLst/>
+          </p:spPr>
+          <p:style>
+            <a:lnRef idx="1">
+              <a:schemeClr val="accent1"/>
+            </a:lnRef>
+            <a:fillRef idx="3">
+              <a:schemeClr val="accent1"/>
+            </a:fillRef>
+            <a:effectRef idx="2">
+              <a:schemeClr val="accent1"/>
+            </a:effectRef>
+            <a:fontRef idx="minor">
+              <a:schemeClr val="lt1"/>
+            </a:fontRef>
+          </p:style>
+        </p:sp>
+        <p:sp>
+          <p:nvSpPr>
+            <p:cNvPr id="20" name="Isosceles Triangle 19">
+              <a:extLst>
+                <a:ext uri="{FF2B5EF4-FFF2-40B4-BE49-F238E27FC236}">
+                  <a16:creationId xmlns:a16="http://schemas.microsoft.com/office/drawing/2014/main" id="{ECE162D4-FCAE-441B-B5E9-C91DE62124EF}"/>
+                </a:ext>
+                <a:ext uri="{C183D7F6-B498-43B3-948B-1728B52AA6E4}">
+                  <adec:decorative xmlns:adec="http://schemas.microsoft.com/office/drawing/2017/decorative" val="1"/>
+                </a:ext>
+              </a:extLst>
+            </p:cNvPr>
+            <p:cNvSpPr/>
+            <p:nvPr>
+              <p:extLst>
+                <p:ext uri="{386F3935-93C4-4BCD-93E2-E3B085C9AB24}">
+                  <p16:designElem xmlns:p16="http://schemas.microsoft.com/office/powerpoint/2015/main" val="1"/>
+                </p:ext>
+              </p:extLst>
+            </p:nvPr>
+          </p:nvSpPr>
+          <p:spPr>
+            <a:xfrm>
+              <a:off x="10371666" y="3589867"/>
+              <a:ext cx="1817159" cy="3268133"/>
+            </a:xfrm>
+            <a:prstGeom prst="triangle">
+              <a:avLst>
+                <a:gd name="adj" fmla="val 100000"/>
+              </a:avLst>
+            </a:prstGeom>
+            <a:solidFill>
+              <a:schemeClr val="accent1">
+                <a:lumMod val="75000"/>
+                <a:alpha val="66000"/>
+              </a:schemeClr>
+            </a:solidFill>
+            <a:ln>
+              <a:noFill/>
+            </a:ln>
+            <a:effectLst/>
+          </p:spPr>
+          <p:style>
+            <a:lnRef idx="1">
+              <a:schemeClr val="accent1"/>
+            </a:lnRef>
+            <a:fillRef idx="3">
+              <a:schemeClr val="accent1"/>
+            </a:fillRef>
+            <a:effectRef idx="2">
+              <a:schemeClr val="accent1"/>
+            </a:effectRef>
+            <a:fontRef idx="minor">
+              <a:schemeClr val="lt1"/>
+            </a:fontRef>
+          </p:style>
+        </p:sp>
+      </p:grpSp>
+      <p:sp>
+        <p:nvSpPr>
+          <p:cNvPr id="4" name="标题 3">
+            <a:extLst>
+              <a:ext uri="{FF2B5EF4-FFF2-40B4-BE49-F238E27FC236}">
+                <a16:creationId xmlns:a16="http://schemas.microsoft.com/office/drawing/2014/main" id="{ED1D1397-AA72-4611-9715-5B3A3E01E8D4}"/>
+              </a:ext>
+            </a:extLst>
+          </p:cNvPr>
+          <p:cNvSpPr>
+            <a:spLocks noGrp="1"/>
+          </p:cNvSpPr>
+          <p:nvPr>
+            <p:ph type="title"/>
+          </p:nvPr>
+        </p:nvSpPr>
+        <p:spPr>
+          <a:xfrm>
+            <a:off x="743403" y="-103623"/>
+            <a:ext cx="7673801" cy="1087656"/>
+          </a:xfrm>
+        </p:spPr>
+        <p:txBody>
+          <a:bodyPr vert="horz" lIns="91440" tIns="45720" rIns="91440" bIns="45720" rtlCol="0" anchor="b">
+            <a:normAutofit/>
+          </a:bodyPr>
+          <a:lstStyle/>
+          <a:p>
+            <a:r>
+              <a:rPr lang="en-US" altLang="zh-CN" sz="4800" dirty="0">
+                <a:solidFill>
+                  <a:schemeClr val="tx1"/>
+                </a:solidFill>
+              </a:rPr>
+              <a:t>JAD</a:t>
+            </a:r>
+            <a:r>
+              <a:rPr lang="zh-CN" altLang="en-US" sz="4800" dirty="0">
+                <a:solidFill>
+                  <a:schemeClr val="tx1"/>
+                </a:solidFill>
+              </a:rPr>
+              <a:t>会议记录</a:t>
+            </a:r>
+          </a:p>
+        </p:txBody>
+      </p:sp>
+      <p:graphicFrame>
+        <p:nvGraphicFramePr>
+          <p:cNvPr id="5" name="表格 4">
+            <a:extLst>
+              <a:ext uri="{FF2B5EF4-FFF2-40B4-BE49-F238E27FC236}">
+                <a16:creationId xmlns:a16="http://schemas.microsoft.com/office/drawing/2014/main" id="{7F7A0416-B8E2-4D36-B20E-8214EA496047}"/>
+              </a:ext>
+            </a:extLst>
+          </p:cNvPr>
+          <p:cNvGraphicFramePr>
+            <a:graphicFrameLocks noGrp="1"/>
+          </p:cNvGraphicFramePr>
+          <p:nvPr>
+            <p:extLst>
+              <p:ext uri="{D42A27DB-BD31-4B8C-83A1-F6EECF244321}">
+                <p14:modId xmlns:p14="http://schemas.microsoft.com/office/powerpoint/2010/main" val="1093448846"/>
+              </p:ext>
+            </p:extLst>
+          </p:nvPr>
+        </p:nvGraphicFramePr>
+        <p:xfrm>
+          <a:off x="705667" y="1167795"/>
+          <a:ext cx="8790758" cy="5445343"/>
+        </p:xfrm>
+        <a:graphic>
+          <a:graphicData uri="http://schemas.openxmlformats.org/drawingml/2006/table">
+            <a:tbl>
+              <a:tblPr/>
+              <a:tblGrid>
+                <a:gridCol w="1488604">
+                  <a:extLst>
+                    <a:ext uri="{9D8B030D-6E8A-4147-A177-3AD203B41FA5}">
+                      <a16:colId xmlns:a16="http://schemas.microsoft.com/office/drawing/2014/main" val="1189518041"/>
+                    </a:ext>
+                  </a:extLst>
+                </a:gridCol>
+                <a:gridCol w="1546048">
+                  <a:extLst>
+                    <a:ext uri="{9D8B030D-6E8A-4147-A177-3AD203B41FA5}">
+                      <a16:colId xmlns:a16="http://schemas.microsoft.com/office/drawing/2014/main" val="3734350138"/>
+                    </a:ext>
+                  </a:extLst>
+                </a:gridCol>
+                <a:gridCol w="1546045">
+                  <a:extLst>
+                    <a:ext uri="{9D8B030D-6E8A-4147-A177-3AD203B41FA5}">
+                      <a16:colId xmlns:a16="http://schemas.microsoft.com/office/drawing/2014/main" val="585560155"/>
+                    </a:ext>
+                  </a:extLst>
+                </a:gridCol>
+                <a:gridCol w="576506">
+                  <a:extLst>
+                    <a:ext uri="{9D8B030D-6E8A-4147-A177-3AD203B41FA5}">
+                      <a16:colId xmlns:a16="http://schemas.microsoft.com/office/drawing/2014/main" val="1864662999"/>
+                    </a:ext>
+                  </a:extLst>
+                </a:gridCol>
+                <a:gridCol w="813282">
+                  <a:extLst>
+                    <a:ext uri="{9D8B030D-6E8A-4147-A177-3AD203B41FA5}">
+                      <a16:colId xmlns:a16="http://schemas.microsoft.com/office/drawing/2014/main" val="624677646"/>
+                    </a:ext>
+                  </a:extLst>
+                </a:gridCol>
+                <a:gridCol w="722425">
+                  <a:extLst>
+                    <a:ext uri="{9D8B030D-6E8A-4147-A177-3AD203B41FA5}">
+                      <a16:colId xmlns:a16="http://schemas.microsoft.com/office/drawing/2014/main" val="3371852262"/>
+                    </a:ext>
+                  </a:extLst>
+                </a:gridCol>
+                <a:gridCol w="485649">
+                  <a:extLst>
+                    <a:ext uri="{9D8B030D-6E8A-4147-A177-3AD203B41FA5}">
+                      <a16:colId xmlns:a16="http://schemas.microsoft.com/office/drawing/2014/main" val="3998696177"/>
+                    </a:ext>
+                  </a:extLst>
+                </a:gridCol>
+                <a:gridCol w="1612199">
+                  <a:extLst>
+                    <a:ext uri="{9D8B030D-6E8A-4147-A177-3AD203B41FA5}">
+                      <a16:colId xmlns:a16="http://schemas.microsoft.com/office/drawing/2014/main" val="1899333136"/>
+                    </a:ext>
+                  </a:extLst>
+                </a:gridCol>
+              </a:tblGrid>
+              <a:tr h="293984">
+                <a:tc>
+                  <a:txBody>
+                    <a:bodyPr/>
+                    <a:lstStyle/>
+                    <a:p>
+                      <a:pPr algn="ctr" fontAlgn="t">
+                        <a:lnSpc>
+                          <a:spcPct val="200000"/>
+                        </a:lnSpc>
+                        <a:spcBef>
+                          <a:spcPts val="0"/>
+                        </a:spcBef>
+                        <a:spcAft>
+                          <a:spcPts val="0"/>
+                        </a:spcAft>
+                      </a:pPr>
+                      <a:r>
+                        <a:rPr lang="zh-CN" altLang="en-US" sz="1100" b="1" i="0" u="none" strike="noStrike" kern="100">
+                          <a:effectLst/>
+                          <a:latin typeface="Times New Roman" panose="02020603050405020304" pitchFamily="18" charset="0"/>
+                          <a:ea typeface="宋体" panose="02010600030101010101" pitchFamily="2" charset="-122"/>
+                        </a:rPr>
+                        <a:t>会议主题</a:t>
+                      </a:r>
+                      <a:endParaRPr lang="zh-CN" altLang="en-US" sz="2000" b="1" i="0" u="none" strike="noStrike">
+                        <a:effectLst/>
+                        <a:latin typeface="Arial" panose="020B0604020202020204" pitchFamily="34" charset="0"/>
+                      </a:endParaRPr>
+                    </a:p>
+                  </a:txBody>
+                  <a:tcPr marL="40831" marR="40831" marT="5671" marB="0">
+                    <a:lnL w="12700" cap="flat" cmpd="sng" algn="ctr">
+                      <a:solidFill>
+                        <a:srgbClr val="000000"/>
+                      </a:solidFill>
+                      <a:prstDash val="solid"/>
+                      <a:round/>
+                      <a:headEnd type="none" w="med" len="med"/>
+                      <a:tailEnd type="none" w="med" len="med"/>
+                    </a:lnL>
+                    <a:lnR w="12700" cap="flat" cmpd="sng" algn="ctr">
+                      <a:solidFill>
+                        <a:srgbClr val="000000"/>
+                      </a:solidFill>
+                      <a:prstDash val="solid"/>
+                      <a:round/>
+                      <a:headEnd type="none" w="med" len="med"/>
+                      <a:tailEnd type="none" w="med" len="med"/>
+                    </a:lnR>
+                    <a:lnT w="12700" cap="flat" cmpd="sng" algn="ctr">
+                      <a:solidFill>
+                        <a:srgbClr val="000000"/>
+                      </a:solidFill>
+                      <a:prstDash val="solid"/>
+                      <a:round/>
+                      <a:headEnd type="none" w="med" len="med"/>
+                      <a:tailEnd type="none" w="med" len="med"/>
+                    </a:lnT>
+                    <a:lnB w="12700" cap="flat" cmpd="sng" algn="ctr">
+                      <a:solidFill>
+                        <a:srgbClr val="000000"/>
+                      </a:solidFill>
+                      <a:prstDash val="solid"/>
+                      <a:round/>
+                      <a:headEnd type="none" w="med" len="med"/>
+                      <a:tailEnd type="none" w="med" len="med"/>
+                    </a:lnB>
+                  </a:tcPr>
+                </a:tc>
+                <a:tc gridSpan="3">
+                  <a:txBody>
+                    <a:bodyPr/>
+                    <a:lstStyle/>
+                    <a:p>
+                      <a:pPr algn="ctr" fontAlgn="t">
+                        <a:lnSpc>
+                          <a:spcPct val="200000"/>
+                        </a:lnSpc>
+                        <a:spcBef>
+                          <a:spcPts val="0"/>
+                        </a:spcBef>
+                        <a:spcAft>
+                          <a:spcPts val="0"/>
+                        </a:spcAft>
+                      </a:pPr>
+                      <a:r>
+                        <a:rPr lang="en-US" sz="1100" b="1" i="0" u="none" strike="noStrike" kern="100">
+                          <a:effectLst/>
+                          <a:latin typeface="Times New Roman" panose="02020603050405020304" pitchFamily="18" charset="0"/>
+                          <a:ea typeface="宋体" panose="02010600030101010101" pitchFamily="2" charset="-122"/>
+                        </a:rPr>
+                        <a:t>PRD-G17 </a:t>
+                      </a:r>
+                      <a:r>
+                        <a:rPr lang="ja-JP" altLang="en-US" sz="1100" b="1" i="0" u="none" strike="noStrike" kern="100">
+                          <a:effectLst/>
+                          <a:latin typeface="Times New Roman" panose="02020603050405020304" pitchFamily="18" charset="0"/>
+                          <a:ea typeface="宋体" panose="02010600030101010101" pitchFamily="2" charset="-122"/>
+                        </a:rPr>
+                        <a:t>小组与用户代表会议</a:t>
+                      </a:r>
+                      <a:endParaRPr lang="ja-JP" altLang="en-US" sz="2000" b="1" i="0" u="none" strike="noStrike">
+                        <a:effectLst/>
+                        <a:latin typeface="Arial" panose="020B0604020202020204" pitchFamily="34" charset="0"/>
+                      </a:endParaRPr>
+                    </a:p>
+                  </a:txBody>
+                  <a:tcPr marL="54441" marR="54441" marT="27221" marB="27221">
+                    <a:lnL w="12700" cap="flat" cmpd="sng" algn="ctr">
+                      <a:solidFill>
+                        <a:srgbClr val="000000"/>
+                      </a:solidFill>
+                      <a:prstDash val="solid"/>
+                      <a:round/>
+                      <a:headEnd type="none" w="med" len="med"/>
+                      <a:tailEnd type="none" w="med" len="med"/>
+                    </a:lnL>
+                    <a:lnR w="12700" cap="flat" cmpd="sng" algn="ctr">
+                      <a:solidFill>
+                        <a:srgbClr val="000000"/>
+                      </a:solidFill>
+                      <a:prstDash val="solid"/>
+                      <a:round/>
+                      <a:headEnd type="none" w="med" len="med"/>
+                      <a:tailEnd type="none" w="med" len="med"/>
+                    </a:lnR>
+                    <a:lnT w="12700" cap="flat" cmpd="sng" algn="ctr">
+                      <a:solidFill>
+                        <a:srgbClr val="000000"/>
+                      </a:solidFill>
+                      <a:prstDash val="solid"/>
+                      <a:round/>
+                      <a:headEnd type="none" w="med" len="med"/>
+                      <a:tailEnd type="none" w="med" len="med"/>
+                    </a:lnT>
+                    <a:lnB w="12700" cap="flat" cmpd="sng" algn="ctr">
+                      <a:solidFill>
+                        <a:srgbClr val="000000"/>
+                      </a:solidFill>
+                      <a:prstDash val="solid"/>
+                      <a:round/>
+                      <a:headEnd type="none" w="med" len="med"/>
+                      <a:tailEnd type="none" w="med" len="med"/>
+                    </a:lnB>
+                  </a:tcPr>
+                </a:tc>
+                <a:tc hMerge="1">
+                  <a:txBody>
+                    <a:bodyPr/>
+                    <a:lstStyle/>
+                    <a:p>
+                      <a:endParaRPr lang="zh-CN" altLang="en-US"/>
+                    </a:p>
+                  </a:txBody>
+                  <a:tcPr/>
+                </a:tc>
+                <a:tc hMerge="1">
+                  <a:txBody>
+                    <a:bodyPr/>
+                    <a:lstStyle/>
+                    <a:p>
+                      <a:endParaRPr lang="zh-CN" altLang="en-US"/>
+                    </a:p>
+                  </a:txBody>
+                  <a:tcPr/>
+                </a:tc>
+                <a:tc gridSpan="2">
+                  <a:txBody>
+                    <a:bodyPr/>
+                    <a:lstStyle/>
+                    <a:p>
+                      <a:pPr algn="ctr" fontAlgn="t">
+                        <a:lnSpc>
+                          <a:spcPct val="200000"/>
+                        </a:lnSpc>
+                        <a:spcBef>
+                          <a:spcPts val="0"/>
+                        </a:spcBef>
+                        <a:spcAft>
+                          <a:spcPts val="0"/>
+                        </a:spcAft>
+                      </a:pPr>
+                      <a:r>
+                        <a:rPr lang="zh-CN" altLang="en-US" sz="1100" b="1" i="0" u="none" strike="noStrike" kern="100">
+                          <a:effectLst/>
+                          <a:latin typeface="Times New Roman" panose="02020603050405020304" pitchFamily="18" charset="0"/>
+                          <a:ea typeface="宋体" panose="02010600030101010101" pitchFamily="2" charset="-122"/>
+                        </a:rPr>
+                        <a:t>会议时间</a:t>
+                      </a:r>
+                      <a:endParaRPr lang="zh-CN" altLang="en-US" sz="2000" b="1" i="0" u="none" strike="noStrike">
+                        <a:effectLst/>
+                        <a:latin typeface="Arial" panose="020B0604020202020204" pitchFamily="34" charset="0"/>
+                      </a:endParaRPr>
+                    </a:p>
+                  </a:txBody>
+                  <a:tcPr marL="54441" marR="54441" marT="27221" marB="27221">
+                    <a:lnL w="12700" cap="flat" cmpd="sng" algn="ctr">
+                      <a:solidFill>
+                        <a:srgbClr val="000000"/>
+                      </a:solidFill>
+                      <a:prstDash val="solid"/>
+                      <a:round/>
+                      <a:headEnd type="none" w="med" len="med"/>
+                      <a:tailEnd type="none" w="med" len="med"/>
+                    </a:lnL>
+                    <a:lnR w="12700" cap="flat" cmpd="sng" algn="ctr">
+                      <a:solidFill>
+                        <a:srgbClr val="000000"/>
+                      </a:solidFill>
+                      <a:prstDash val="solid"/>
+                      <a:round/>
+                      <a:headEnd type="none" w="med" len="med"/>
+                      <a:tailEnd type="none" w="med" len="med"/>
+                    </a:lnR>
+                    <a:lnT w="12700" cap="flat" cmpd="sng" algn="ctr">
+                      <a:solidFill>
+                        <a:srgbClr val="000000"/>
+                      </a:solidFill>
+                      <a:prstDash val="solid"/>
+                      <a:round/>
+                      <a:headEnd type="none" w="med" len="med"/>
+                      <a:tailEnd type="none" w="med" len="med"/>
+                    </a:lnT>
+                    <a:lnB w="12700" cap="flat" cmpd="sng" algn="ctr">
+                      <a:solidFill>
+                        <a:srgbClr val="000000"/>
+                      </a:solidFill>
+                      <a:prstDash val="solid"/>
+                      <a:round/>
+                      <a:headEnd type="none" w="med" len="med"/>
+                      <a:tailEnd type="none" w="med" len="med"/>
+                    </a:lnB>
+                  </a:tcPr>
+                </a:tc>
+                <a:tc hMerge="1">
+                  <a:txBody>
+                    <a:bodyPr/>
+                    <a:lstStyle/>
+                    <a:p>
+                      <a:endParaRPr lang="zh-CN" altLang="en-US"/>
+                    </a:p>
+                  </a:txBody>
+                  <a:tcPr/>
+                </a:tc>
+                <a:tc gridSpan="2">
+                  <a:txBody>
+                    <a:bodyPr/>
+                    <a:lstStyle/>
+                    <a:p>
+                      <a:pPr algn="ctr" fontAlgn="t">
+                        <a:lnSpc>
+                          <a:spcPct val="200000"/>
+                        </a:lnSpc>
+                        <a:spcBef>
+                          <a:spcPts val="0"/>
+                        </a:spcBef>
+                        <a:spcAft>
+                          <a:spcPts val="0"/>
+                        </a:spcAft>
+                      </a:pPr>
+                      <a:r>
+                        <a:rPr lang="en-US" altLang="ja-JP" sz="1100" b="1" i="0" u="none" strike="noStrike" kern="100">
+                          <a:effectLst/>
+                          <a:latin typeface="Times New Roman" panose="02020603050405020304" pitchFamily="18" charset="0"/>
+                          <a:ea typeface="宋体" panose="02010600030101010101" pitchFamily="2" charset="-122"/>
+                        </a:rPr>
+                        <a:t>2019.01.9 17</a:t>
+                      </a:r>
+                      <a:r>
+                        <a:rPr lang="ja-JP" altLang="en-US" sz="1100" b="1" i="0" u="none" strike="noStrike" kern="100">
+                          <a:effectLst/>
+                          <a:latin typeface="Times New Roman" panose="02020603050405020304" pitchFamily="18" charset="0"/>
+                          <a:ea typeface="宋体" panose="02010600030101010101" pitchFamily="2" charset="-122"/>
+                        </a:rPr>
+                        <a:t>时</a:t>
+                      </a:r>
+                      <a:r>
+                        <a:rPr lang="en-US" altLang="ja-JP" sz="1100" b="1" i="0" u="none" strike="noStrike" kern="100">
+                          <a:effectLst/>
+                          <a:latin typeface="Times New Roman" panose="02020603050405020304" pitchFamily="18" charset="0"/>
+                          <a:ea typeface="宋体" panose="02010600030101010101" pitchFamily="2" charset="-122"/>
+                        </a:rPr>
+                        <a:t>00</a:t>
+                      </a:r>
+                      <a:r>
+                        <a:rPr lang="ja-JP" altLang="en-US" sz="1100" b="1" i="0" u="none" strike="noStrike" kern="100">
+                          <a:effectLst/>
+                          <a:latin typeface="Times New Roman" panose="02020603050405020304" pitchFamily="18" charset="0"/>
+                          <a:ea typeface="宋体" panose="02010600030101010101" pitchFamily="2" charset="-122"/>
+                        </a:rPr>
+                        <a:t>分</a:t>
+                      </a:r>
+                      <a:endParaRPr lang="ja-JP" altLang="en-US" sz="2000" b="1" i="0" u="none" strike="noStrike">
+                        <a:effectLst/>
+                        <a:latin typeface="Arial" panose="020B0604020202020204" pitchFamily="34" charset="0"/>
+                      </a:endParaRPr>
+                    </a:p>
+                  </a:txBody>
+                  <a:tcPr marL="54441" marR="54441" marT="27221" marB="27221">
+                    <a:lnL w="12700" cap="flat" cmpd="sng" algn="ctr">
+                      <a:solidFill>
+                        <a:srgbClr val="000000"/>
+                      </a:solidFill>
+                      <a:prstDash val="solid"/>
+                      <a:round/>
+                      <a:headEnd type="none" w="med" len="med"/>
+                      <a:tailEnd type="none" w="med" len="med"/>
+                    </a:lnL>
+                    <a:lnR w="12700" cap="flat" cmpd="sng" algn="ctr">
+                      <a:solidFill>
+                        <a:srgbClr val="000000"/>
+                      </a:solidFill>
+                      <a:prstDash val="solid"/>
+                      <a:round/>
+                      <a:headEnd type="none" w="med" len="med"/>
+                      <a:tailEnd type="none" w="med" len="med"/>
+                    </a:lnR>
+                    <a:lnT w="12700" cap="flat" cmpd="sng" algn="ctr">
+                      <a:solidFill>
+                        <a:srgbClr val="000000"/>
+                      </a:solidFill>
+                      <a:prstDash val="solid"/>
+                      <a:round/>
+                      <a:headEnd type="none" w="med" len="med"/>
+                      <a:tailEnd type="none" w="med" len="med"/>
+                    </a:lnT>
+                    <a:lnB w="12700" cap="flat" cmpd="sng" algn="ctr">
+                      <a:solidFill>
+                        <a:srgbClr val="000000"/>
+                      </a:solidFill>
+                      <a:prstDash val="solid"/>
+                      <a:round/>
+                      <a:headEnd type="none" w="med" len="med"/>
+                      <a:tailEnd type="none" w="med" len="med"/>
+                    </a:lnB>
+                  </a:tcPr>
+                </a:tc>
+                <a:tc hMerge="1">
+                  <a:txBody>
+                    <a:bodyPr/>
+                    <a:lstStyle/>
+                    <a:p>
+                      <a:endParaRPr lang="zh-CN" altLang="en-US"/>
+                    </a:p>
+                  </a:txBody>
+                  <a:tcPr/>
+                </a:tc>
+                <a:extLst>
+                  <a:ext uri="{0D108BD9-81ED-4DB2-BD59-A6C34878D82A}">
+                    <a16:rowId xmlns:a16="http://schemas.microsoft.com/office/drawing/2014/main" val="1860640654"/>
+                  </a:ext>
+                </a:extLst>
+              </a:tr>
+              <a:tr h="293984">
+                <a:tc>
+                  <a:txBody>
+                    <a:bodyPr/>
+                    <a:lstStyle/>
+                    <a:p>
+                      <a:pPr algn="ctr" fontAlgn="t">
+                        <a:lnSpc>
+                          <a:spcPct val="200000"/>
+                        </a:lnSpc>
+                        <a:spcBef>
+                          <a:spcPts val="0"/>
+                        </a:spcBef>
+                        <a:spcAft>
+                          <a:spcPts val="0"/>
+                        </a:spcAft>
+                      </a:pPr>
+                      <a:r>
+                        <a:rPr lang="zh-CN" altLang="en-US" sz="1100" b="1" i="0" u="none" strike="noStrike" kern="100">
+                          <a:effectLst/>
+                          <a:latin typeface="Times New Roman" panose="02020603050405020304" pitchFamily="18" charset="0"/>
+                          <a:ea typeface="宋体" panose="02010600030101010101" pitchFamily="2" charset="-122"/>
+                        </a:rPr>
+                        <a:t>会议地点</a:t>
+                      </a:r>
+                      <a:endParaRPr lang="zh-CN" altLang="en-US" sz="2000" b="1" i="0" u="none" strike="noStrike">
+                        <a:effectLst/>
+                        <a:latin typeface="Arial" panose="020B0604020202020204" pitchFamily="34" charset="0"/>
+                      </a:endParaRPr>
+                    </a:p>
+                  </a:txBody>
+                  <a:tcPr marL="40831" marR="40831" marT="5671" marB="0">
+                    <a:lnL w="12700" cap="flat" cmpd="sng" algn="ctr">
+                      <a:solidFill>
+                        <a:srgbClr val="000000"/>
+                      </a:solidFill>
+                      <a:prstDash val="solid"/>
+                      <a:round/>
+                      <a:headEnd type="none" w="med" len="med"/>
+                      <a:tailEnd type="none" w="med" len="med"/>
+                    </a:lnL>
+                    <a:lnR w="12700" cap="flat" cmpd="sng" algn="ctr">
+                      <a:solidFill>
+                        <a:srgbClr val="000000"/>
+                      </a:solidFill>
+                      <a:prstDash val="solid"/>
+                      <a:round/>
+                      <a:headEnd type="none" w="med" len="med"/>
+                      <a:tailEnd type="none" w="med" len="med"/>
+                    </a:lnR>
+                    <a:lnT w="12700" cap="flat" cmpd="sng" algn="ctr">
+                      <a:solidFill>
+                        <a:srgbClr val="000000"/>
+                      </a:solidFill>
+                      <a:prstDash val="solid"/>
+                      <a:round/>
+                      <a:headEnd type="none" w="med" len="med"/>
+                      <a:tailEnd type="none" w="med" len="med"/>
+                    </a:lnT>
+                    <a:lnB w="12700" cap="flat" cmpd="sng" algn="ctr">
+                      <a:solidFill>
+                        <a:srgbClr val="000000"/>
+                      </a:solidFill>
+                      <a:prstDash val="solid"/>
+                      <a:round/>
+                      <a:headEnd type="none" w="med" len="med"/>
+                      <a:tailEnd type="none" w="med" len="med"/>
+                    </a:lnB>
+                  </a:tcPr>
+                </a:tc>
+                <a:tc gridSpan="3">
+                  <a:txBody>
+                    <a:bodyPr/>
+                    <a:lstStyle/>
+                    <a:p>
+                      <a:pPr algn="ctr" fontAlgn="t">
+                        <a:lnSpc>
+                          <a:spcPct val="200000"/>
+                        </a:lnSpc>
+                        <a:spcBef>
+                          <a:spcPts val="0"/>
+                        </a:spcBef>
+                        <a:spcAft>
+                          <a:spcPts val="0"/>
+                        </a:spcAft>
+                      </a:pPr>
+                      <a:r>
+                        <a:rPr lang="zh-CN" altLang="en-US" sz="1100" b="1" i="0" u="none" strike="noStrike" kern="100">
+                          <a:effectLst/>
+                          <a:latin typeface="Times New Roman" panose="02020603050405020304" pitchFamily="18" charset="0"/>
+                          <a:ea typeface="宋体" panose="02010600030101010101" pitchFamily="2" charset="-122"/>
+                        </a:rPr>
+                        <a:t>理四</a:t>
+                      </a:r>
+                      <a:r>
+                        <a:rPr lang="en-US" altLang="zh-CN" sz="1100" b="1" i="0" u="none" strike="noStrike" kern="100">
+                          <a:effectLst/>
+                          <a:latin typeface="Times New Roman" panose="02020603050405020304" pitchFamily="18" charset="0"/>
+                          <a:ea typeface="宋体" panose="02010600030101010101" pitchFamily="2" charset="-122"/>
+                        </a:rPr>
+                        <a:t>504</a:t>
+                      </a:r>
+                      <a:r>
+                        <a:rPr lang="zh-CN" altLang="en-US" sz="1100" b="1" i="0" u="none" strike="noStrike" kern="100">
+                          <a:effectLst/>
+                          <a:latin typeface="Times New Roman" panose="02020603050405020304" pitchFamily="18" charset="0"/>
+                          <a:ea typeface="宋体" panose="02010600030101010101" pitchFamily="2" charset="-122"/>
+                        </a:rPr>
+                        <a:t>办公室</a:t>
+                      </a:r>
+                      <a:endParaRPr lang="zh-CN" altLang="en-US" sz="2000" b="1" i="0" u="none" strike="noStrike">
+                        <a:effectLst/>
+                        <a:latin typeface="Arial" panose="020B0604020202020204" pitchFamily="34" charset="0"/>
+                      </a:endParaRPr>
+                    </a:p>
+                  </a:txBody>
+                  <a:tcPr marL="54441" marR="54441" marT="27221" marB="27221">
+                    <a:lnL w="12700" cap="flat" cmpd="sng" algn="ctr">
+                      <a:solidFill>
+                        <a:srgbClr val="000000"/>
+                      </a:solidFill>
+                      <a:prstDash val="solid"/>
+                      <a:round/>
+                      <a:headEnd type="none" w="med" len="med"/>
+                      <a:tailEnd type="none" w="med" len="med"/>
+                    </a:lnL>
+                    <a:lnR w="12700" cap="flat" cmpd="sng" algn="ctr">
+                      <a:solidFill>
+                        <a:srgbClr val="000000"/>
+                      </a:solidFill>
+                      <a:prstDash val="solid"/>
+                      <a:round/>
+                      <a:headEnd type="none" w="med" len="med"/>
+                      <a:tailEnd type="none" w="med" len="med"/>
+                    </a:lnR>
+                    <a:lnT w="12700" cap="flat" cmpd="sng" algn="ctr">
+                      <a:solidFill>
+                        <a:srgbClr val="000000"/>
+                      </a:solidFill>
+                      <a:prstDash val="solid"/>
+                      <a:round/>
+                      <a:headEnd type="none" w="med" len="med"/>
+                      <a:tailEnd type="none" w="med" len="med"/>
+                    </a:lnT>
+                    <a:lnB w="12700" cap="flat" cmpd="sng" algn="ctr">
+                      <a:solidFill>
+                        <a:srgbClr val="000000"/>
+                      </a:solidFill>
+                      <a:prstDash val="solid"/>
+                      <a:round/>
+                      <a:headEnd type="none" w="med" len="med"/>
+                      <a:tailEnd type="none" w="med" len="med"/>
+                    </a:lnB>
+                  </a:tcPr>
+                </a:tc>
+                <a:tc hMerge="1">
+                  <a:txBody>
+                    <a:bodyPr/>
+                    <a:lstStyle/>
+                    <a:p>
+                      <a:endParaRPr lang="zh-CN" altLang="en-US"/>
+                    </a:p>
+                  </a:txBody>
+                  <a:tcPr/>
+                </a:tc>
+                <a:tc hMerge="1">
+                  <a:txBody>
+                    <a:bodyPr/>
+                    <a:lstStyle/>
+                    <a:p>
+                      <a:endParaRPr lang="zh-CN" altLang="en-US"/>
+                    </a:p>
+                  </a:txBody>
+                  <a:tcPr/>
+                </a:tc>
+                <a:tc gridSpan="2">
+                  <a:txBody>
+                    <a:bodyPr/>
+                    <a:lstStyle/>
+                    <a:p>
+                      <a:pPr algn="ctr" fontAlgn="t">
+                        <a:lnSpc>
+                          <a:spcPct val="200000"/>
+                        </a:lnSpc>
+                        <a:spcBef>
+                          <a:spcPts val="0"/>
+                        </a:spcBef>
+                        <a:spcAft>
+                          <a:spcPts val="0"/>
+                        </a:spcAft>
+                      </a:pPr>
+                      <a:r>
+                        <a:rPr lang="zh-CN" altLang="en-US" sz="1100" b="1" i="0" u="none" strike="noStrike" kern="100">
+                          <a:effectLst/>
+                          <a:latin typeface="Times New Roman" panose="02020603050405020304" pitchFamily="18" charset="0"/>
+                          <a:ea typeface="宋体" panose="02010600030101010101" pitchFamily="2" charset="-122"/>
+                        </a:rPr>
+                        <a:t>记 录 人</a:t>
+                      </a:r>
+                      <a:endParaRPr lang="zh-CN" altLang="en-US" sz="2000" b="1" i="0" u="none" strike="noStrike">
+                        <a:effectLst/>
+                        <a:latin typeface="Arial" panose="020B0604020202020204" pitchFamily="34" charset="0"/>
+                      </a:endParaRPr>
+                    </a:p>
+                  </a:txBody>
+                  <a:tcPr marL="54441" marR="54441" marT="27221" marB="27221">
+                    <a:lnL w="12700" cap="flat" cmpd="sng" algn="ctr">
+                      <a:solidFill>
+                        <a:srgbClr val="000000"/>
+                      </a:solidFill>
+                      <a:prstDash val="solid"/>
+                      <a:round/>
+                      <a:headEnd type="none" w="med" len="med"/>
+                      <a:tailEnd type="none" w="med" len="med"/>
+                    </a:lnL>
+                    <a:lnR w="12700" cap="flat" cmpd="sng" algn="ctr">
+                      <a:solidFill>
+                        <a:srgbClr val="000000"/>
+                      </a:solidFill>
+                      <a:prstDash val="solid"/>
+                      <a:round/>
+                      <a:headEnd type="none" w="med" len="med"/>
+                      <a:tailEnd type="none" w="med" len="med"/>
+                    </a:lnR>
+                    <a:lnT w="12700" cap="flat" cmpd="sng" algn="ctr">
+                      <a:solidFill>
+                        <a:srgbClr val="000000"/>
+                      </a:solidFill>
+                      <a:prstDash val="solid"/>
+                      <a:round/>
+                      <a:headEnd type="none" w="med" len="med"/>
+                      <a:tailEnd type="none" w="med" len="med"/>
+                    </a:lnT>
+                    <a:lnB w="12700" cap="flat" cmpd="sng" algn="ctr">
+                      <a:solidFill>
+                        <a:srgbClr val="000000"/>
+                      </a:solidFill>
+                      <a:prstDash val="solid"/>
+                      <a:round/>
+                      <a:headEnd type="none" w="med" len="med"/>
+                      <a:tailEnd type="none" w="med" len="med"/>
+                    </a:lnB>
+                  </a:tcPr>
+                </a:tc>
+                <a:tc hMerge="1">
+                  <a:txBody>
+                    <a:bodyPr/>
+                    <a:lstStyle/>
+                    <a:p>
+                      <a:endParaRPr lang="zh-CN" altLang="en-US"/>
+                    </a:p>
+                  </a:txBody>
+                  <a:tcPr/>
+                </a:tc>
+                <a:tc gridSpan="2">
+                  <a:txBody>
+                    <a:bodyPr/>
+                    <a:lstStyle/>
+                    <a:p>
+                      <a:pPr algn="ctr" fontAlgn="t">
+                        <a:lnSpc>
+                          <a:spcPct val="200000"/>
+                        </a:lnSpc>
+                        <a:spcBef>
+                          <a:spcPts val="0"/>
+                        </a:spcBef>
+                        <a:spcAft>
+                          <a:spcPts val="0"/>
+                        </a:spcAft>
+                      </a:pPr>
+                      <a:r>
+                        <a:rPr lang="zh-CN" altLang="en-US" sz="1100" b="1" i="0" u="none" strike="noStrike" kern="100">
+                          <a:effectLst/>
+                          <a:latin typeface="Times New Roman" panose="02020603050405020304" pitchFamily="18" charset="0"/>
+                          <a:ea typeface="宋体" panose="02010600030101010101" pitchFamily="2" charset="-122"/>
+                        </a:rPr>
+                        <a:t>童欣</a:t>
+                      </a:r>
+                      <a:endParaRPr lang="zh-CN" altLang="en-US" sz="2000" b="1" i="0" u="none" strike="noStrike">
+                        <a:effectLst/>
+                        <a:latin typeface="Arial" panose="020B0604020202020204" pitchFamily="34" charset="0"/>
+                      </a:endParaRPr>
+                    </a:p>
+                  </a:txBody>
+                  <a:tcPr marL="54441" marR="54441" marT="27221" marB="27221">
+                    <a:lnL w="12700" cap="flat" cmpd="sng" algn="ctr">
+                      <a:solidFill>
+                        <a:srgbClr val="000000"/>
+                      </a:solidFill>
+                      <a:prstDash val="solid"/>
+                      <a:round/>
+                      <a:headEnd type="none" w="med" len="med"/>
+                      <a:tailEnd type="none" w="med" len="med"/>
+                    </a:lnL>
+                    <a:lnR w="12700" cap="flat" cmpd="sng" algn="ctr">
+                      <a:solidFill>
+                        <a:srgbClr val="000000"/>
+                      </a:solidFill>
+                      <a:prstDash val="solid"/>
+                      <a:round/>
+                      <a:headEnd type="none" w="med" len="med"/>
+                      <a:tailEnd type="none" w="med" len="med"/>
+                    </a:lnR>
+                    <a:lnT w="12700" cap="flat" cmpd="sng" algn="ctr">
+                      <a:solidFill>
+                        <a:srgbClr val="000000"/>
+                      </a:solidFill>
+                      <a:prstDash val="solid"/>
+                      <a:round/>
+                      <a:headEnd type="none" w="med" len="med"/>
+                      <a:tailEnd type="none" w="med" len="med"/>
+                    </a:lnT>
+                    <a:lnB w="12700" cap="flat" cmpd="sng" algn="ctr">
+                      <a:solidFill>
+                        <a:srgbClr val="000000"/>
+                      </a:solidFill>
+                      <a:prstDash val="solid"/>
+                      <a:round/>
+                      <a:headEnd type="none" w="med" len="med"/>
+                      <a:tailEnd type="none" w="med" len="med"/>
+                    </a:lnB>
+                  </a:tcPr>
+                </a:tc>
+                <a:tc hMerge="1">
+                  <a:txBody>
+                    <a:bodyPr/>
+                    <a:lstStyle/>
+                    <a:p>
+                      <a:endParaRPr lang="zh-CN" altLang="en-US"/>
+                    </a:p>
+                  </a:txBody>
+                  <a:tcPr/>
+                </a:tc>
+                <a:extLst>
+                  <a:ext uri="{0D108BD9-81ED-4DB2-BD59-A6C34878D82A}">
+                    <a16:rowId xmlns:a16="http://schemas.microsoft.com/office/drawing/2014/main" val="2608471643"/>
+                  </a:ext>
+                </a:extLst>
+              </a:tr>
+              <a:tr h="0">
+                <a:tc>
+                  <a:txBody>
+                    <a:bodyPr/>
+                    <a:lstStyle/>
+                    <a:p>
+                      <a:pPr algn="ctr" fontAlgn="ctr">
+                        <a:lnSpc>
+                          <a:spcPct val="200000"/>
+                        </a:lnSpc>
+                        <a:spcBef>
+                          <a:spcPts val="0"/>
+                        </a:spcBef>
+                        <a:spcAft>
+                          <a:spcPts val="0"/>
+                        </a:spcAft>
+                      </a:pPr>
+                      <a:r>
+                        <a:rPr lang="zh-CN" altLang="en-US" sz="1100" b="1" i="0" u="none" strike="noStrike" kern="100" dirty="0">
+                          <a:effectLst/>
+                          <a:latin typeface="Times New Roman" panose="02020603050405020304" pitchFamily="18" charset="0"/>
+                          <a:ea typeface="宋体" panose="02010600030101010101" pitchFamily="2" charset="-122"/>
+                        </a:rPr>
+                        <a:t>身份</a:t>
+                      </a:r>
+                      <a:endParaRPr lang="zh-CN" altLang="en-US" sz="2000" b="1" i="0" u="none" strike="noStrike" dirty="0">
+                        <a:effectLst/>
+                        <a:latin typeface="Arial" panose="020B0604020202020204" pitchFamily="34" charset="0"/>
+                      </a:endParaRPr>
+                    </a:p>
+                  </a:txBody>
+                  <a:tcPr marL="40831" marR="40831" marT="5671" marB="0" anchor="ctr">
+                    <a:lnL w="12700" cap="flat" cmpd="sng" algn="ctr">
+                      <a:solidFill>
+                        <a:srgbClr val="000000"/>
+                      </a:solidFill>
+                      <a:prstDash val="solid"/>
+                      <a:round/>
+                      <a:headEnd type="none" w="med" len="med"/>
+                      <a:tailEnd type="none" w="med" len="med"/>
+                    </a:lnL>
+                    <a:lnR w="12700" cap="flat" cmpd="sng" algn="ctr">
+                      <a:solidFill>
+                        <a:srgbClr val="000000"/>
+                      </a:solidFill>
+                      <a:prstDash val="solid"/>
+                      <a:round/>
+                      <a:headEnd type="none" w="med" len="med"/>
+                      <a:tailEnd type="none" w="med" len="med"/>
+                    </a:lnR>
+                    <a:lnT w="12700" cap="flat" cmpd="sng" algn="ctr">
+                      <a:solidFill>
+                        <a:srgbClr val="000000"/>
+                      </a:solidFill>
+                      <a:prstDash val="solid"/>
+                      <a:round/>
+                      <a:headEnd type="none" w="med" len="med"/>
+                      <a:tailEnd type="none" w="med" len="med"/>
+                    </a:lnT>
+                    <a:lnB w="12700" cap="flat" cmpd="sng" algn="ctr">
+                      <a:solidFill>
+                        <a:srgbClr val="000000"/>
+                      </a:solidFill>
+                      <a:prstDash val="solid"/>
+                      <a:round/>
+                      <a:headEnd type="none" w="med" len="med"/>
+                      <a:tailEnd type="none" w="med" len="med"/>
+                    </a:lnB>
+                  </a:tcPr>
+                </a:tc>
+                <a:tc>
+                  <a:txBody>
+                    <a:bodyPr/>
+                    <a:lstStyle/>
+                    <a:p>
+                      <a:pPr algn="ctr" fontAlgn="t">
+                        <a:lnSpc>
+                          <a:spcPct val="200000"/>
+                        </a:lnSpc>
+                        <a:spcBef>
+                          <a:spcPts val="0"/>
+                        </a:spcBef>
+                        <a:spcAft>
+                          <a:spcPts val="0"/>
+                        </a:spcAft>
+                      </a:pPr>
+                      <a:r>
+                        <a:rPr lang="zh-CN" altLang="en-US" sz="1100" b="1" i="0" u="none" strike="noStrike" kern="100">
+                          <a:effectLst/>
+                          <a:latin typeface="Times New Roman" panose="02020603050405020304" pitchFamily="18" charset="0"/>
+                          <a:ea typeface="宋体" panose="02010600030101010101" pitchFamily="2" charset="-122"/>
+                        </a:rPr>
+                        <a:t>开发人员</a:t>
+                      </a:r>
+                      <a:endParaRPr lang="zh-CN" altLang="en-US" sz="2000" b="1" i="0" u="none" strike="noStrike">
+                        <a:effectLst/>
+                        <a:latin typeface="Arial" panose="020B0604020202020204" pitchFamily="34" charset="0"/>
+                      </a:endParaRPr>
+                    </a:p>
+                    <a:p>
+                      <a:pPr algn="ctr" fontAlgn="t">
+                        <a:lnSpc>
+                          <a:spcPct val="200000"/>
+                        </a:lnSpc>
+                        <a:spcBef>
+                          <a:spcPts val="0"/>
+                        </a:spcBef>
+                        <a:spcAft>
+                          <a:spcPts val="0"/>
+                        </a:spcAft>
+                      </a:pPr>
+                      <a:r>
+                        <a:rPr lang="zh-CN" altLang="en-US" sz="1100" b="1" i="0" u="none" strike="noStrike" kern="100">
+                          <a:effectLst/>
+                          <a:latin typeface="Times New Roman" panose="02020603050405020304" pitchFamily="18" charset="0"/>
+                          <a:ea typeface="宋体" panose="02010600030101010101" pitchFamily="2" charset="-122"/>
+                        </a:rPr>
+                        <a:t> </a:t>
+                      </a:r>
+                      <a:endParaRPr lang="zh-CN" altLang="en-US" sz="2000" b="1" i="0" u="none" strike="noStrike">
+                        <a:effectLst/>
+                        <a:latin typeface="Arial" panose="020B0604020202020204" pitchFamily="34" charset="0"/>
+                      </a:endParaRPr>
+                    </a:p>
+                  </a:txBody>
+                  <a:tcPr marL="40831" marR="40831" marT="5671" marB="0">
+                    <a:lnL w="12700" cap="flat" cmpd="sng" algn="ctr">
+                      <a:solidFill>
+                        <a:srgbClr val="000000"/>
+                      </a:solidFill>
+                      <a:prstDash val="solid"/>
+                      <a:round/>
+                      <a:headEnd type="none" w="med" len="med"/>
+                      <a:tailEnd type="none" w="med" len="med"/>
+                    </a:lnL>
+                    <a:lnR w="12700" cap="flat" cmpd="sng" algn="ctr">
+                      <a:solidFill>
+                        <a:srgbClr val="000000"/>
+                      </a:solidFill>
+                      <a:prstDash val="solid"/>
+                      <a:round/>
+                      <a:headEnd type="none" w="med" len="med"/>
+                      <a:tailEnd type="none" w="med" len="med"/>
+                    </a:lnR>
+                    <a:lnT w="12700" cap="flat" cmpd="sng" algn="ctr">
+                      <a:solidFill>
+                        <a:srgbClr val="000000"/>
+                      </a:solidFill>
+                      <a:prstDash val="solid"/>
+                      <a:round/>
+                      <a:headEnd type="none" w="med" len="med"/>
+                      <a:tailEnd type="none" w="med" len="med"/>
+                    </a:lnT>
+                    <a:lnB w="12700" cap="flat" cmpd="sng" algn="ctr">
+                      <a:solidFill>
+                        <a:srgbClr val="000000"/>
+                      </a:solidFill>
+                      <a:prstDash val="solid"/>
+                      <a:round/>
+                      <a:headEnd type="none" w="med" len="med"/>
+                      <a:tailEnd type="none" w="med" len="med"/>
+                    </a:lnB>
+                  </a:tcPr>
+                </a:tc>
+                <a:tc>
+                  <a:txBody>
+                    <a:bodyPr/>
+                    <a:lstStyle/>
+                    <a:p>
+                      <a:pPr algn="ctr" fontAlgn="t">
+                        <a:lnSpc>
+                          <a:spcPct val="200000"/>
+                        </a:lnSpc>
+                        <a:spcBef>
+                          <a:spcPts val="0"/>
+                        </a:spcBef>
+                        <a:spcAft>
+                          <a:spcPts val="0"/>
+                        </a:spcAft>
+                      </a:pPr>
+                      <a:r>
+                        <a:rPr lang="zh-CN" altLang="en-US" sz="1100" b="1" i="0" u="none" strike="noStrike" kern="100" dirty="0">
+                          <a:effectLst/>
+                          <a:latin typeface="Times New Roman" panose="02020603050405020304" pitchFamily="18" charset="0"/>
+                          <a:ea typeface="宋体" panose="02010600030101010101" pitchFamily="2" charset="-122"/>
+                        </a:rPr>
+                        <a:t>教师代表</a:t>
+                      </a:r>
+                      <a:endParaRPr lang="zh-CN" altLang="en-US" sz="2000" b="1" i="0" u="none" strike="noStrike" dirty="0">
+                        <a:effectLst/>
+                        <a:latin typeface="Arial" panose="020B0604020202020204" pitchFamily="34" charset="0"/>
+                      </a:endParaRPr>
+                    </a:p>
+                  </a:txBody>
+                  <a:tcPr marL="40831" marR="40831" marT="5671" marB="0">
+                    <a:lnL w="12700" cap="flat" cmpd="sng" algn="ctr">
+                      <a:solidFill>
+                        <a:srgbClr val="000000"/>
+                      </a:solidFill>
+                      <a:prstDash val="solid"/>
+                      <a:round/>
+                      <a:headEnd type="none" w="med" len="med"/>
+                      <a:tailEnd type="none" w="med" len="med"/>
+                    </a:lnL>
+                    <a:lnR w="12700" cap="flat" cmpd="sng" algn="ctr">
+                      <a:solidFill>
+                        <a:srgbClr val="000000"/>
+                      </a:solidFill>
+                      <a:prstDash val="solid"/>
+                      <a:round/>
+                      <a:headEnd type="none" w="med" len="med"/>
+                      <a:tailEnd type="none" w="med" len="med"/>
+                    </a:lnR>
+                    <a:lnT w="12700" cap="flat" cmpd="sng" algn="ctr">
+                      <a:solidFill>
+                        <a:srgbClr val="000000"/>
+                      </a:solidFill>
+                      <a:prstDash val="solid"/>
+                      <a:round/>
+                      <a:headEnd type="none" w="med" len="med"/>
+                      <a:tailEnd type="none" w="med" len="med"/>
+                    </a:lnT>
+                    <a:lnB w="12700" cap="flat" cmpd="sng" algn="ctr">
+                      <a:solidFill>
+                        <a:srgbClr val="000000"/>
+                      </a:solidFill>
+                      <a:prstDash val="solid"/>
+                      <a:round/>
+                      <a:headEnd type="none" w="med" len="med"/>
+                      <a:tailEnd type="none" w="med" len="med"/>
+                    </a:lnB>
+                  </a:tcPr>
+                </a:tc>
+                <a:tc gridSpan="2">
+                  <a:txBody>
+                    <a:bodyPr/>
+                    <a:lstStyle/>
+                    <a:p>
+                      <a:pPr algn="ctr" fontAlgn="t">
+                        <a:lnSpc>
+                          <a:spcPct val="200000"/>
+                        </a:lnSpc>
+                        <a:spcBef>
+                          <a:spcPts val="0"/>
+                        </a:spcBef>
+                        <a:spcAft>
+                          <a:spcPts val="0"/>
+                        </a:spcAft>
+                      </a:pPr>
+                      <a:r>
+                        <a:rPr lang="zh-CN" altLang="en-US" sz="1100" b="1" i="0" u="none" strike="noStrike" kern="100">
+                          <a:effectLst/>
+                          <a:latin typeface="Times New Roman" panose="02020603050405020304" pitchFamily="18" charset="0"/>
+                          <a:ea typeface="宋体" panose="02010600030101010101" pitchFamily="2" charset="-122"/>
+                        </a:rPr>
+                        <a:t>管理员</a:t>
+                      </a:r>
+                      <a:endParaRPr lang="zh-CN" altLang="en-US" sz="2000" b="1" i="0" u="none" strike="noStrike">
+                        <a:effectLst/>
+                        <a:latin typeface="Arial" panose="020B0604020202020204" pitchFamily="34" charset="0"/>
+                      </a:endParaRPr>
+                    </a:p>
+                  </a:txBody>
+                  <a:tcPr marL="54441" marR="54441" marT="27221" marB="27221">
+                    <a:lnL w="12700" cap="flat" cmpd="sng" algn="ctr">
+                      <a:solidFill>
+                        <a:srgbClr val="000000"/>
+                      </a:solidFill>
+                      <a:prstDash val="solid"/>
+                      <a:round/>
+                      <a:headEnd type="none" w="med" len="med"/>
+                      <a:tailEnd type="none" w="med" len="med"/>
+                    </a:lnL>
+                    <a:lnR w="12700" cap="flat" cmpd="sng" algn="ctr">
+                      <a:solidFill>
+                        <a:srgbClr val="000000"/>
+                      </a:solidFill>
+                      <a:prstDash val="solid"/>
+                      <a:round/>
+                      <a:headEnd type="none" w="med" len="med"/>
+                      <a:tailEnd type="none" w="med" len="med"/>
+                    </a:lnR>
+                    <a:lnT w="12700" cap="flat" cmpd="sng" algn="ctr">
+                      <a:solidFill>
+                        <a:srgbClr val="000000"/>
+                      </a:solidFill>
+                      <a:prstDash val="solid"/>
+                      <a:round/>
+                      <a:headEnd type="none" w="med" len="med"/>
+                      <a:tailEnd type="none" w="med" len="med"/>
+                    </a:lnT>
+                    <a:lnB w="12700" cap="flat" cmpd="sng" algn="ctr">
+                      <a:solidFill>
+                        <a:srgbClr val="000000"/>
+                      </a:solidFill>
+                      <a:prstDash val="solid"/>
+                      <a:round/>
+                      <a:headEnd type="none" w="med" len="med"/>
+                      <a:tailEnd type="none" w="med" len="med"/>
+                    </a:lnB>
+                  </a:tcPr>
+                </a:tc>
+                <a:tc hMerge="1">
+                  <a:txBody>
+                    <a:bodyPr/>
+                    <a:lstStyle/>
+                    <a:p>
+                      <a:endParaRPr lang="zh-CN" altLang="en-US"/>
+                    </a:p>
+                  </a:txBody>
+                  <a:tcPr/>
+                </a:tc>
+                <a:tc gridSpan="2">
+                  <a:txBody>
+                    <a:bodyPr/>
+                    <a:lstStyle/>
+                    <a:p>
+                      <a:pPr algn="ctr" fontAlgn="t">
+                        <a:lnSpc>
+                          <a:spcPct val="200000"/>
+                        </a:lnSpc>
+                        <a:spcBef>
+                          <a:spcPts val="0"/>
+                        </a:spcBef>
+                        <a:spcAft>
+                          <a:spcPts val="0"/>
+                        </a:spcAft>
+                      </a:pPr>
+                      <a:r>
+                        <a:rPr lang="zh-CN" altLang="en-US" sz="1100" b="1" i="0" u="none" strike="noStrike" kern="100">
+                          <a:effectLst/>
+                          <a:latin typeface="Times New Roman" panose="02020603050405020304" pitchFamily="18" charset="0"/>
+                          <a:ea typeface="宋体" panose="02010600030101010101" pitchFamily="2" charset="-122"/>
+                        </a:rPr>
+                        <a:t>游客代表</a:t>
+                      </a:r>
+                      <a:endParaRPr lang="zh-CN" altLang="en-US" sz="2000" b="1" i="0" u="none" strike="noStrike">
+                        <a:effectLst/>
+                        <a:latin typeface="Arial" panose="020B0604020202020204" pitchFamily="34" charset="0"/>
+                      </a:endParaRPr>
+                    </a:p>
+                  </a:txBody>
+                  <a:tcPr marL="54441" marR="54441" marT="27221" marB="27221">
+                    <a:lnL w="12700" cap="flat" cmpd="sng" algn="ctr">
+                      <a:solidFill>
+                        <a:srgbClr val="000000"/>
+                      </a:solidFill>
+                      <a:prstDash val="solid"/>
+                      <a:round/>
+                      <a:headEnd type="none" w="med" len="med"/>
+                      <a:tailEnd type="none" w="med" len="med"/>
+                    </a:lnL>
+                    <a:lnR w="12700" cap="flat" cmpd="sng" algn="ctr">
+                      <a:solidFill>
+                        <a:srgbClr val="000000"/>
+                      </a:solidFill>
+                      <a:prstDash val="solid"/>
+                      <a:round/>
+                      <a:headEnd type="none" w="med" len="med"/>
+                      <a:tailEnd type="none" w="med" len="med"/>
+                    </a:lnR>
+                    <a:lnT w="12700" cap="flat" cmpd="sng" algn="ctr">
+                      <a:solidFill>
+                        <a:srgbClr val="000000"/>
+                      </a:solidFill>
+                      <a:prstDash val="solid"/>
+                      <a:round/>
+                      <a:headEnd type="none" w="med" len="med"/>
+                      <a:tailEnd type="none" w="med" len="med"/>
+                    </a:lnT>
+                    <a:lnB w="12700" cap="flat" cmpd="sng" algn="ctr">
+                      <a:solidFill>
+                        <a:srgbClr val="000000"/>
+                      </a:solidFill>
+                      <a:prstDash val="solid"/>
+                      <a:round/>
+                      <a:headEnd type="none" w="med" len="med"/>
+                      <a:tailEnd type="none" w="med" len="med"/>
+                    </a:lnB>
+                  </a:tcPr>
+                </a:tc>
+                <a:tc hMerge="1">
+                  <a:txBody>
+                    <a:bodyPr/>
+                    <a:lstStyle/>
+                    <a:p>
+                      <a:endParaRPr lang="zh-CN" altLang="en-US"/>
+                    </a:p>
+                  </a:txBody>
+                  <a:tcPr/>
+                </a:tc>
+                <a:tc>
+                  <a:txBody>
+                    <a:bodyPr/>
+                    <a:lstStyle/>
+                    <a:p>
+                      <a:pPr algn="ctr" fontAlgn="t">
+                        <a:lnSpc>
+                          <a:spcPct val="200000"/>
+                        </a:lnSpc>
+                        <a:spcBef>
+                          <a:spcPts val="0"/>
+                        </a:spcBef>
+                        <a:spcAft>
+                          <a:spcPts val="0"/>
+                        </a:spcAft>
+                      </a:pPr>
+                      <a:r>
+                        <a:rPr lang="zh-CN" altLang="en-US" sz="1100" b="1" i="0" u="none" strike="noStrike" kern="100">
+                          <a:effectLst/>
+                          <a:latin typeface="Times New Roman" panose="02020603050405020304" pitchFamily="18" charset="0"/>
+                          <a:ea typeface="宋体" panose="02010600030101010101" pitchFamily="2" charset="-122"/>
+                        </a:rPr>
+                        <a:t>学生代表</a:t>
+                      </a:r>
+                      <a:endParaRPr lang="zh-CN" altLang="en-US" sz="2000" b="1" i="0" u="none" strike="noStrike">
+                        <a:effectLst/>
+                        <a:latin typeface="Arial" panose="020B0604020202020204" pitchFamily="34" charset="0"/>
+                      </a:endParaRPr>
+                    </a:p>
+                    <a:p>
+                      <a:pPr algn="ctr" fontAlgn="t">
+                        <a:lnSpc>
+                          <a:spcPct val="200000"/>
+                        </a:lnSpc>
+                        <a:spcBef>
+                          <a:spcPts val="0"/>
+                        </a:spcBef>
+                        <a:spcAft>
+                          <a:spcPts val="0"/>
+                        </a:spcAft>
+                      </a:pPr>
+                      <a:r>
+                        <a:rPr lang="zh-CN" altLang="en-US" sz="1100" b="1" i="0" u="none" strike="noStrike" kern="100">
+                          <a:effectLst/>
+                          <a:latin typeface="Times New Roman" panose="02020603050405020304" pitchFamily="18" charset="0"/>
+                          <a:ea typeface="宋体" panose="02010600030101010101" pitchFamily="2" charset="-122"/>
+                        </a:rPr>
+                        <a:t> </a:t>
+                      </a:r>
+                      <a:endParaRPr lang="zh-CN" altLang="en-US" sz="2000" b="1" i="0" u="none" strike="noStrike">
+                        <a:effectLst/>
+                        <a:latin typeface="Arial" panose="020B0604020202020204" pitchFamily="34" charset="0"/>
+                      </a:endParaRPr>
+                    </a:p>
+                  </a:txBody>
+                  <a:tcPr marL="40831" marR="40831" marT="5671" marB="0">
+                    <a:lnL w="12700" cap="flat" cmpd="sng" algn="ctr">
+                      <a:solidFill>
+                        <a:srgbClr val="000000"/>
+                      </a:solidFill>
+                      <a:prstDash val="solid"/>
+                      <a:round/>
+                      <a:headEnd type="none" w="med" len="med"/>
+                      <a:tailEnd type="none" w="med" len="med"/>
+                    </a:lnL>
+                    <a:lnR w="12700" cap="flat" cmpd="sng" algn="ctr">
+                      <a:solidFill>
+                        <a:srgbClr val="000000"/>
+                      </a:solidFill>
+                      <a:prstDash val="solid"/>
+                      <a:round/>
+                      <a:headEnd type="none" w="med" len="med"/>
+                      <a:tailEnd type="none" w="med" len="med"/>
+                    </a:lnR>
+                    <a:lnT w="12700" cap="flat" cmpd="sng" algn="ctr">
+                      <a:solidFill>
+                        <a:srgbClr val="000000"/>
+                      </a:solidFill>
+                      <a:prstDash val="solid"/>
+                      <a:round/>
+                      <a:headEnd type="none" w="med" len="med"/>
+                      <a:tailEnd type="none" w="med" len="med"/>
+                    </a:lnT>
+                    <a:lnB w="12700" cap="flat" cmpd="sng" algn="ctr">
+                      <a:solidFill>
+                        <a:srgbClr val="000000"/>
+                      </a:solidFill>
+                      <a:prstDash val="solid"/>
+                      <a:round/>
+                      <a:headEnd type="none" w="med" len="med"/>
+                      <a:tailEnd type="none" w="med" len="med"/>
+                    </a:lnB>
+                  </a:tcPr>
+                </a:tc>
+                <a:extLst>
+                  <a:ext uri="{0D108BD9-81ED-4DB2-BD59-A6C34878D82A}">
+                    <a16:rowId xmlns:a16="http://schemas.microsoft.com/office/drawing/2014/main" val="619689574"/>
+                  </a:ext>
+                </a:extLst>
+              </a:tr>
+              <a:tr h="293984">
+                <a:tc>
+                  <a:txBody>
+                    <a:bodyPr/>
+                    <a:lstStyle/>
+                    <a:p>
+                      <a:pPr algn="ctr" fontAlgn="ctr">
+                        <a:lnSpc>
+                          <a:spcPct val="200000"/>
+                        </a:lnSpc>
+                        <a:spcBef>
+                          <a:spcPts val="0"/>
+                        </a:spcBef>
+                        <a:spcAft>
+                          <a:spcPts val="0"/>
+                        </a:spcAft>
+                      </a:pPr>
+                      <a:r>
+                        <a:rPr lang="zh-CN" altLang="en-US" sz="1100" b="1" i="0" u="none" strike="noStrike" kern="100">
+                          <a:effectLst/>
+                          <a:latin typeface="Times New Roman" panose="02020603050405020304" pitchFamily="18" charset="0"/>
+                          <a:ea typeface="宋体" panose="02010600030101010101" pitchFamily="2" charset="-122"/>
+                        </a:rPr>
+                        <a:t>用户代表</a:t>
+                      </a:r>
+                      <a:endParaRPr lang="zh-CN" altLang="en-US" sz="2000" b="1" i="0" u="none" strike="noStrike">
+                        <a:effectLst/>
+                        <a:latin typeface="Arial" panose="020B0604020202020204" pitchFamily="34" charset="0"/>
+                      </a:endParaRPr>
+                    </a:p>
+                  </a:txBody>
+                  <a:tcPr marL="40831" marR="40831" marT="5671" marB="0" anchor="ctr">
+                    <a:lnL w="12700" cap="flat" cmpd="sng" algn="ctr">
+                      <a:solidFill>
+                        <a:srgbClr val="000000"/>
+                      </a:solidFill>
+                      <a:prstDash val="solid"/>
+                      <a:round/>
+                      <a:headEnd type="none" w="med" len="med"/>
+                      <a:tailEnd type="none" w="med" len="med"/>
+                    </a:lnL>
+                    <a:lnR w="12700" cap="flat" cmpd="sng" algn="ctr">
+                      <a:solidFill>
+                        <a:srgbClr val="000000"/>
+                      </a:solidFill>
+                      <a:prstDash val="solid"/>
+                      <a:round/>
+                      <a:headEnd type="none" w="med" len="med"/>
+                      <a:tailEnd type="none" w="med" len="med"/>
+                    </a:lnR>
+                    <a:lnT w="12700" cap="flat" cmpd="sng" algn="ctr">
+                      <a:solidFill>
+                        <a:srgbClr val="000000"/>
+                      </a:solidFill>
+                      <a:prstDash val="solid"/>
+                      <a:round/>
+                      <a:headEnd type="none" w="med" len="med"/>
+                      <a:tailEnd type="none" w="med" len="med"/>
+                    </a:lnT>
+                    <a:lnB w="12700" cap="flat" cmpd="sng" algn="ctr">
+                      <a:solidFill>
+                        <a:srgbClr val="000000"/>
+                      </a:solidFill>
+                      <a:prstDash val="solid"/>
+                      <a:round/>
+                      <a:headEnd type="none" w="med" len="med"/>
+                      <a:tailEnd type="none" w="med" len="med"/>
+                    </a:lnB>
+                  </a:tcPr>
+                </a:tc>
+                <a:tc>
+                  <a:txBody>
+                    <a:bodyPr/>
+                    <a:lstStyle/>
+                    <a:p>
+                      <a:pPr algn="ctr" fontAlgn="t">
+                        <a:lnSpc>
+                          <a:spcPct val="200000"/>
+                        </a:lnSpc>
+                        <a:spcBef>
+                          <a:spcPts val="0"/>
+                        </a:spcBef>
+                        <a:spcAft>
+                          <a:spcPts val="0"/>
+                        </a:spcAft>
+                      </a:pPr>
+                      <a:r>
+                        <a:rPr lang="zh-CN" altLang="en-US" sz="1100" b="1" i="0" u="none" strike="noStrike" kern="100">
+                          <a:effectLst/>
+                          <a:latin typeface="Times New Roman" panose="02020603050405020304" pitchFamily="18" charset="0"/>
+                          <a:ea typeface="宋体" panose="02010600030101010101" pitchFamily="2" charset="-122"/>
+                        </a:rPr>
+                        <a:t>彭慧铭</a:t>
+                      </a:r>
+                      <a:endParaRPr lang="zh-CN" altLang="en-US" sz="2000" b="1" i="0" u="none" strike="noStrike">
+                        <a:effectLst/>
+                        <a:latin typeface="Arial" panose="020B0604020202020204" pitchFamily="34" charset="0"/>
+                      </a:endParaRPr>
+                    </a:p>
+                  </a:txBody>
+                  <a:tcPr marL="40831" marR="40831" marT="5671" marB="0">
+                    <a:lnL w="12700" cap="flat" cmpd="sng" algn="ctr">
+                      <a:solidFill>
+                        <a:srgbClr val="000000"/>
+                      </a:solidFill>
+                      <a:prstDash val="solid"/>
+                      <a:round/>
+                      <a:headEnd type="none" w="med" len="med"/>
+                      <a:tailEnd type="none" w="med" len="med"/>
+                    </a:lnL>
+                    <a:lnR w="12700" cap="flat" cmpd="sng" algn="ctr">
+                      <a:solidFill>
+                        <a:srgbClr val="000000"/>
+                      </a:solidFill>
+                      <a:prstDash val="solid"/>
+                      <a:round/>
+                      <a:headEnd type="none" w="med" len="med"/>
+                      <a:tailEnd type="none" w="med" len="med"/>
+                    </a:lnR>
+                    <a:lnT w="12700" cap="flat" cmpd="sng" algn="ctr">
+                      <a:solidFill>
+                        <a:srgbClr val="000000"/>
+                      </a:solidFill>
+                      <a:prstDash val="solid"/>
+                      <a:round/>
+                      <a:headEnd type="none" w="med" len="med"/>
+                      <a:tailEnd type="none" w="med" len="med"/>
+                    </a:lnT>
+                    <a:lnB w="12700" cap="flat" cmpd="sng" algn="ctr">
+                      <a:solidFill>
+                        <a:srgbClr val="000000"/>
+                      </a:solidFill>
+                      <a:prstDash val="solid"/>
+                      <a:round/>
+                      <a:headEnd type="none" w="med" len="med"/>
+                      <a:tailEnd type="none" w="med" len="med"/>
+                    </a:lnB>
+                  </a:tcPr>
+                </a:tc>
+                <a:tc>
+                  <a:txBody>
+                    <a:bodyPr/>
+                    <a:lstStyle/>
+                    <a:p>
+                      <a:pPr algn="ctr" fontAlgn="t">
+                        <a:lnSpc>
+                          <a:spcPct val="200000"/>
+                        </a:lnSpc>
+                        <a:spcBef>
+                          <a:spcPts val="0"/>
+                        </a:spcBef>
+                        <a:spcAft>
+                          <a:spcPts val="0"/>
+                        </a:spcAft>
+                      </a:pPr>
+                      <a:r>
+                        <a:rPr lang="zh-CN" altLang="en-US" sz="1100" b="1" i="0" u="none" strike="noStrike" kern="100">
+                          <a:effectLst/>
+                          <a:latin typeface="Times New Roman" panose="02020603050405020304" pitchFamily="18" charset="0"/>
+                          <a:ea typeface="宋体" panose="02010600030101010101" pitchFamily="2" charset="-122"/>
+                        </a:rPr>
+                        <a:t>杨枨</a:t>
+                      </a:r>
+                      <a:endParaRPr lang="zh-CN" altLang="en-US" sz="2000" b="1" i="0" u="none" strike="noStrike">
+                        <a:effectLst/>
+                        <a:latin typeface="Arial" panose="020B0604020202020204" pitchFamily="34" charset="0"/>
+                      </a:endParaRPr>
+                    </a:p>
+                  </a:txBody>
+                  <a:tcPr marL="40831" marR="40831" marT="5671" marB="0">
+                    <a:lnL w="12700" cap="flat" cmpd="sng" algn="ctr">
+                      <a:solidFill>
+                        <a:srgbClr val="000000"/>
+                      </a:solidFill>
+                      <a:prstDash val="solid"/>
+                      <a:round/>
+                      <a:headEnd type="none" w="med" len="med"/>
+                      <a:tailEnd type="none" w="med" len="med"/>
+                    </a:lnL>
+                    <a:lnR w="12700" cap="flat" cmpd="sng" algn="ctr">
+                      <a:solidFill>
+                        <a:srgbClr val="000000"/>
+                      </a:solidFill>
+                      <a:prstDash val="solid"/>
+                      <a:round/>
+                      <a:headEnd type="none" w="med" len="med"/>
+                      <a:tailEnd type="none" w="med" len="med"/>
+                    </a:lnR>
+                    <a:lnT w="12700" cap="flat" cmpd="sng" algn="ctr">
+                      <a:solidFill>
+                        <a:srgbClr val="000000"/>
+                      </a:solidFill>
+                      <a:prstDash val="solid"/>
+                      <a:round/>
+                      <a:headEnd type="none" w="med" len="med"/>
+                      <a:tailEnd type="none" w="med" len="med"/>
+                    </a:lnT>
+                    <a:lnB w="12700" cap="flat" cmpd="sng" algn="ctr">
+                      <a:solidFill>
+                        <a:srgbClr val="000000"/>
+                      </a:solidFill>
+                      <a:prstDash val="solid"/>
+                      <a:round/>
+                      <a:headEnd type="none" w="med" len="med"/>
+                      <a:tailEnd type="none" w="med" len="med"/>
+                    </a:lnB>
+                  </a:tcPr>
+                </a:tc>
+                <a:tc gridSpan="2">
+                  <a:txBody>
+                    <a:bodyPr/>
+                    <a:lstStyle/>
+                    <a:p>
+                      <a:pPr algn="ctr" fontAlgn="t">
+                        <a:lnSpc>
+                          <a:spcPct val="200000"/>
+                        </a:lnSpc>
+                        <a:spcBef>
+                          <a:spcPts val="0"/>
+                        </a:spcBef>
+                        <a:spcAft>
+                          <a:spcPts val="0"/>
+                        </a:spcAft>
+                      </a:pPr>
+                      <a:r>
+                        <a:rPr lang="zh-CN" altLang="en-US" sz="1100" b="1" i="0" u="none" strike="noStrike" kern="100">
+                          <a:effectLst/>
+                          <a:latin typeface="Times New Roman" panose="02020603050405020304" pitchFamily="18" charset="0"/>
+                          <a:ea typeface="宋体" panose="02010600030101010101" pitchFamily="2" charset="-122"/>
+                        </a:rPr>
+                        <a:t>潘琳</a:t>
+                      </a:r>
+                      <a:endParaRPr lang="zh-CN" altLang="en-US" sz="2000" b="1" i="0" u="none" strike="noStrike">
+                        <a:effectLst/>
+                        <a:latin typeface="Arial" panose="020B0604020202020204" pitchFamily="34" charset="0"/>
+                      </a:endParaRPr>
+                    </a:p>
+                  </a:txBody>
+                  <a:tcPr marL="54441" marR="54441" marT="27221" marB="27221">
+                    <a:lnL w="12700" cap="flat" cmpd="sng" algn="ctr">
+                      <a:solidFill>
+                        <a:srgbClr val="000000"/>
+                      </a:solidFill>
+                      <a:prstDash val="solid"/>
+                      <a:round/>
+                      <a:headEnd type="none" w="med" len="med"/>
+                      <a:tailEnd type="none" w="med" len="med"/>
+                    </a:lnL>
+                    <a:lnR w="12700" cap="flat" cmpd="sng" algn="ctr">
+                      <a:solidFill>
+                        <a:srgbClr val="000000"/>
+                      </a:solidFill>
+                      <a:prstDash val="solid"/>
+                      <a:round/>
+                      <a:headEnd type="none" w="med" len="med"/>
+                      <a:tailEnd type="none" w="med" len="med"/>
+                    </a:lnR>
+                    <a:lnT w="12700" cap="flat" cmpd="sng" algn="ctr">
+                      <a:solidFill>
+                        <a:srgbClr val="000000"/>
+                      </a:solidFill>
+                      <a:prstDash val="solid"/>
+                      <a:round/>
+                      <a:headEnd type="none" w="med" len="med"/>
+                      <a:tailEnd type="none" w="med" len="med"/>
+                    </a:lnT>
+                    <a:lnB w="12700" cap="flat" cmpd="sng" algn="ctr">
+                      <a:solidFill>
+                        <a:srgbClr val="000000"/>
+                      </a:solidFill>
+                      <a:prstDash val="solid"/>
+                      <a:round/>
+                      <a:headEnd type="none" w="med" len="med"/>
+                      <a:tailEnd type="none" w="med" len="med"/>
+                    </a:lnB>
+                  </a:tcPr>
+                </a:tc>
+                <a:tc hMerge="1">
+                  <a:txBody>
+                    <a:bodyPr/>
+                    <a:lstStyle/>
+                    <a:p>
+                      <a:endParaRPr lang="zh-CN" altLang="en-US"/>
+                    </a:p>
+                  </a:txBody>
+                  <a:tcPr/>
+                </a:tc>
+                <a:tc gridSpan="2">
+                  <a:txBody>
+                    <a:bodyPr/>
+                    <a:lstStyle/>
+                    <a:p>
+                      <a:pPr algn="ctr" fontAlgn="t">
+                        <a:lnSpc>
+                          <a:spcPct val="200000"/>
+                        </a:lnSpc>
+                        <a:spcBef>
+                          <a:spcPts val="0"/>
+                        </a:spcBef>
+                        <a:spcAft>
+                          <a:spcPts val="0"/>
+                        </a:spcAft>
+                      </a:pPr>
+                      <a:r>
+                        <a:rPr lang="zh-CN" altLang="en-US" sz="1100" b="1" i="0" u="none" strike="noStrike" kern="100">
+                          <a:effectLst/>
+                          <a:latin typeface="Times New Roman" panose="02020603050405020304" pitchFamily="18" charset="0"/>
+                          <a:ea typeface="宋体" panose="02010600030101010101" pitchFamily="2" charset="-122"/>
+                        </a:rPr>
+                        <a:t>雷震</a:t>
+                      </a:r>
+                      <a:endParaRPr lang="zh-CN" altLang="en-US" sz="2000" b="1" i="0" u="none" strike="noStrike">
+                        <a:effectLst/>
+                        <a:latin typeface="Arial" panose="020B0604020202020204" pitchFamily="34" charset="0"/>
+                      </a:endParaRPr>
+                    </a:p>
+                  </a:txBody>
+                  <a:tcPr marL="54441" marR="54441" marT="27221" marB="27221">
+                    <a:lnL w="12700" cap="flat" cmpd="sng" algn="ctr">
+                      <a:solidFill>
+                        <a:srgbClr val="000000"/>
+                      </a:solidFill>
+                      <a:prstDash val="solid"/>
+                      <a:round/>
+                      <a:headEnd type="none" w="med" len="med"/>
+                      <a:tailEnd type="none" w="med" len="med"/>
+                    </a:lnL>
+                    <a:lnR w="12700" cap="flat" cmpd="sng" algn="ctr">
+                      <a:solidFill>
+                        <a:srgbClr val="000000"/>
+                      </a:solidFill>
+                      <a:prstDash val="solid"/>
+                      <a:round/>
+                      <a:headEnd type="none" w="med" len="med"/>
+                      <a:tailEnd type="none" w="med" len="med"/>
+                    </a:lnR>
+                    <a:lnT w="12700" cap="flat" cmpd="sng" algn="ctr">
+                      <a:solidFill>
+                        <a:srgbClr val="000000"/>
+                      </a:solidFill>
+                      <a:prstDash val="solid"/>
+                      <a:round/>
+                      <a:headEnd type="none" w="med" len="med"/>
+                      <a:tailEnd type="none" w="med" len="med"/>
+                    </a:lnT>
+                    <a:lnB w="12700" cap="flat" cmpd="sng" algn="ctr">
+                      <a:solidFill>
+                        <a:srgbClr val="000000"/>
+                      </a:solidFill>
+                      <a:prstDash val="solid"/>
+                      <a:round/>
+                      <a:headEnd type="none" w="med" len="med"/>
+                      <a:tailEnd type="none" w="med" len="med"/>
+                    </a:lnB>
+                  </a:tcPr>
+                </a:tc>
+                <a:tc hMerge="1">
+                  <a:txBody>
+                    <a:bodyPr/>
+                    <a:lstStyle/>
+                    <a:p>
+                      <a:endParaRPr lang="zh-CN" altLang="en-US"/>
+                    </a:p>
+                  </a:txBody>
+                  <a:tcPr/>
+                </a:tc>
+                <a:tc>
+                  <a:txBody>
+                    <a:bodyPr/>
+                    <a:lstStyle/>
+                    <a:p>
+                      <a:pPr algn="ctr" fontAlgn="t">
+                        <a:lnSpc>
+                          <a:spcPct val="200000"/>
+                        </a:lnSpc>
+                        <a:spcBef>
+                          <a:spcPts val="0"/>
+                        </a:spcBef>
+                        <a:spcAft>
+                          <a:spcPts val="0"/>
+                        </a:spcAft>
+                      </a:pPr>
+                      <a:r>
+                        <a:rPr lang="zh-CN" altLang="en-US" sz="1100" b="1" i="0" u="none" strike="noStrike" kern="100">
+                          <a:effectLst/>
+                          <a:latin typeface="Times New Roman" panose="02020603050405020304" pitchFamily="18" charset="0"/>
+                          <a:ea typeface="宋体" panose="02010600030101010101" pitchFamily="2" charset="-122"/>
+                        </a:rPr>
+                        <a:t>罗培铖</a:t>
+                      </a:r>
+                      <a:endParaRPr lang="zh-CN" altLang="en-US" sz="2000" b="1" i="0" u="none" strike="noStrike">
+                        <a:effectLst/>
+                        <a:latin typeface="Arial" panose="020B0604020202020204" pitchFamily="34" charset="0"/>
+                      </a:endParaRPr>
+                    </a:p>
+                  </a:txBody>
+                  <a:tcPr marL="40831" marR="40831" marT="5671" marB="0">
+                    <a:lnL w="12700" cap="flat" cmpd="sng" algn="ctr">
+                      <a:solidFill>
+                        <a:srgbClr val="000000"/>
+                      </a:solidFill>
+                      <a:prstDash val="solid"/>
+                      <a:round/>
+                      <a:headEnd type="none" w="med" len="med"/>
+                      <a:tailEnd type="none" w="med" len="med"/>
+                    </a:lnL>
+                    <a:lnR w="12700" cap="flat" cmpd="sng" algn="ctr">
+                      <a:solidFill>
+                        <a:srgbClr val="000000"/>
+                      </a:solidFill>
+                      <a:prstDash val="solid"/>
+                      <a:round/>
+                      <a:headEnd type="none" w="med" len="med"/>
+                      <a:tailEnd type="none" w="med" len="med"/>
+                    </a:lnR>
+                    <a:lnT w="12700" cap="flat" cmpd="sng" algn="ctr">
+                      <a:solidFill>
+                        <a:srgbClr val="000000"/>
+                      </a:solidFill>
+                      <a:prstDash val="solid"/>
+                      <a:round/>
+                      <a:headEnd type="none" w="med" len="med"/>
+                      <a:tailEnd type="none" w="med" len="med"/>
+                    </a:lnT>
+                    <a:lnB w="12700" cap="flat" cmpd="sng" algn="ctr">
+                      <a:solidFill>
+                        <a:srgbClr val="000000"/>
+                      </a:solidFill>
+                      <a:prstDash val="solid"/>
+                      <a:round/>
+                      <a:headEnd type="none" w="med" len="med"/>
+                      <a:tailEnd type="none" w="med" len="med"/>
+                    </a:lnB>
+                  </a:tcPr>
+                </a:tc>
+                <a:extLst>
+                  <a:ext uri="{0D108BD9-81ED-4DB2-BD59-A6C34878D82A}">
+                    <a16:rowId xmlns:a16="http://schemas.microsoft.com/office/drawing/2014/main" val="727204138"/>
+                  </a:ext>
+                </a:extLst>
+              </a:tr>
+              <a:tr h="293984">
+                <a:tc>
+                  <a:txBody>
+                    <a:bodyPr/>
+                    <a:lstStyle/>
+                    <a:p>
+                      <a:pPr algn="ctr" fontAlgn="ctr">
+                        <a:lnSpc>
+                          <a:spcPct val="200000"/>
+                        </a:lnSpc>
+                        <a:spcBef>
+                          <a:spcPts val="0"/>
+                        </a:spcBef>
+                        <a:spcAft>
+                          <a:spcPts val="0"/>
+                        </a:spcAft>
+                      </a:pPr>
+                      <a:r>
+                        <a:rPr lang="zh-CN" altLang="en-US" sz="1100" b="1" i="0" u="none" strike="noStrike" kern="100">
+                          <a:effectLst/>
+                          <a:latin typeface="Times New Roman" panose="02020603050405020304" pitchFamily="18" charset="0"/>
+                          <a:ea typeface="宋体" panose="02010600030101010101" pitchFamily="2" charset="-122"/>
+                        </a:rPr>
+                        <a:t>参会人员</a:t>
+                      </a:r>
+                      <a:endParaRPr lang="zh-CN" altLang="en-US" sz="2000" b="1" i="0" u="none" strike="noStrike">
+                        <a:effectLst/>
+                        <a:latin typeface="Arial" panose="020B0604020202020204" pitchFamily="34" charset="0"/>
+                      </a:endParaRPr>
+                    </a:p>
+                  </a:txBody>
+                  <a:tcPr marL="40831" marR="40831" marT="5671" marB="0" anchor="ctr">
+                    <a:lnL w="12700" cap="flat" cmpd="sng" algn="ctr">
+                      <a:solidFill>
+                        <a:srgbClr val="000000"/>
+                      </a:solidFill>
+                      <a:prstDash val="solid"/>
+                      <a:round/>
+                      <a:headEnd type="none" w="med" len="med"/>
+                      <a:tailEnd type="none" w="med" len="med"/>
+                    </a:lnL>
+                    <a:lnR w="12700" cap="flat" cmpd="sng" algn="ctr">
+                      <a:solidFill>
+                        <a:srgbClr val="000000"/>
+                      </a:solidFill>
+                      <a:prstDash val="solid"/>
+                      <a:round/>
+                      <a:headEnd type="none" w="med" len="med"/>
+                      <a:tailEnd type="none" w="med" len="med"/>
+                    </a:lnR>
+                    <a:lnT w="12700" cap="flat" cmpd="sng" algn="ctr">
+                      <a:solidFill>
+                        <a:srgbClr val="000000"/>
+                      </a:solidFill>
+                      <a:prstDash val="solid"/>
+                      <a:round/>
+                      <a:headEnd type="none" w="med" len="med"/>
+                      <a:tailEnd type="none" w="med" len="med"/>
+                    </a:lnT>
+                    <a:lnB w="12700" cap="flat" cmpd="sng" algn="ctr">
+                      <a:solidFill>
+                        <a:srgbClr val="000000"/>
+                      </a:solidFill>
+                      <a:prstDash val="solid"/>
+                      <a:round/>
+                      <a:headEnd type="none" w="med" len="med"/>
+                      <a:tailEnd type="none" w="med" len="med"/>
+                    </a:lnB>
+                  </a:tcPr>
+                </a:tc>
+                <a:tc gridSpan="7">
+                  <a:txBody>
+                    <a:bodyPr/>
+                    <a:lstStyle/>
+                    <a:p>
+                      <a:pPr algn="ctr" fontAlgn="t">
+                        <a:lnSpc>
+                          <a:spcPct val="200000"/>
+                        </a:lnSpc>
+                        <a:spcBef>
+                          <a:spcPts val="0"/>
+                        </a:spcBef>
+                        <a:spcAft>
+                          <a:spcPts val="0"/>
+                        </a:spcAft>
+                      </a:pPr>
+                      <a:r>
+                        <a:rPr lang="zh-CN" altLang="en-US" sz="1100" b="1" i="0" u="none" strike="noStrike" kern="100">
+                          <a:effectLst/>
+                          <a:latin typeface="Times New Roman" panose="02020603050405020304" pitchFamily="18" charset="0"/>
+                          <a:ea typeface="宋体" panose="02010600030101010101" pitchFamily="2" charset="-122"/>
+                        </a:rPr>
+                        <a:t>童欣，陈婧唯，陈雅菁，吴自强，刘震，陈雅菁</a:t>
+                      </a:r>
+                      <a:endParaRPr lang="zh-CN" altLang="en-US" sz="2000" b="1" i="0" u="none" strike="noStrike">
+                        <a:effectLst/>
+                        <a:latin typeface="Arial" panose="020B0604020202020204" pitchFamily="34" charset="0"/>
+                      </a:endParaRPr>
+                    </a:p>
+                  </a:txBody>
+                  <a:tcPr marL="54441" marR="54441" marT="27221" marB="27221">
+                    <a:lnL w="12700" cap="flat" cmpd="sng" algn="ctr">
+                      <a:solidFill>
+                        <a:srgbClr val="000000"/>
+                      </a:solidFill>
+                      <a:prstDash val="solid"/>
+                      <a:round/>
+                      <a:headEnd type="none" w="med" len="med"/>
+                      <a:tailEnd type="none" w="med" len="med"/>
+                    </a:lnL>
+                    <a:lnR w="12700" cap="flat" cmpd="sng" algn="ctr">
+                      <a:solidFill>
+                        <a:srgbClr val="000000"/>
+                      </a:solidFill>
+                      <a:prstDash val="solid"/>
+                      <a:round/>
+                      <a:headEnd type="none" w="med" len="med"/>
+                      <a:tailEnd type="none" w="med" len="med"/>
+                    </a:lnR>
+                    <a:lnT w="12700" cap="flat" cmpd="sng" algn="ctr">
+                      <a:solidFill>
+                        <a:srgbClr val="000000"/>
+                      </a:solidFill>
+                      <a:prstDash val="solid"/>
+                      <a:round/>
+                      <a:headEnd type="none" w="med" len="med"/>
+                      <a:tailEnd type="none" w="med" len="med"/>
+                    </a:lnT>
+                    <a:lnB w="12700" cap="flat" cmpd="sng" algn="ctr">
+                      <a:solidFill>
+                        <a:srgbClr val="000000"/>
+                      </a:solidFill>
+                      <a:prstDash val="solid"/>
+                      <a:round/>
+                      <a:headEnd type="none" w="med" len="med"/>
+                      <a:tailEnd type="none" w="med" len="med"/>
+                    </a:lnB>
+                  </a:tcPr>
+                </a:tc>
+                <a:tc hMerge="1">
+                  <a:txBody>
+                    <a:bodyPr/>
+                    <a:lstStyle/>
+                    <a:p>
+                      <a:endParaRPr lang="zh-CN" altLang="en-US"/>
+                    </a:p>
+                  </a:txBody>
+                  <a:tcPr/>
+                </a:tc>
+                <a:tc hMerge="1">
+                  <a:txBody>
+                    <a:bodyPr/>
+                    <a:lstStyle/>
+                    <a:p>
+                      <a:endParaRPr lang="zh-CN" altLang="en-US"/>
+                    </a:p>
+                  </a:txBody>
+                  <a:tcPr/>
+                </a:tc>
+                <a:tc hMerge="1">
+                  <a:txBody>
+                    <a:bodyPr/>
+                    <a:lstStyle/>
+                    <a:p>
+                      <a:endParaRPr lang="zh-CN" altLang="en-US"/>
+                    </a:p>
+                  </a:txBody>
+                  <a:tcPr/>
+                </a:tc>
+                <a:tc hMerge="1">
+                  <a:txBody>
+                    <a:bodyPr/>
+                    <a:lstStyle/>
+                    <a:p>
+                      <a:endParaRPr lang="zh-CN" altLang="en-US"/>
+                    </a:p>
+                  </a:txBody>
+                  <a:tcPr/>
+                </a:tc>
+                <a:tc hMerge="1">
+                  <a:txBody>
+                    <a:bodyPr/>
+                    <a:lstStyle/>
+                    <a:p>
+                      <a:endParaRPr lang="zh-CN" altLang="en-US"/>
+                    </a:p>
+                  </a:txBody>
+                  <a:tcPr/>
+                </a:tc>
+                <a:tc hMerge="1">
+                  <a:txBody>
+                    <a:bodyPr/>
+                    <a:lstStyle/>
+                    <a:p>
+                      <a:endParaRPr lang="zh-CN" altLang="en-US"/>
+                    </a:p>
+                  </a:txBody>
+                  <a:tcPr/>
+                </a:tc>
+                <a:extLst>
+                  <a:ext uri="{0D108BD9-81ED-4DB2-BD59-A6C34878D82A}">
+                    <a16:rowId xmlns:a16="http://schemas.microsoft.com/office/drawing/2014/main" val="2367624381"/>
+                  </a:ext>
+                </a:extLst>
+              </a:tr>
+              <a:tr h="293984">
+                <a:tc>
+                  <a:txBody>
+                    <a:bodyPr/>
+                    <a:lstStyle/>
+                    <a:p>
+                      <a:pPr algn="ctr" fontAlgn="t">
+                        <a:lnSpc>
+                          <a:spcPct val="200000"/>
+                        </a:lnSpc>
+                        <a:spcBef>
+                          <a:spcPts val="0"/>
+                        </a:spcBef>
+                        <a:spcAft>
+                          <a:spcPts val="0"/>
+                        </a:spcAft>
+                      </a:pPr>
+                      <a:r>
+                        <a:rPr lang="zh-CN" altLang="en-US" sz="1100" b="1" i="0" u="none" strike="noStrike" kern="100">
+                          <a:effectLst/>
+                          <a:latin typeface="Times New Roman" panose="02020603050405020304" pitchFamily="18" charset="0"/>
+                          <a:ea typeface="宋体" panose="02010600030101010101" pitchFamily="2" charset="-122"/>
+                        </a:rPr>
+                        <a:t>请假人员</a:t>
+                      </a:r>
+                      <a:endParaRPr lang="zh-CN" altLang="en-US" sz="2000" b="1" i="0" u="none" strike="noStrike">
+                        <a:effectLst/>
+                        <a:latin typeface="Arial" panose="020B0604020202020204" pitchFamily="34" charset="0"/>
+                      </a:endParaRPr>
+                    </a:p>
+                  </a:txBody>
+                  <a:tcPr marL="40831" marR="40831" marT="5671" marB="0">
+                    <a:lnL w="12700" cap="flat" cmpd="sng" algn="ctr">
+                      <a:solidFill>
+                        <a:srgbClr val="000000"/>
+                      </a:solidFill>
+                      <a:prstDash val="solid"/>
+                      <a:round/>
+                      <a:headEnd type="none" w="med" len="med"/>
+                      <a:tailEnd type="none" w="med" len="med"/>
+                    </a:lnL>
+                    <a:lnR w="12700" cap="flat" cmpd="sng" algn="ctr">
+                      <a:solidFill>
+                        <a:srgbClr val="000000"/>
+                      </a:solidFill>
+                      <a:prstDash val="solid"/>
+                      <a:round/>
+                      <a:headEnd type="none" w="med" len="med"/>
+                      <a:tailEnd type="none" w="med" len="med"/>
+                    </a:lnR>
+                    <a:lnT w="12700" cap="flat" cmpd="sng" algn="ctr">
+                      <a:solidFill>
+                        <a:srgbClr val="000000"/>
+                      </a:solidFill>
+                      <a:prstDash val="solid"/>
+                      <a:round/>
+                      <a:headEnd type="none" w="med" len="med"/>
+                      <a:tailEnd type="none" w="med" len="med"/>
+                    </a:lnT>
+                    <a:lnB w="12700" cap="flat" cmpd="sng" algn="ctr">
+                      <a:solidFill>
+                        <a:srgbClr val="000000"/>
+                      </a:solidFill>
+                      <a:prstDash val="solid"/>
+                      <a:round/>
+                      <a:headEnd type="none" w="med" len="med"/>
+                      <a:tailEnd type="none" w="med" len="med"/>
+                    </a:lnB>
+                  </a:tcPr>
+                </a:tc>
+                <a:tc gridSpan="3">
+                  <a:txBody>
+                    <a:bodyPr/>
+                    <a:lstStyle/>
+                    <a:p>
+                      <a:pPr algn="ctr" fontAlgn="t">
+                        <a:lnSpc>
+                          <a:spcPct val="200000"/>
+                        </a:lnSpc>
+                        <a:spcBef>
+                          <a:spcPts val="0"/>
+                        </a:spcBef>
+                        <a:spcAft>
+                          <a:spcPts val="0"/>
+                        </a:spcAft>
+                      </a:pPr>
+                      <a:r>
+                        <a:rPr lang="zh-CN" altLang="en-US" sz="1100" b="1" i="0" u="none" strike="noStrike" kern="100">
+                          <a:effectLst/>
+                          <a:latin typeface="Times New Roman" panose="02020603050405020304" pitchFamily="18" charset="0"/>
+                          <a:ea typeface="宋体" panose="02010600030101010101" pitchFamily="2" charset="-122"/>
+                        </a:rPr>
+                        <a:t>张天颖</a:t>
+                      </a:r>
+                      <a:endParaRPr lang="zh-CN" altLang="en-US" sz="2000" b="1" i="0" u="none" strike="noStrike">
+                        <a:effectLst/>
+                        <a:latin typeface="Arial" panose="020B0604020202020204" pitchFamily="34" charset="0"/>
+                      </a:endParaRPr>
+                    </a:p>
+                  </a:txBody>
+                  <a:tcPr marL="54441" marR="54441" marT="27221" marB="27221">
+                    <a:lnL w="12700" cap="flat" cmpd="sng" algn="ctr">
+                      <a:solidFill>
+                        <a:srgbClr val="000000"/>
+                      </a:solidFill>
+                      <a:prstDash val="solid"/>
+                      <a:round/>
+                      <a:headEnd type="none" w="med" len="med"/>
+                      <a:tailEnd type="none" w="med" len="med"/>
+                    </a:lnL>
+                    <a:lnR w="12700" cap="flat" cmpd="sng" algn="ctr">
+                      <a:solidFill>
+                        <a:srgbClr val="000000"/>
+                      </a:solidFill>
+                      <a:prstDash val="solid"/>
+                      <a:round/>
+                      <a:headEnd type="none" w="med" len="med"/>
+                      <a:tailEnd type="none" w="med" len="med"/>
+                    </a:lnR>
+                    <a:lnT w="12700" cap="flat" cmpd="sng" algn="ctr">
+                      <a:solidFill>
+                        <a:srgbClr val="000000"/>
+                      </a:solidFill>
+                      <a:prstDash val="solid"/>
+                      <a:round/>
+                      <a:headEnd type="none" w="med" len="med"/>
+                      <a:tailEnd type="none" w="med" len="med"/>
+                    </a:lnT>
+                    <a:lnB w="12700" cap="flat" cmpd="sng" algn="ctr">
+                      <a:solidFill>
+                        <a:srgbClr val="000000"/>
+                      </a:solidFill>
+                      <a:prstDash val="solid"/>
+                      <a:round/>
+                      <a:headEnd type="none" w="med" len="med"/>
+                      <a:tailEnd type="none" w="med" len="med"/>
+                    </a:lnB>
+                  </a:tcPr>
+                </a:tc>
+                <a:tc hMerge="1">
+                  <a:txBody>
+                    <a:bodyPr/>
+                    <a:lstStyle/>
+                    <a:p>
+                      <a:endParaRPr lang="zh-CN" altLang="en-US"/>
+                    </a:p>
+                  </a:txBody>
+                  <a:tcPr/>
+                </a:tc>
+                <a:tc hMerge="1">
+                  <a:txBody>
+                    <a:bodyPr/>
+                    <a:lstStyle/>
+                    <a:p>
+                      <a:endParaRPr lang="zh-CN" altLang="en-US"/>
+                    </a:p>
+                  </a:txBody>
+                  <a:tcPr/>
+                </a:tc>
+                <a:tc gridSpan="2">
+                  <a:txBody>
+                    <a:bodyPr/>
+                    <a:lstStyle/>
+                    <a:p>
+                      <a:pPr algn="ctr" fontAlgn="t">
+                        <a:lnSpc>
+                          <a:spcPct val="200000"/>
+                        </a:lnSpc>
+                        <a:spcBef>
+                          <a:spcPts val="0"/>
+                        </a:spcBef>
+                        <a:spcAft>
+                          <a:spcPts val="0"/>
+                        </a:spcAft>
+                      </a:pPr>
+                      <a:r>
+                        <a:rPr lang="zh-CN" altLang="en-US" sz="1100" b="1" i="0" u="none" strike="noStrike" kern="100">
+                          <a:effectLst/>
+                          <a:latin typeface="Times New Roman" panose="02020603050405020304" pitchFamily="18" charset="0"/>
+                          <a:ea typeface="宋体" panose="02010600030101010101" pitchFamily="2" charset="-122"/>
+                        </a:rPr>
+                        <a:t>会议时长</a:t>
+                      </a:r>
+                      <a:endParaRPr lang="zh-CN" altLang="en-US" sz="2000" b="1" i="0" u="none" strike="noStrike">
+                        <a:effectLst/>
+                        <a:latin typeface="Arial" panose="020B0604020202020204" pitchFamily="34" charset="0"/>
+                      </a:endParaRPr>
+                    </a:p>
+                  </a:txBody>
+                  <a:tcPr marL="54441" marR="54441" marT="27221" marB="27221">
+                    <a:lnL w="12700" cap="flat" cmpd="sng" algn="ctr">
+                      <a:solidFill>
+                        <a:srgbClr val="000000"/>
+                      </a:solidFill>
+                      <a:prstDash val="solid"/>
+                      <a:round/>
+                      <a:headEnd type="none" w="med" len="med"/>
+                      <a:tailEnd type="none" w="med" len="med"/>
+                    </a:lnL>
+                    <a:lnR w="12700" cap="flat" cmpd="sng" algn="ctr">
+                      <a:solidFill>
+                        <a:srgbClr val="000000"/>
+                      </a:solidFill>
+                      <a:prstDash val="solid"/>
+                      <a:round/>
+                      <a:headEnd type="none" w="med" len="med"/>
+                      <a:tailEnd type="none" w="med" len="med"/>
+                    </a:lnR>
+                    <a:lnT w="12700" cap="flat" cmpd="sng" algn="ctr">
+                      <a:solidFill>
+                        <a:srgbClr val="000000"/>
+                      </a:solidFill>
+                      <a:prstDash val="solid"/>
+                      <a:round/>
+                      <a:headEnd type="none" w="med" len="med"/>
+                      <a:tailEnd type="none" w="med" len="med"/>
+                    </a:lnT>
+                    <a:lnB w="12700" cap="flat" cmpd="sng" algn="ctr">
+                      <a:solidFill>
+                        <a:srgbClr val="000000"/>
+                      </a:solidFill>
+                      <a:prstDash val="solid"/>
+                      <a:round/>
+                      <a:headEnd type="none" w="med" len="med"/>
+                      <a:tailEnd type="none" w="med" len="med"/>
+                    </a:lnB>
+                  </a:tcPr>
+                </a:tc>
+                <a:tc hMerge="1">
+                  <a:txBody>
+                    <a:bodyPr/>
+                    <a:lstStyle/>
+                    <a:p>
+                      <a:endParaRPr lang="zh-CN" altLang="en-US"/>
+                    </a:p>
+                  </a:txBody>
+                  <a:tcPr/>
+                </a:tc>
+                <a:tc gridSpan="2">
+                  <a:txBody>
+                    <a:bodyPr/>
+                    <a:lstStyle/>
+                    <a:p>
+                      <a:pPr algn="ctr" fontAlgn="t">
+                        <a:lnSpc>
+                          <a:spcPct val="200000"/>
+                        </a:lnSpc>
+                        <a:spcBef>
+                          <a:spcPts val="0"/>
+                        </a:spcBef>
+                        <a:spcAft>
+                          <a:spcPts val="0"/>
+                        </a:spcAft>
+                      </a:pPr>
+                      <a:r>
+                        <a:rPr lang="en-US" altLang="ja-JP" sz="1100" b="1" i="0" u="none" strike="noStrike" kern="100">
+                          <a:effectLst/>
+                          <a:latin typeface="Times New Roman" panose="02020603050405020304" pitchFamily="18" charset="0"/>
+                          <a:ea typeface="宋体" panose="02010600030101010101" pitchFamily="2" charset="-122"/>
+                        </a:rPr>
+                        <a:t>30</a:t>
+                      </a:r>
+                      <a:r>
+                        <a:rPr lang="ja-JP" altLang="en-US" sz="1100" b="1" i="0" u="none" strike="noStrike" kern="100">
+                          <a:effectLst/>
+                          <a:latin typeface="Times New Roman" panose="02020603050405020304" pitchFamily="18" charset="0"/>
+                          <a:ea typeface="宋体" panose="02010600030101010101" pitchFamily="2" charset="-122"/>
+                        </a:rPr>
+                        <a:t>分钟</a:t>
+                      </a:r>
+                      <a:endParaRPr lang="ja-JP" altLang="en-US" sz="2000" b="1" i="0" u="none" strike="noStrike">
+                        <a:effectLst/>
+                        <a:latin typeface="Arial" panose="020B0604020202020204" pitchFamily="34" charset="0"/>
+                      </a:endParaRPr>
+                    </a:p>
+                  </a:txBody>
+                  <a:tcPr marL="54441" marR="54441" marT="27221" marB="27221">
+                    <a:lnL w="12700" cap="flat" cmpd="sng" algn="ctr">
+                      <a:solidFill>
+                        <a:srgbClr val="000000"/>
+                      </a:solidFill>
+                      <a:prstDash val="solid"/>
+                      <a:round/>
+                      <a:headEnd type="none" w="med" len="med"/>
+                      <a:tailEnd type="none" w="med" len="med"/>
+                    </a:lnL>
+                    <a:lnR w="12700" cap="flat" cmpd="sng" algn="ctr">
+                      <a:solidFill>
+                        <a:srgbClr val="000000"/>
+                      </a:solidFill>
+                      <a:prstDash val="solid"/>
+                      <a:round/>
+                      <a:headEnd type="none" w="med" len="med"/>
+                      <a:tailEnd type="none" w="med" len="med"/>
+                    </a:lnR>
+                    <a:lnT w="12700" cap="flat" cmpd="sng" algn="ctr">
+                      <a:solidFill>
+                        <a:srgbClr val="000000"/>
+                      </a:solidFill>
+                      <a:prstDash val="solid"/>
+                      <a:round/>
+                      <a:headEnd type="none" w="med" len="med"/>
+                      <a:tailEnd type="none" w="med" len="med"/>
+                    </a:lnT>
+                    <a:lnB w="12700" cap="flat" cmpd="sng" algn="ctr">
+                      <a:solidFill>
+                        <a:srgbClr val="000000"/>
+                      </a:solidFill>
+                      <a:prstDash val="solid"/>
+                      <a:round/>
+                      <a:headEnd type="none" w="med" len="med"/>
+                      <a:tailEnd type="none" w="med" len="med"/>
+                    </a:lnB>
+                  </a:tcPr>
+                </a:tc>
+                <a:tc hMerge="1">
+                  <a:txBody>
+                    <a:bodyPr/>
+                    <a:lstStyle/>
+                    <a:p>
+                      <a:endParaRPr lang="zh-CN" altLang="en-US"/>
+                    </a:p>
+                  </a:txBody>
+                  <a:tcPr/>
+                </a:tc>
+                <a:extLst>
+                  <a:ext uri="{0D108BD9-81ED-4DB2-BD59-A6C34878D82A}">
+                    <a16:rowId xmlns:a16="http://schemas.microsoft.com/office/drawing/2014/main" val="2384164955"/>
+                  </a:ext>
+                </a:extLst>
+              </a:tr>
+              <a:tr h="1709461">
+                <a:tc gridSpan="8">
+                  <a:txBody>
+                    <a:bodyPr/>
+                    <a:lstStyle/>
+                    <a:p>
+                      <a:pPr algn="just" fontAlgn="t">
+                        <a:lnSpc>
+                          <a:spcPct val="150000"/>
+                        </a:lnSpc>
+                        <a:spcBef>
+                          <a:spcPts val="0"/>
+                        </a:spcBef>
+                        <a:spcAft>
+                          <a:spcPts val="0"/>
+                        </a:spcAft>
+                      </a:pPr>
+                      <a:r>
+                        <a:rPr lang="ja-JP" altLang="en-US" sz="1100" b="1" i="0" u="none" strike="noStrike" kern="100" dirty="0">
+                          <a:effectLst/>
+                          <a:latin typeface="Times New Roman" panose="02020603050405020304" pitchFamily="18" charset="0"/>
+                          <a:ea typeface="宋体" panose="02010600030101010101" pitchFamily="2" charset="-122"/>
+                        </a:rPr>
+                        <a:t>      摘要：为了解决冲突的</a:t>
+                      </a:r>
+                      <a:r>
+                        <a:rPr lang="en-US" sz="1100" b="1" i="0" u="none" strike="noStrike" kern="100" dirty="0">
+                          <a:effectLst/>
+                          <a:latin typeface="Times New Roman" panose="02020603050405020304" pitchFamily="18" charset="0"/>
+                          <a:ea typeface="宋体" panose="02010600030101010101" pitchFamily="2" charset="-122"/>
+                        </a:rPr>
+                        <a:t>JAD</a:t>
+                      </a:r>
+                      <a:r>
+                        <a:rPr lang="ja-JP" altLang="en-US" sz="1100" b="1" i="0" u="none" strike="noStrike" kern="100" dirty="0">
+                          <a:effectLst/>
+                          <a:latin typeface="Times New Roman" panose="02020603050405020304" pitchFamily="18" charset="0"/>
+                          <a:ea typeface="宋体" panose="02010600030101010101" pitchFamily="2" charset="-122"/>
+                        </a:rPr>
+                        <a:t>会议</a:t>
+                      </a:r>
+                      <a:endParaRPr lang="ja-JP" altLang="en-US" sz="2000" b="1" i="0" u="none" strike="noStrike" dirty="0">
+                        <a:effectLst/>
+                        <a:latin typeface="Arial" panose="020B0604020202020204" pitchFamily="34" charset="0"/>
+                      </a:endParaRPr>
+                    </a:p>
+                    <a:p>
+                      <a:pPr algn="just" fontAlgn="t">
+                        <a:lnSpc>
+                          <a:spcPct val="150000"/>
+                        </a:lnSpc>
+                        <a:spcBef>
+                          <a:spcPts val="0"/>
+                        </a:spcBef>
+                        <a:spcAft>
+                          <a:spcPts val="0"/>
+                        </a:spcAft>
+                      </a:pPr>
+                      <a:r>
+                        <a:rPr lang="ja-JP" altLang="en-US" sz="1100" b="1" i="0" u="none" strike="noStrike" kern="100" dirty="0">
+                          <a:effectLst/>
+                          <a:latin typeface="Times New Roman" panose="02020603050405020304" pitchFamily="18" charset="0"/>
+                          <a:ea typeface="宋体" panose="02010600030101010101" pitchFamily="2" charset="-122"/>
+                        </a:rPr>
+                        <a:t>       </a:t>
+                      </a:r>
+                      <a:r>
+                        <a:rPr lang="en-US" altLang="ja-JP" sz="1100" b="1" i="0" u="none" strike="noStrike" kern="100" dirty="0">
+                          <a:effectLst/>
+                          <a:latin typeface="Times New Roman" panose="02020603050405020304" pitchFamily="18" charset="0"/>
+                          <a:ea typeface="宋体" panose="02010600030101010101" pitchFamily="2" charset="-122"/>
+                        </a:rPr>
+                        <a:t>1</a:t>
+                      </a:r>
+                      <a:r>
+                        <a:rPr lang="ja-JP" altLang="en-US" sz="1100" b="1" i="0" u="none" strike="noStrike" kern="100" dirty="0">
+                          <a:effectLst/>
+                          <a:latin typeface="Times New Roman" panose="02020603050405020304" pitchFamily="18" charset="0"/>
+                          <a:ea typeface="宋体" panose="02010600030101010101" pitchFamily="2" charset="-122"/>
+                        </a:rPr>
+                        <a:t>月</a:t>
+                      </a:r>
+                      <a:r>
+                        <a:rPr lang="en-US" altLang="ja-JP" sz="1100" b="1" i="0" u="none" strike="noStrike" kern="100" dirty="0">
+                          <a:effectLst/>
+                          <a:latin typeface="Times New Roman" panose="02020603050405020304" pitchFamily="18" charset="0"/>
+                          <a:ea typeface="宋体" panose="02010600030101010101" pitchFamily="2" charset="-122"/>
+                        </a:rPr>
+                        <a:t>9</a:t>
+                      </a:r>
+                      <a:r>
+                        <a:rPr lang="ja-JP" altLang="en-US" sz="1100" b="1" i="0" u="none" strike="noStrike" kern="100" dirty="0">
+                          <a:effectLst/>
+                          <a:latin typeface="Times New Roman" panose="02020603050405020304" pitchFamily="18" charset="0"/>
+                          <a:ea typeface="宋体" panose="02010600030101010101" pitchFamily="2" charset="-122"/>
+                        </a:rPr>
+                        <a:t>日对各位用户代表进行了</a:t>
+                      </a:r>
+                      <a:r>
+                        <a:rPr lang="en-US" sz="1100" b="1" i="0" u="none" strike="noStrike" kern="100" dirty="0">
+                          <a:effectLst/>
+                          <a:latin typeface="Times New Roman" panose="02020603050405020304" pitchFamily="18" charset="0"/>
+                          <a:ea typeface="宋体" panose="02010600030101010101" pitchFamily="2" charset="-122"/>
+                        </a:rPr>
+                        <a:t>JAD</a:t>
+                      </a:r>
+                      <a:r>
+                        <a:rPr lang="ja-JP" altLang="en-US" sz="1100" b="1" i="0" u="none" strike="noStrike" kern="100" dirty="0">
+                          <a:effectLst/>
+                          <a:latin typeface="Times New Roman" panose="02020603050405020304" pitchFamily="18" charset="0"/>
+                          <a:ea typeface="宋体" panose="02010600030101010101" pitchFamily="2" charset="-122"/>
+                        </a:rPr>
+                        <a:t>解决冲突的会议。</a:t>
+                      </a:r>
+                      <a:endParaRPr lang="ja-JP" altLang="en-US" sz="2000" b="1" i="0" u="none" strike="noStrike" dirty="0">
+                        <a:effectLst/>
+                        <a:latin typeface="Arial" panose="020B0604020202020204" pitchFamily="34" charset="0"/>
+                      </a:endParaRPr>
+                    </a:p>
+                    <a:p>
+                      <a:pPr algn="just" fontAlgn="t">
+                        <a:lnSpc>
+                          <a:spcPct val="150000"/>
+                        </a:lnSpc>
+                        <a:spcBef>
+                          <a:spcPts val="0"/>
+                        </a:spcBef>
+                        <a:spcAft>
+                          <a:spcPts val="0"/>
+                        </a:spcAft>
+                      </a:pPr>
+                      <a:r>
+                        <a:rPr lang="ja-JP" altLang="en-US" sz="1100" b="1" i="0" u="none" strike="noStrike" kern="100" dirty="0">
+                          <a:effectLst/>
+                          <a:latin typeface="Times New Roman" panose="02020603050405020304" pitchFamily="18" charset="0"/>
+                          <a:ea typeface="宋体" panose="02010600030101010101" pitchFamily="2" charset="-122"/>
+                        </a:rPr>
+                        <a:t>       访谈开始，项目经理向各位代表介绍了大家的身份，增进了大家的了解。</a:t>
+                      </a:r>
+                      <a:endParaRPr lang="ja-JP" altLang="en-US" sz="2000" b="1" i="0" u="none" strike="noStrike" dirty="0">
+                        <a:effectLst/>
+                        <a:latin typeface="Arial" panose="020B0604020202020204" pitchFamily="34" charset="0"/>
+                      </a:endParaRPr>
+                    </a:p>
+                    <a:p>
+                      <a:pPr algn="just" fontAlgn="t">
+                        <a:lnSpc>
+                          <a:spcPct val="150000"/>
+                        </a:lnSpc>
+                        <a:spcBef>
+                          <a:spcPts val="0"/>
+                        </a:spcBef>
+                        <a:spcAft>
+                          <a:spcPts val="0"/>
+                        </a:spcAft>
+                      </a:pPr>
+                      <a:r>
+                        <a:rPr lang="ja-JP" altLang="en-US" sz="1100" b="1" i="0" u="none" strike="noStrike" kern="100" dirty="0">
+                          <a:effectLst/>
+                          <a:latin typeface="Times New Roman" panose="02020603050405020304" pitchFamily="18" charset="0"/>
+                          <a:ea typeface="宋体" panose="02010600030101010101" pitchFamily="2" charset="-122"/>
+                        </a:rPr>
+                        <a:t>  此次会议的主要目的是为了解决各用户代表的冲突，现记录如下：</a:t>
+                      </a:r>
+                      <a:endParaRPr lang="ja-JP" altLang="en-US" sz="2000" b="1" i="0" u="none" strike="noStrike" dirty="0">
+                        <a:effectLst/>
+                        <a:latin typeface="Arial" panose="020B0604020202020204" pitchFamily="34" charset="0"/>
+                      </a:endParaRPr>
+                    </a:p>
+                    <a:p>
+                      <a:pPr algn="just" fontAlgn="t">
+                        <a:lnSpc>
+                          <a:spcPct val="150000"/>
+                        </a:lnSpc>
+                        <a:spcBef>
+                          <a:spcPts val="0"/>
+                        </a:spcBef>
+                        <a:spcAft>
+                          <a:spcPts val="0"/>
+                        </a:spcAft>
+                      </a:pPr>
+                      <a:r>
+                        <a:rPr lang="ja-JP" altLang="en-US" sz="1100" b="1" i="0" u="none" strike="noStrike" kern="100" dirty="0">
+                          <a:effectLst/>
+                          <a:latin typeface="Times New Roman" panose="02020603050405020304" pitchFamily="18" charset="0"/>
+                          <a:ea typeface="宋体" panose="02010600030101010101" pitchFamily="2" charset="-122"/>
+                        </a:rPr>
+                        <a:t>       </a:t>
+                      </a:r>
+                      <a:r>
+                        <a:rPr lang="en-US" altLang="ja-JP" sz="1100" b="1" i="0" u="none" strike="noStrike" kern="100" dirty="0">
+                          <a:effectLst/>
+                          <a:latin typeface="Times New Roman" panose="02020603050405020304" pitchFamily="18" charset="0"/>
+                          <a:ea typeface="宋体" panose="02010600030101010101" pitchFamily="2" charset="-122"/>
+                        </a:rPr>
+                        <a:t>1.</a:t>
+                      </a:r>
+                      <a:r>
+                        <a:rPr lang="ja-JP" altLang="en-US" sz="1100" b="1" i="0" u="none" strike="noStrike" kern="100" dirty="0">
+                          <a:effectLst/>
+                          <a:latin typeface="Times New Roman" panose="02020603050405020304" pitchFamily="18" charset="0"/>
+                          <a:ea typeface="宋体" panose="02010600030101010101" pitchFamily="2" charset="-122"/>
+                        </a:rPr>
+                        <a:t>我们的游客与教师代表在需求方面存在冲突，游客希望不仅能在首页上看到教师信息，课程信息等内容，也能具体看博主的个人空间和文章以及课程的公告资料等信息，而我们的教师代表并不希望游客能看到这些，需要登录才能看到进一步的信息。如果不登录只能看到首页。所以在此基础上进行了讨论，最后决定遵从教师代表的意见。</a:t>
+                      </a:r>
+                      <a:endParaRPr lang="ja-JP" altLang="en-US" sz="2000" b="1" i="0" u="none" strike="noStrike" dirty="0">
+                        <a:effectLst/>
+                        <a:latin typeface="Arial" panose="020B0604020202020204" pitchFamily="34" charset="0"/>
+                      </a:endParaRPr>
+                    </a:p>
+                    <a:p>
+                      <a:pPr algn="just" fontAlgn="t">
+                        <a:lnSpc>
+                          <a:spcPct val="150000"/>
+                        </a:lnSpc>
+                        <a:spcBef>
+                          <a:spcPts val="0"/>
+                        </a:spcBef>
+                        <a:spcAft>
+                          <a:spcPts val="0"/>
+                        </a:spcAft>
+                      </a:pPr>
+                      <a:r>
+                        <a:rPr lang="ja-JP" altLang="en-US" sz="1100" b="1" i="0" u="none" strike="noStrike" kern="100" dirty="0">
+                          <a:effectLst/>
+                          <a:latin typeface="Times New Roman" panose="02020603050405020304" pitchFamily="18" charset="0"/>
+                          <a:ea typeface="宋体" panose="02010600030101010101" pitchFamily="2" charset="-122"/>
+                        </a:rPr>
+                        <a:t>      </a:t>
+                      </a:r>
+                      <a:r>
+                        <a:rPr lang="en-US" altLang="ja-JP" sz="1100" b="1" i="0" u="none" strike="noStrike" kern="100" dirty="0">
+                          <a:effectLst/>
+                          <a:latin typeface="Times New Roman" panose="02020603050405020304" pitchFamily="18" charset="0"/>
+                          <a:ea typeface="宋体" panose="02010600030101010101" pitchFamily="2" charset="-122"/>
+                        </a:rPr>
+                        <a:t>2.</a:t>
+                      </a:r>
+                      <a:r>
+                        <a:rPr lang="ja-JP" altLang="en-US" sz="1100" b="1" i="0" u="none" strike="noStrike" kern="100" dirty="0">
+                          <a:effectLst/>
+                          <a:latin typeface="Times New Roman" panose="02020603050405020304" pitchFamily="18" charset="0"/>
+                          <a:ea typeface="宋体" panose="02010600030101010101" pitchFamily="2" charset="-122"/>
+                        </a:rPr>
+                        <a:t>项目经理为我们的开发代表讲述了我们网站的基本信息，之后开发人员提了一些细节方面的意见。</a:t>
+                      </a:r>
+                      <a:endParaRPr lang="ja-JP" altLang="en-US" sz="2000" b="1" i="0" u="none" strike="noStrike" dirty="0">
+                        <a:effectLst/>
+                        <a:latin typeface="Arial" panose="020B0604020202020204" pitchFamily="34" charset="0"/>
+                      </a:endParaRPr>
+                    </a:p>
+                    <a:p>
+                      <a:pPr indent="457200" algn="just" fontAlgn="t">
+                        <a:lnSpc>
+                          <a:spcPct val="150000"/>
+                        </a:lnSpc>
+                        <a:spcBef>
+                          <a:spcPts val="0"/>
+                        </a:spcBef>
+                        <a:spcAft>
+                          <a:spcPts val="0"/>
+                        </a:spcAft>
+                      </a:pPr>
+                      <a:r>
+                        <a:rPr lang="en-US" altLang="ja-JP" sz="1100" b="1" i="0" u="none" strike="noStrike" kern="100" dirty="0">
+                          <a:effectLst/>
+                          <a:latin typeface="Times New Roman" panose="02020603050405020304" pitchFamily="18" charset="0"/>
+                          <a:ea typeface="宋体" panose="02010600030101010101" pitchFamily="2" charset="-122"/>
+                        </a:rPr>
+                        <a:t>3.</a:t>
+                      </a:r>
+                      <a:r>
+                        <a:rPr lang="ja-JP" altLang="en-US" sz="1100" b="1" i="0" u="none" strike="noStrike" kern="100" dirty="0">
+                          <a:effectLst/>
+                          <a:latin typeface="Times New Roman" panose="02020603050405020304" pitchFamily="18" charset="0"/>
+                          <a:ea typeface="宋体" panose="02010600030101010101" pitchFamily="2" charset="-122"/>
+                        </a:rPr>
+                        <a:t>管理员代表也就网站管理系统发表了自己的意见。</a:t>
+                      </a:r>
+                      <a:endParaRPr lang="ja-JP" altLang="en-US" sz="2000" b="1" i="0" u="none" strike="noStrike" dirty="0">
+                        <a:effectLst/>
+                        <a:latin typeface="Arial" panose="020B0604020202020204" pitchFamily="34" charset="0"/>
+                      </a:endParaRPr>
+                    </a:p>
+                    <a:p>
+                      <a:pPr algn="just" fontAlgn="t">
+                        <a:lnSpc>
+                          <a:spcPct val="150000"/>
+                        </a:lnSpc>
+                        <a:spcBef>
+                          <a:spcPts val="0"/>
+                        </a:spcBef>
+                        <a:spcAft>
+                          <a:spcPts val="0"/>
+                        </a:spcAft>
+                      </a:pPr>
+                      <a:r>
+                        <a:rPr lang="ja-JP" altLang="en-US" sz="1100" b="1" i="0" u="none" strike="noStrike" kern="100" dirty="0">
+                          <a:effectLst/>
+                          <a:latin typeface="Times New Roman" panose="02020603050405020304" pitchFamily="18" charset="0"/>
+                          <a:ea typeface="宋体" panose="02010600030101010101" pitchFamily="2" charset="-122"/>
+                        </a:rPr>
+                        <a:t>      最后项目经理发表了结束语，此次</a:t>
+                      </a:r>
+                      <a:r>
+                        <a:rPr lang="en-US" sz="1100" b="1" i="0" u="none" strike="noStrike" kern="100" dirty="0">
+                          <a:effectLst/>
+                          <a:latin typeface="Times New Roman" panose="02020603050405020304" pitchFamily="18" charset="0"/>
+                          <a:ea typeface="宋体" panose="02010600030101010101" pitchFamily="2" charset="-122"/>
+                        </a:rPr>
+                        <a:t>JAD</a:t>
+                      </a:r>
+                      <a:r>
+                        <a:rPr lang="ja-JP" altLang="en-US" sz="1100" b="1" i="0" u="none" strike="noStrike" kern="100" dirty="0">
+                          <a:effectLst/>
+                          <a:latin typeface="Times New Roman" panose="02020603050405020304" pitchFamily="18" charset="0"/>
+                          <a:ea typeface="宋体" panose="02010600030101010101" pitchFamily="2" charset="-122"/>
+                        </a:rPr>
+                        <a:t>会议结束</a:t>
+                      </a:r>
+                      <a:endParaRPr lang="ja-JP" altLang="en-US" sz="2000" b="1" i="0" u="none" strike="noStrike" dirty="0">
+                        <a:effectLst/>
+                        <a:latin typeface="Arial" panose="020B0604020202020204" pitchFamily="34" charset="0"/>
+                      </a:endParaRPr>
+                    </a:p>
+                    <a:p>
+                      <a:pPr algn="just" fontAlgn="t">
+                        <a:lnSpc>
+                          <a:spcPct val="150000"/>
+                        </a:lnSpc>
+                        <a:spcBef>
+                          <a:spcPts val="0"/>
+                        </a:spcBef>
+                        <a:spcAft>
+                          <a:spcPts val="0"/>
+                        </a:spcAft>
+                      </a:pPr>
+                      <a:r>
+                        <a:rPr lang="ja-JP" altLang="en-US" sz="1100" b="1" i="0" u="none" strike="noStrike" kern="100" dirty="0">
+                          <a:effectLst/>
+                          <a:latin typeface="Times New Roman" panose="02020603050405020304" pitchFamily="18" charset="0"/>
+                          <a:ea typeface="宋体" panose="02010600030101010101" pitchFamily="2" charset="-122"/>
+                        </a:rPr>
+                        <a:t>      我们将根据各代表的反馈对我们的项目进行修改。</a:t>
+                      </a:r>
+                      <a:endParaRPr lang="ja-JP" altLang="en-US" sz="2000" b="1" i="0" u="none" strike="noStrike" dirty="0">
+                        <a:effectLst/>
+                        <a:latin typeface="Arial" panose="020B0604020202020204" pitchFamily="34" charset="0"/>
+                      </a:endParaRPr>
+                    </a:p>
+                  </a:txBody>
+                  <a:tcPr marL="54441" marR="54441" marT="27221" marB="27221">
+                    <a:lnL w="12700" cap="flat" cmpd="sng" algn="ctr">
+                      <a:solidFill>
+                        <a:srgbClr val="000000"/>
+                      </a:solidFill>
+                      <a:prstDash val="solid"/>
+                      <a:round/>
+                      <a:headEnd type="none" w="med" len="med"/>
+                      <a:tailEnd type="none" w="med" len="med"/>
+                    </a:lnL>
+                    <a:lnR w="12700" cap="flat" cmpd="sng" algn="ctr">
+                      <a:solidFill>
+                        <a:srgbClr val="000000"/>
+                      </a:solidFill>
+                      <a:prstDash val="solid"/>
+                      <a:round/>
+                      <a:headEnd type="none" w="med" len="med"/>
+                      <a:tailEnd type="none" w="med" len="med"/>
+                    </a:lnR>
+                    <a:lnT w="12700" cap="flat" cmpd="sng" algn="ctr">
+                      <a:solidFill>
+                        <a:srgbClr val="000000"/>
+                      </a:solidFill>
+                      <a:prstDash val="solid"/>
+                      <a:round/>
+                      <a:headEnd type="none" w="med" len="med"/>
+                      <a:tailEnd type="none" w="med" len="med"/>
+                    </a:lnT>
+                    <a:lnB w="12700" cap="flat" cmpd="sng" algn="ctr">
+                      <a:solidFill>
+                        <a:srgbClr val="000000"/>
+                      </a:solidFill>
+                      <a:prstDash val="solid"/>
+                      <a:round/>
+                      <a:headEnd type="none" w="med" len="med"/>
+                      <a:tailEnd type="none" w="med" len="med"/>
+                    </a:lnB>
+                  </a:tcPr>
+                </a:tc>
+                <a:tc hMerge="1">
+                  <a:txBody>
+                    <a:bodyPr/>
+                    <a:lstStyle/>
+                    <a:p>
+                      <a:endParaRPr lang="zh-CN" altLang="en-US"/>
+                    </a:p>
+                  </a:txBody>
+                  <a:tcPr/>
+                </a:tc>
+                <a:tc hMerge="1">
+                  <a:txBody>
+                    <a:bodyPr/>
+                    <a:lstStyle/>
+                    <a:p>
+                      <a:endParaRPr lang="zh-CN" altLang="en-US"/>
+                    </a:p>
+                  </a:txBody>
+                  <a:tcPr/>
+                </a:tc>
+                <a:tc hMerge="1">
+                  <a:txBody>
+                    <a:bodyPr/>
+                    <a:lstStyle/>
+                    <a:p>
+                      <a:endParaRPr lang="zh-CN" altLang="en-US"/>
+                    </a:p>
+                  </a:txBody>
+                  <a:tcPr/>
+                </a:tc>
+                <a:tc hMerge="1">
+                  <a:txBody>
+                    <a:bodyPr/>
+                    <a:lstStyle/>
+                    <a:p>
+                      <a:endParaRPr lang="zh-CN" altLang="en-US"/>
+                    </a:p>
+                  </a:txBody>
+                  <a:tcPr/>
+                </a:tc>
+                <a:tc hMerge="1">
+                  <a:txBody>
+                    <a:bodyPr/>
+                    <a:lstStyle/>
+                    <a:p>
+                      <a:endParaRPr lang="zh-CN" altLang="en-US"/>
+                    </a:p>
+                  </a:txBody>
+                  <a:tcPr/>
+                </a:tc>
+                <a:tc hMerge="1">
+                  <a:txBody>
+                    <a:bodyPr/>
+                    <a:lstStyle/>
+                    <a:p>
+                      <a:endParaRPr lang="zh-CN" altLang="en-US"/>
+                    </a:p>
+                  </a:txBody>
+                  <a:tcPr/>
+                </a:tc>
+                <a:tc hMerge="1">
+                  <a:txBody>
+                    <a:bodyPr/>
+                    <a:lstStyle/>
+                    <a:p>
+                      <a:endParaRPr lang="zh-CN" altLang="en-US"/>
+                    </a:p>
+                  </a:txBody>
+                  <a:tcPr/>
+                </a:tc>
+                <a:extLst>
+                  <a:ext uri="{0D108BD9-81ED-4DB2-BD59-A6C34878D82A}">
+                    <a16:rowId xmlns:a16="http://schemas.microsoft.com/office/drawing/2014/main" val="3014657505"/>
+                  </a:ext>
+                </a:extLst>
+              </a:tr>
+            </a:tbl>
+          </a:graphicData>
+        </a:graphic>
+      </p:graphicFrame>
+    </p:spTree>
+    <p:extLst>
+      <p:ext uri="{BB962C8B-B14F-4D97-AF65-F5344CB8AC3E}">
+        <p14:creationId xmlns:p14="http://schemas.microsoft.com/office/powerpoint/2010/main" val="1828006959"/>
+      </p:ext>
+    </p:extLst>
+  </p:cSld>
+  <p:clrMapOvr>
+    <a:masterClrMapping/>
+  </p:clrMapOvr>
+</p:sld>
+</file>
+
+<file path=ppt/slides/slide32.xml><?xml version="1.0" encoding="utf-8"?>
+<p:sld xmlns:a="http://schemas.openxmlformats.org/drawingml/2006/main" xmlns:r="http://schemas.openxmlformats.org/officeDocument/2006/relationships" xmlns:p="http://schemas.openxmlformats.org/presentationml/2006/main">
+  <p:cSld>
+    <p:bg>
+      <p:bgPr>
+        <a:solidFill>
+          <a:schemeClr val="bg2"/>
+        </a:solidFill>
+        <a:effectLst/>
+      </p:bgPr>
+    </p:bg>
+    <p:spTree>
+      <p:nvGrpSpPr>
+        <p:cNvPr id="1" name=""/>
+        <p:cNvGrpSpPr/>
+        <p:nvPr/>
+      </p:nvGrpSpPr>
+      <p:grpSpPr>
+        <a:xfrm>
+          <a:off x="0" y="0"/>
+          <a:ext cx="0" cy="0"/>
+          <a:chOff x="0" y="0"/>
+          <a:chExt cx="0" cy="0"/>
+        </a:xfrm>
+      </p:grpSpPr>
+      <p:grpSp>
+        <p:nvGrpSpPr>
+          <p:cNvPr id="45" name="Group 44">
+            <a:extLst>
+              <a:ext uri="{FF2B5EF4-FFF2-40B4-BE49-F238E27FC236}">
+                <a16:creationId xmlns:a16="http://schemas.microsoft.com/office/drawing/2014/main" id="{76582886-877C-4AEC-A77F-8055EB9A0CF9}"/>
+              </a:ext>
+              <a:ext uri="{C183D7F6-B498-43B3-948B-1728B52AA6E4}">
+                <adec:decorative xmlns:adec="http://schemas.microsoft.com/office/drawing/2017/decorative" val="1"/>
+              </a:ext>
+            </a:extLst>
+          </p:cNvPr>
+          <p:cNvGrpSpPr>
+            <a:grpSpLocks noGrp="1" noUngrp="1" noRot="1" noChangeAspect="1" noMove="1" noResize="1"/>
+          </p:cNvGrpSpPr>
+          <p:nvPr>
+            <p:extLst>
+              <p:ext uri="{386F3935-93C4-4BCD-93E2-E3B085C9AB24}">
+                <p16:designElem xmlns:p16="http://schemas.microsoft.com/office/powerpoint/2015/main" val="1"/>
+              </p:ext>
+            </p:extLst>
+          </p:nvPr>
+        </p:nvGrpSpPr>
+        <p:grpSpPr>
+          <a:xfrm>
+            <a:off x="0" y="-8467"/>
+            <a:ext cx="12192000" cy="6866467"/>
+            <a:chOff x="0" y="-8467"/>
+            <a:chExt cx="12192000" cy="6866467"/>
+          </a:xfrm>
+        </p:grpSpPr>
+        <p:sp>
+          <p:nvSpPr>
+            <p:cNvPr id="46" name="Freeform 14">
+              <a:extLst>
+                <a:ext uri="{FF2B5EF4-FFF2-40B4-BE49-F238E27FC236}">
+                  <a16:creationId xmlns:a16="http://schemas.microsoft.com/office/drawing/2014/main" id="{171A838D-27EA-485C-9A80-DCE624AB30B2}"/>
+                </a:ext>
+                <a:ext uri="{C183D7F6-B498-43B3-948B-1728B52AA6E4}">
+                  <adec:decorative xmlns:adec="http://schemas.microsoft.com/office/drawing/2017/decorative" val="1"/>
+                </a:ext>
+              </a:extLst>
+            </p:cNvPr>
+            <p:cNvSpPr/>
+            <p:nvPr>
+              <p:extLst>
+                <p:ext uri="{386F3935-93C4-4BCD-93E2-E3B085C9AB24}">
+                  <p16:designElem xmlns:p16="http://schemas.microsoft.com/office/powerpoint/2015/main" val="1"/>
+                </p:ext>
+              </p:extLst>
+            </p:nvPr>
+          </p:nvSpPr>
+          <p:spPr>
+            <a:xfrm>
+              <a:off x="0" y="-7862"/>
+              <a:ext cx="863600" cy="5698067"/>
+            </a:xfrm>
+            <a:custGeom>
+              <a:avLst/>
+              <a:gdLst/>
+              <a:ahLst/>
+              <a:cxnLst/>
+              <a:rect l="l" t="t" r="r" b="b"/>
+              <a:pathLst>
+                <a:path w="863600" h="5698067">
+                  <a:moveTo>
+                    <a:pt x="0" y="8467"/>
+                  </a:moveTo>
+                  <a:lnTo>
+                    <a:pt x="863600" y="0"/>
+                  </a:lnTo>
+                  <a:lnTo>
+                    <a:pt x="863600" y="16934"/>
+                  </a:lnTo>
+                  <a:lnTo>
+                    <a:pt x="0" y="5698067"/>
+                  </a:lnTo>
+                  <a:lnTo>
+                    <a:pt x="0" y="8467"/>
+                  </a:lnTo>
+                  <a:close/>
+                </a:path>
+              </a:pathLst>
+            </a:custGeom>
+            <a:solidFill>
+              <a:schemeClr val="accent1">
+                <a:alpha val="70000"/>
+              </a:schemeClr>
+            </a:solidFill>
+            <a:ln>
+              <a:noFill/>
+            </a:ln>
+            <a:effectLst/>
+          </p:spPr>
+          <p:style>
+            <a:lnRef idx="1">
+              <a:schemeClr val="accent1"/>
+            </a:lnRef>
+            <a:fillRef idx="3">
+              <a:schemeClr val="accent1"/>
+            </a:fillRef>
+            <a:effectRef idx="2">
+              <a:schemeClr val="accent1"/>
+            </a:effectRef>
+            <a:fontRef idx="minor">
+              <a:schemeClr val="lt1"/>
+            </a:fontRef>
+          </p:style>
+        </p:sp>
+        <p:cxnSp>
+          <p:nvCxnSpPr>
+            <p:cNvPr id="47" name="Straight Connector 46">
+              <a:extLst>
+                <a:ext uri="{FF2B5EF4-FFF2-40B4-BE49-F238E27FC236}">
+                  <a16:creationId xmlns:a16="http://schemas.microsoft.com/office/drawing/2014/main" id="{9059F313-A1BB-425E-9626-2BD43CAC6489}"/>
+                </a:ext>
+                <a:ext uri="{C183D7F6-B498-43B3-948B-1728B52AA6E4}">
+                  <adec:decorative xmlns:adec="http://schemas.microsoft.com/office/drawing/2017/decorative" val="1"/>
+                </a:ext>
+              </a:extLst>
+            </p:cNvPr>
+            <p:cNvCxnSpPr/>
+            <p:nvPr>
+              <p:extLst>
+                <p:ext uri="{386F3935-93C4-4BCD-93E2-E3B085C9AB24}">
+                  <p16:designElem xmlns:p16="http://schemas.microsoft.com/office/powerpoint/2015/main" val="1"/>
+                </p:ext>
+              </p:extLst>
+            </p:nvPr>
+          </p:nvCxnSpPr>
+          <p:spPr>
+            <a:xfrm>
+              <a:off x="9371012" y="0"/>
+              <a:ext cx="1219200" cy="6858000"/>
+            </a:xfrm>
+            <a:prstGeom prst="line">
+              <a:avLst/>
+            </a:prstGeom>
+            <a:ln w="9525">
+              <a:solidFill>
+                <a:schemeClr val="accent1">
+                  <a:alpha val="70000"/>
+                </a:schemeClr>
+              </a:solidFill>
+            </a:ln>
+          </p:spPr>
+          <p:style>
+            <a:lnRef idx="2">
+              <a:schemeClr val="accent1"/>
+            </a:lnRef>
+            <a:fillRef idx="0">
+              <a:schemeClr val="accent1"/>
+            </a:fillRef>
+            <a:effectRef idx="1">
+              <a:schemeClr val="accent1"/>
+            </a:effectRef>
+            <a:fontRef idx="minor">
+              <a:schemeClr val="tx1"/>
+            </a:fontRef>
+          </p:style>
+        </p:cxnSp>
+        <p:cxnSp>
+          <p:nvCxnSpPr>
+            <p:cNvPr id="48" name="Straight Connector 47">
+              <a:extLst>
+                <a:ext uri="{FF2B5EF4-FFF2-40B4-BE49-F238E27FC236}">
+                  <a16:creationId xmlns:a16="http://schemas.microsoft.com/office/drawing/2014/main" id="{19ABF76A-A1AE-44BB-9ECB-D55D2FE29BF1}"/>
+                </a:ext>
+                <a:ext uri="{C183D7F6-B498-43B3-948B-1728B52AA6E4}">
+                  <adec:decorative xmlns:adec="http://schemas.microsoft.com/office/drawing/2017/decorative" val="1"/>
+                </a:ext>
+              </a:extLst>
+            </p:cNvPr>
+            <p:cNvCxnSpPr/>
+            <p:nvPr>
+              <p:extLst>
+                <p:ext uri="{386F3935-93C4-4BCD-93E2-E3B085C9AB24}">
+                  <p16:designElem xmlns:p16="http://schemas.microsoft.com/office/powerpoint/2015/main" val="1"/>
+                </p:ext>
+              </p:extLst>
+            </p:nvPr>
+          </p:nvCxnSpPr>
+          <p:spPr>
+            <a:xfrm flipH="1">
+              <a:off x="7425267" y="3681413"/>
+              <a:ext cx="4763558" cy="3176587"/>
+            </a:xfrm>
+            <a:prstGeom prst="line">
+              <a:avLst/>
+            </a:prstGeom>
+            <a:ln w="9525">
+              <a:solidFill>
+                <a:schemeClr val="accent1">
+                  <a:alpha val="70000"/>
+                </a:schemeClr>
+              </a:solidFill>
+            </a:ln>
+          </p:spPr>
+          <p:style>
+            <a:lnRef idx="2">
+              <a:schemeClr val="accent1"/>
+            </a:lnRef>
+            <a:fillRef idx="0">
+              <a:schemeClr val="accent1"/>
+            </a:fillRef>
+            <a:effectRef idx="1">
+              <a:schemeClr val="accent1"/>
+            </a:effectRef>
+            <a:fontRef idx="minor">
+              <a:schemeClr val="tx1"/>
+            </a:fontRef>
+          </p:style>
+        </p:cxnSp>
+        <p:sp>
+          <p:nvSpPr>
+            <p:cNvPr id="49" name="Rectangle 23">
+              <a:extLst>
+                <a:ext uri="{FF2B5EF4-FFF2-40B4-BE49-F238E27FC236}">
+                  <a16:creationId xmlns:a16="http://schemas.microsoft.com/office/drawing/2014/main" id="{5B6D2EC4-82D3-43B8-82D6-028CB4345618}"/>
+                </a:ext>
+                <a:ext uri="{C183D7F6-B498-43B3-948B-1728B52AA6E4}">
+                  <adec:decorative xmlns:adec="http://schemas.microsoft.com/office/drawing/2017/decorative" val="1"/>
+                </a:ext>
+              </a:extLst>
+            </p:cNvPr>
+            <p:cNvSpPr/>
+            <p:nvPr>
+              <p:extLst>
+                <p:ext uri="{386F3935-93C4-4BCD-93E2-E3B085C9AB24}">
+                  <p16:designElem xmlns:p16="http://schemas.microsoft.com/office/powerpoint/2015/main" val="1"/>
+                </p:ext>
+              </p:extLst>
+            </p:nvPr>
+          </p:nvSpPr>
+          <p:spPr>
+            <a:xfrm>
+              <a:off x="9181476" y="-8467"/>
+              <a:ext cx="3007349" cy="6866467"/>
+            </a:xfrm>
+            <a:custGeom>
+              <a:avLst/>
+              <a:gdLst/>
+              <a:ahLst/>
+              <a:cxnLst/>
+              <a:rect l="l" t="t" r="r" b="b"/>
+              <a:pathLst>
+                <a:path w="3007349" h="6866467">
+                  <a:moveTo>
+                    <a:pt x="2045532" y="0"/>
+                  </a:moveTo>
+                  <a:lnTo>
+                    <a:pt x="3007349" y="0"/>
+                  </a:lnTo>
+                  <a:lnTo>
+                    <a:pt x="3007349" y="6866467"/>
+                  </a:lnTo>
+                  <a:lnTo>
+                    <a:pt x="0" y="6866467"/>
+                  </a:lnTo>
+                  <a:lnTo>
+                    <a:pt x="2045532" y="0"/>
+                  </a:lnTo>
+                  <a:close/>
+                </a:path>
+              </a:pathLst>
+            </a:custGeom>
+            <a:solidFill>
+              <a:schemeClr val="accent1">
+                <a:alpha val="36000"/>
+              </a:schemeClr>
+            </a:solidFill>
+            <a:ln>
+              <a:noFill/>
+            </a:ln>
+            <a:effectLst/>
+          </p:spPr>
+          <p:style>
+            <a:lnRef idx="1">
+              <a:schemeClr val="accent1"/>
+            </a:lnRef>
+            <a:fillRef idx="3">
+              <a:schemeClr val="accent1"/>
+            </a:fillRef>
+            <a:effectRef idx="2">
+              <a:schemeClr val="accent1"/>
+            </a:effectRef>
+            <a:fontRef idx="minor">
+              <a:schemeClr val="lt1"/>
+            </a:fontRef>
+          </p:style>
+        </p:sp>
+        <p:sp>
+          <p:nvSpPr>
+            <p:cNvPr id="50" name="Rectangle 25">
+              <a:extLst>
+                <a:ext uri="{FF2B5EF4-FFF2-40B4-BE49-F238E27FC236}">
+                  <a16:creationId xmlns:a16="http://schemas.microsoft.com/office/drawing/2014/main" id="{520034CE-71F9-4E0F-94D8-99335CB85263}"/>
+                </a:ext>
+                <a:ext uri="{C183D7F6-B498-43B3-948B-1728B52AA6E4}">
+                  <adec:decorative xmlns:adec="http://schemas.microsoft.com/office/drawing/2017/decorative" val="1"/>
+                </a:ext>
+              </a:extLst>
+            </p:cNvPr>
+            <p:cNvSpPr/>
+            <p:nvPr>
+              <p:extLst>
+                <p:ext uri="{386F3935-93C4-4BCD-93E2-E3B085C9AB24}">
+                  <p16:designElem xmlns:p16="http://schemas.microsoft.com/office/powerpoint/2015/main" val="1"/>
+                </p:ext>
+              </p:extLst>
+            </p:nvPr>
+          </p:nvSpPr>
+          <p:spPr>
+            <a:xfrm>
+              <a:off x="9603442" y="-8467"/>
+              <a:ext cx="2588558" cy="6866467"/>
+            </a:xfrm>
+            <a:custGeom>
+              <a:avLst/>
+              <a:gdLst/>
+              <a:ahLst/>
+              <a:cxnLst/>
+              <a:rect l="l" t="t" r="r" b="b"/>
+              <a:pathLst>
+                <a:path w="2573311" h="6866467">
+                  <a:moveTo>
+                    <a:pt x="0" y="0"/>
+                  </a:moveTo>
+                  <a:lnTo>
+                    <a:pt x="2573311" y="0"/>
+                  </a:lnTo>
+                  <a:lnTo>
+                    <a:pt x="2573311" y="6866467"/>
+                  </a:lnTo>
+                  <a:lnTo>
+                    <a:pt x="1202336" y="6866467"/>
+                  </a:lnTo>
+                  <a:lnTo>
+                    <a:pt x="0" y="0"/>
+                  </a:lnTo>
+                  <a:close/>
+                </a:path>
+              </a:pathLst>
+            </a:custGeom>
+            <a:solidFill>
+              <a:schemeClr val="accent1">
+                <a:alpha val="20000"/>
+              </a:schemeClr>
+            </a:solidFill>
+            <a:ln>
+              <a:noFill/>
+            </a:ln>
+            <a:effectLst/>
+          </p:spPr>
+          <p:style>
+            <a:lnRef idx="1">
+              <a:schemeClr val="accent1"/>
+            </a:lnRef>
+            <a:fillRef idx="3">
+              <a:schemeClr val="accent1"/>
+            </a:fillRef>
+            <a:effectRef idx="2">
+              <a:schemeClr val="accent1"/>
+            </a:effectRef>
+            <a:fontRef idx="minor">
+              <a:schemeClr val="lt1"/>
+            </a:fontRef>
+          </p:style>
+        </p:sp>
+        <p:sp>
+          <p:nvSpPr>
+            <p:cNvPr id="51" name="Isosceles Triangle 50">
+              <a:extLst>
+                <a:ext uri="{FF2B5EF4-FFF2-40B4-BE49-F238E27FC236}">
+                  <a16:creationId xmlns:a16="http://schemas.microsoft.com/office/drawing/2014/main" id="{1926C6C0-16F7-4CDC-B481-2D19B2F3BF0C}"/>
+                </a:ext>
+                <a:ext uri="{C183D7F6-B498-43B3-948B-1728B52AA6E4}">
+                  <adec:decorative xmlns:adec="http://schemas.microsoft.com/office/drawing/2017/decorative" val="1"/>
+                </a:ext>
+              </a:extLst>
+            </p:cNvPr>
+            <p:cNvSpPr/>
+            <p:nvPr>
+              <p:extLst>
+                <p:ext uri="{386F3935-93C4-4BCD-93E2-E3B085C9AB24}">
+                  <p16:designElem xmlns:p16="http://schemas.microsoft.com/office/powerpoint/2015/main" val="1"/>
+                </p:ext>
+              </p:extLst>
+            </p:nvPr>
+          </p:nvSpPr>
+          <p:spPr>
+            <a:xfrm>
+              <a:off x="8932333" y="3048000"/>
+              <a:ext cx="3259667" cy="3810000"/>
+            </a:xfrm>
+            <a:prstGeom prst="triangle">
+              <a:avLst>
+                <a:gd name="adj" fmla="val 100000"/>
+              </a:avLst>
+            </a:prstGeom>
+            <a:solidFill>
+              <a:schemeClr val="accent1">
+                <a:lumMod val="75000"/>
+                <a:alpha val="66000"/>
+              </a:schemeClr>
+            </a:solidFill>
+            <a:ln>
+              <a:noFill/>
+            </a:ln>
+            <a:effectLst/>
+          </p:spPr>
+          <p:style>
+            <a:lnRef idx="1">
+              <a:schemeClr val="accent1"/>
+            </a:lnRef>
+            <a:fillRef idx="3">
+              <a:schemeClr val="accent1"/>
+            </a:fillRef>
+            <a:effectRef idx="2">
+              <a:schemeClr val="accent1"/>
+            </a:effectRef>
+            <a:fontRef idx="minor">
+              <a:schemeClr val="lt1"/>
+            </a:fontRef>
+          </p:style>
+        </p:sp>
+        <p:sp>
+          <p:nvSpPr>
+            <p:cNvPr id="52" name="Rectangle 27">
+              <a:extLst>
+                <a:ext uri="{FF2B5EF4-FFF2-40B4-BE49-F238E27FC236}">
+                  <a16:creationId xmlns:a16="http://schemas.microsoft.com/office/drawing/2014/main" id="{042CE423-CE6E-4EE9-91F2-3E40EFB40A35}"/>
+                </a:ext>
+                <a:ext uri="{C183D7F6-B498-43B3-948B-1728B52AA6E4}">
+                  <adec:decorative xmlns:adec="http://schemas.microsoft.com/office/drawing/2017/decorative" val="1"/>
+                </a:ext>
+              </a:extLst>
+            </p:cNvPr>
+            <p:cNvSpPr/>
+            <p:nvPr>
+              <p:extLst>
+                <p:ext uri="{386F3935-93C4-4BCD-93E2-E3B085C9AB24}">
+                  <p16:designElem xmlns:p16="http://schemas.microsoft.com/office/powerpoint/2015/main" val="1"/>
+                </p:ext>
+              </p:extLst>
+            </p:nvPr>
+          </p:nvSpPr>
+          <p:spPr>
+            <a:xfrm>
+              <a:off x="9334500" y="-8467"/>
+              <a:ext cx="2854326" cy="6866467"/>
+            </a:xfrm>
+            <a:custGeom>
+              <a:avLst/>
+              <a:gdLst/>
+              <a:ahLst/>
+              <a:cxnLst/>
+              <a:rect l="l" t="t" r="r" b="b"/>
+              <a:pathLst>
+                <a:path w="2858013" h="6866467">
+                  <a:moveTo>
+                    <a:pt x="0" y="0"/>
+                  </a:moveTo>
+                  <a:lnTo>
+                    <a:pt x="2858013" y="0"/>
+                  </a:lnTo>
+                  <a:lnTo>
+                    <a:pt x="2858013" y="6866467"/>
+                  </a:lnTo>
+                  <a:lnTo>
+                    <a:pt x="2473942" y="6866467"/>
+                  </a:lnTo>
+                  <a:lnTo>
+                    <a:pt x="0" y="0"/>
+                  </a:lnTo>
+                  <a:close/>
+                </a:path>
+              </a:pathLst>
+            </a:custGeom>
+            <a:solidFill>
+              <a:schemeClr val="accent1">
+                <a:lumMod val="75000"/>
+                <a:alpha val="50000"/>
+              </a:schemeClr>
+            </a:solidFill>
+            <a:ln>
+              <a:noFill/>
+            </a:ln>
+            <a:effectLst/>
+          </p:spPr>
+          <p:style>
+            <a:lnRef idx="1">
+              <a:schemeClr val="accent1"/>
+            </a:lnRef>
+            <a:fillRef idx="3">
+              <a:schemeClr val="accent1"/>
+            </a:fillRef>
+            <a:effectRef idx="2">
+              <a:schemeClr val="accent1"/>
+            </a:effectRef>
+            <a:fontRef idx="minor">
+              <a:schemeClr val="lt1"/>
+            </a:fontRef>
+          </p:style>
+        </p:sp>
+        <p:sp>
+          <p:nvSpPr>
+            <p:cNvPr id="53" name="Rectangle 28">
+              <a:extLst>
+                <a:ext uri="{FF2B5EF4-FFF2-40B4-BE49-F238E27FC236}">
+                  <a16:creationId xmlns:a16="http://schemas.microsoft.com/office/drawing/2014/main" id="{699BB4BD-31D7-434C-A6DB-E2CF3ACF6053}"/>
+                </a:ext>
+                <a:ext uri="{C183D7F6-B498-43B3-948B-1728B52AA6E4}">
+                  <adec:decorative xmlns:adec="http://schemas.microsoft.com/office/drawing/2017/decorative" val="1"/>
+                </a:ext>
+              </a:extLst>
+            </p:cNvPr>
+            <p:cNvSpPr/>
+            <p:nvPr>
+              <p:extLst>
+                <p:ext uri="{386F3935-93C4-4BCD-93E2-E3B085C9AB24}">
+                  <p16:designElem xmlns:p16="http://schemas.microsoft.com/office/powerpoint/2015/main" val="1"/>
+                </p:ext>
+              </p:extLst>
+            </p:nvPr>
+          </p:nvSpPr>
+          <p:spPr>
+            <a:xfrm>
+              <a:off x="10898730" y="-8467"/>
+              <a:ext cx="1290094" cy="6866467"/>
+            </a:xfrm>
+            <a:custGeom>
+              <a:avLst/>
+              <a:gdLst/>
+              <a:ahLst/>
+              <a:cxnLst/>
+              <a:rect l="l" t="t" r="r" b="b"/>
+              <a:pathLst>
+                <a:path w="1290094" h="6858000">
+                  <a:moveTo>
+                    <a:pt x="1019735" y="0"/>
+                  </a:moveTo>
+                  <a:lnTo>
+                    <a:pt x="1290094" y="0"/>
+                  </a:lnTo>
+                  <a:lnTo>
+                    <a:pt x="1290094" y="6858000"/>
+                  </a:lnTo>
+                  <a:lnTo>
+                    <a:pt x="0" y="6858000"/>
+                  </a:lnTo>
+                  <a:lnTo>
+                    <a:pt x="1019735" y="0"/>
+                  </a:lnTo>
+                  <a:close/>
+                </a:path>
+              </a:pathLst>
+            </a:custGeom>
+            <a:solidFill>
+              <a:schemeClr val="accent2">
+                <a:alpha val="70000"/>
+              </a:schemeClr>
+            </a:solidFill>
+            <a:ln>
+              <a:noFill/>
+            </a:ln>
+            <a:effectLst/>
+          </p:spPr>
+          <p:style>
+            <a:lnRef idx="1">
+              <a:schemeClr val="accent1"/>
+            </a:lnRef>
+            <a:fillRef idx="3">
+              <a:schemeClr val="accent1"/>
+            </a:fillRef>
+            <a:effectRef idx="2">
+              <a:schemeClr val="accent1"/>
+            </a:effectRef>
+            <a:fontRef idx="minor">
+              <a:schemeClr val="lt1"/>
+            </a:fontRef>
+          </p:style>
+        </p:sp>
+        <p:sp>
+          <p:nvSpPr>
+            <p:cNvPr id="54" name="Rectangle 29">
+              <a:extLst>
+                <a:ext uri="{FF2B5EF4-FFF2-40B4-BE49-F238E27FC236}">
+                  <a16:creationId xmlns:a16="http://schemas.microsoft.com/office/drawing/2014/main" id="{23D406B8-656A-4D8B-91D0-BF4202C86FEF}"/>
+                </a:ext>
+                <a:ext uri="{C183D7F6-B498-43B3-948B-1728B52AA6E4}">
+                  <adec:decorative xmlns:adec="http://schemas.microsoft.com/office/drawing/2017/decorative" val="1"/>
+                </a:ext>
+              </a:extLst>
+            </p:cNvPr>
+            <p:cNvSpPr/>
+            <p:nvPr>
+              <p:extLst>
+                <p:ext uri="{386F3935-93C4-4BCD-93E2-E3B085C9AB24}">
+                  <p16:designElem xmlns:p16="http://schemas.microsoft.com/office/powerpoint/2015/main" val="1"/>
+                </p:ext>
+              </p:extLst>
+            </p:nvPr>
+          </p:nvSpPr>
+          <p:spPr>
+            <a:xfrm>
+              <a:off x="10938999" y="-8467"/>
+              <a:ext cx="1249825" cy="6866467"/>
+            </a:xfrm>
+            <a:custGeom>
+              <a:avLst/>
+              <a:gdLst/>
+              <a:ahLst/>
+              <a:cxnLst/>
+              <a:rect l="l" t="t" r="r" b="b"/>
+              <a:pathLst>
+                <a:path w="1249825" h="6858000">
+                  <a:moveTo>
+                    <a:pt x="0" y="0"/>
+                  </a:moveTo>
+                  <a:lnTo>
+                    <a:pt x="1249825" y="0"/>
+                  </a:lnTo>
+                  <a:lnTo>
+                    <a:pt x="1249825" y="6858000"/>
+                  </a:lnTo>
+                  <a:lnTo>
+                    <a:pt x="1109382" y="6858000"/>
+                  </a:lnTo>
+                  <a:lnTo>
+                    <a:pt x="0" y="0"/>
+                  </a:lnTo>
+                  <a:close/>
+                </a:path>
+              </a:pathLst>
+            </a:custGeom>
+            <a:solidFill>
+              <a:schemeClr val="accent2">
+                <a:lumMod val="75000"/>
+                <a:alpha val="80000"/>
+              </a:schemeClr>
+            </a:solidFill>
+            <a:ln>
+              <a:noFill/>
+            </a:ln>
+            <a:effectLst/>
+          </p:spPr>
+          <p:style>
+            <a:lnRef idx="1">
+              <a:schemeClr val="accent1"/>
+            </a:lnRef>
+            <a:fillRef idx="3">
+              <a:schemeClr val="accent1"/>
+            </a:fillRef>
+            <a:effectRef idx="2">
+              <a:schemeClr val="accent1"/>
+            </a:effectRef>
+            <a:fontRef idx="minor">
+              <a:schemeClr val="lt1"/>
+            </a:fontRef>
+          </p:style>
+        </p:sp>
+        <p:sp>
+          <p:nvSpPr>
+            <p:cNvPr id="55" name="Isosceles Triangle 54">
+              <a:extLst>
+                <a:ext uri="{FF2B5EF4-FFF2-40B4-BE49-F238E27FC236}">
+                  <a16:creationId xmlns:a16="http://schemas.microsoft.com/office/drawing/2014/main" id="{83F4BFB6-D6B8-446C-8E17-3D54DCA9FF23}"/>
+                </a:ext>
+                <a:ext uri="{C183D7F6-B498-43B3-948B-1728B52AA6E4}">
+                  <adec:decorative xmlns:adec="http://schemas.microsoft.com/office/drawing/2017/decorative" val="1"/>
+                </a:ext>
+              </a:extLst>
+            </p:cNvPr>
+            <p:cNvSpPr/>
+            <p:nvPr>
+              <p:extLst>
+                <p:ext uri="{386F3935-93C4-4BCD-93E2-E3B085C9AB24}">
+                  <p16:designElem xmlns:p16="http://schemas.microsoft.com/office/powerpoint/2015/main" val="1"/>
+                </p:ext>
+              </p:extLst>
+            </p:nvPr>
+          </p:nvSpPr>
+          <p:spPr>
+            <a:xfrm>
+              <a:off x="10371666" y="3589867"/>
+              <a:ext cx="1817159" cy="3268133"/>
+            </a:xfrm>
+            <a:prstGeom prst="triangle">
+              <a:avLst>
+                <a:gd name="adj" fmla="val 100000"/>
+              </a:avLst>
+            </a:prstGeom>
+            <a:solidFill>
+              <a:schemeClr val="accent1">
+                <a:lumMod val="75000"/>
+                <a:alpha val="66000"/>
+              </a:schemeClr>
+            </a:solidFill>
+            <a:ln>
+              <a:noFill/>
+            </a:ln>
+            <a:effectLst/>
+          </p:spPr>
+          <p:style>
+            <a:lnRef idx="1">
+              <a:schemeClr val="accent1"/>
+            </a:lnRef>
+            <a:fillRef idx="3">
+              <a:schemeClr val="accent1"/>
+            </a:fillRef>
+            <a:effectRef idx="2">
+              <a:schemeClr val="accent1"/>
+            </a:effectRef>
+            <a:fontRef idx="minor">
+              <a:schemeClr val="lt1"/>
+            </a:fontRef>
+          </p:style>
+        </p:sp>
+      </p:grpSp>
+      <p:sp useBgFill="1">
+        <p:nvSpPr>
+          <p:cNvPr id="57" name="Rectangle 56">
+            <a:extLst>
+              <a:ext uri="{FF2B5EF4-FFF2-40B4-BE49-F238E27FC236}">
+                <a16:creationId xmlns:a16="http://schemas.microsoft.com/office/drawing/2014/main" id="{9179DE42-5613-4B35-A1E6-6CCBAA13C743}"/>
+              </a:ext>
+              <a:ext uri="{C183D7F6-B498-43B3-948B-1728B52AA6E4}">
+                <adec:decorative xmlns:adec="http://schemas.microsoft.com/office/drawing/2017/decorative" val="1"/>
+              </a:ext>
+            </a:extLst>
+          </p:cNvPr>
+          <p:cNvSpPr>
+            <a:spLocks noGrp="1" noRot="1" noChangeAspect="1" noMove="1" noResize="1" noEditPoints="1" noAdjustHandles="1" noChangeArrowheads="1" noChangeShapeType="1" noTextEdit="1"/>
+          </p:cNvSpPr>
+          <p:nvPr>
+            <p:extLst>
+              <p:ext uri="{386F3935-93C4-4BCD-93E2-E3B085C9AB24}">
+                <p16:designElem xmlns:p16="http://schemas.microsoft.com/office/powerpoint/2015/main" val="1"/>
+              </p:ext>
+            </p:extLst>
+          </p:nvPr>
+        </p:nvSpPr>
+        <p:spPr>
+          <a:xfrm>
+            <a:off x="0" y="0"/>
+            <a:ext cx="12192000" cy="6858000"/>
+          </a:xfrm>
+          <a:prstGeom prst="rect">
+            <a:avLst/>
+          </a:prstGeom>
+          <a:ln>
+            <a:noFill/>
+          </a:ln>
+        </p:spPr>
+        <p:style>
+          <a:lnRef idx="2">
+            <a:schemeClr val="accent1">
+              <a:shade val="50000"/>
+            </a:schemeClr>
+          </a:lnRef>
+          <a:fillRef idx="1">
+            <a:schemeClr val="accent1"/>
+          </a:fillRef>
+          <a:effectRef idx="0">
+            <a:schemeClr val="accent1"/>
+          </a:effectRef>
+          <a:fontRef idx="minor">
+            <a:schemeClr val="lt1"/>
+          </a:fontRef>
+        </p:style>
+        <p:txBody>
+          <a:bodyPr rtlCol="0" anchor="ctr"/>
+          <a:lstStyle/>
+          <a:p>
+            <a:pPr algn="ctr"/>
+            <a:endParaRPr lang="en-US"/>
+          </a:p>
+        </p:txBody>
+      </p:sp>
+      <p:cxnSp>
+        <p:nvCxnSpPr>
+          <p:cNvPr id="59" name="Straight Connector 58">
+            <a:extLst>
+              <a:ext uri="{FF2B5EF4-FFF2-40B4-BE49-F238E27FC236}">
+                <a16:creationId xmlns:a16="http://schemas.microsoft.com/office/drawing/2014/main" id="{EB898B32-3891-4C3A-8F58-C5969D2E9033}"/>
+              </a:ext>
+              <a:ext uri="{C183D7F6-B498-43B3-948B-1728B52AA6E4}">
+                <adec:decorative xmlns:adec="http://schemas.microsoft.com/office/drawing/2017/decorative" val="1"/>
+              </a:ext>
+            </a:extLst>
+          </p:cNvPr>
+          <p:cNvCxnSpPr>
+            <a:cxnSpLocks noGrp="1" noRot="1" noChangeAspect="1" noMove="1" noResize="1" noEditPoints="1" noAdjustHandles="1" noChangeArrowheads="1" noChangeShapeType="1"/>
+          </p:cNvCxnSpPr>
+          <p:nvPr>
+            <p:extLst>
+              <p:ext uri="{386F3935-93C4-4BCD-93E2-E3B085C9AB24}">
+                <p16:designElem xmlns:p16="http://schemas.microsoft.com/office/powerpoint/2015/main" val="1"/>
+              </p:ext>
+            </p:extLst>
+          </p:nvPr>
+        </p:nvCxnSpPr>
+        <p:spPr>
+          <a:xfrm>
+            <a:off x="1448300" y="0"/>
+            <a:ext cx="1219200" cy="6858000"/>
+          </a:xfrm>
+          <a:prstGeom prst="line">
+            <a:avLst/>
+          </a:prstGeom>
+          <a:ln w="9525">
+            <a:solidFill>
+              <a:schemeClr val="accent1">
+                <a:lumMod val="75000"/>
+              </a:schemeClr>
+            </a:solidFill>
+          </a:ln>
+        </p:spPr>
+        <p:style>
+          <a:lnRef idx="2">
+            <a:schemeClr val="accent1"/>
+          </a:lnRef>
+          <a:fillRef idx="0">
+            <a:schemeClr val="accent1"/>
+          </a:fillRef>
+          <a:effectRef idx="1">
+            <a:schemeClr val="accent1"/>
+          </a:effectRef>
+          <a:fontRef idx="minor">
+            <a:schemeClr val="tx1"/>
+          </a:fontRef>
+        </p:style>
+      </p:cxnSp>
+      <p:cxnSp>
+        <p:nvCxnSpPr>
+          <p:cNvPr id="61" name="Straight Connector 60">
+            <a:extLst>
+              <a:ext uri="{FF2B5EF4-FFF2-40B4-BE49-F238E27FC236}">
+                <a16:creationId xmlns:a16="http://schemas.microsoft.com/office/drawing/2014/main" id="{4AE4806D-B8F9-4679-A68A-9BD21C01A301}"/>
+              </a:ext>
+              <a:ext uri="{C183D7F6-B498-43B3-948B-1728B52AA6E4}">
+                <adec:decorative xmlns:adec="http://schemas.microsoft.com/office/drawing/2017/decorative" val="1"/>
+              </a:ext>
+            </a:extLst>
+          </p:cNvPr>
+          <p:cNvCxnSpPr>
+            <a:cxnSpLocks noGrp="1" noRot="1" noChangeAspect="1" noMove="1" noResize="1" noEditPoints="1" noAdjustHandles="1" noChangeArrowheads="1" noChangeShapeType="1"/>
+          </p:cNvCxnSpPr>
+          <p:nvPr>
+            <p:extLst>
+              <p:ext uri="{386F3935-93C4-4BCD-93E2-E3B085C9AB24}">
+                <p16:designElem xmlns:p16="http://schemas.microsoft.com/office/powerpoint/2015/main" val="1"/>
+              </p:ext>
+            </p:extLst>
+          </p:nvPr>
+        </p:nvCxnSpPr>
+        <p:spPr>
+          <a:xfrm flipH="1">
+            <a:off x="67175" y="3681413"/>
+            <a:ext cx="4763558" cy="3176587"/>
+          </a:xfrm>
+          <a:prstGeom prst="line">
+            <a:avLst/>
+          </a:prstGeom>
+          <a:ln w="9525">
+            <a:solidFill>
+              <a:schemeClr val="tx1">
+                <a:lumMod val="50000"/>
+                <a:lumOff val="50000"/>
+                <a:alpha val="80000"/>
+              </a:schemeClr>
+            </a:solidFill>
+          </a:ln>
+        </p:spPr>
+        <p:style>
+          <a:lnRef idx="2">
+            <a:schemeClr val="accent1"/>
+          </a:lnRef>
+          <a:fillRef idx="0">
+            <a:schemeClr val="accent1"/>
+          </a:fillRef>
+          <a:effectRef idx="1">
+            <a:schemeClr val="accent1"/>
+          </a:effectRef>
+          <a:fontRef idx="minor">
+            <a:schemeClr val="tx1"/>
+          </a:fontRef>
+        </p:style>
+      </p:cxnSp>
+      <p:sp>
+        <p:nvSpPr>
+          <p:cNvPr id="63" name="Rectangle 23">
+            <a:extLst>
+              <a:ext uri="{FF2B5EF4-FFF2-40B4-BE49-F238E27FC236}">
+                <a16:creationId xmlns:a16="http://schemas.microsoft.com/office/drawing/2014/main" id="{52FB45E9-914E-4471-AC87-E475CD51767D}"/>
+              </a:ext>
+              <a:ext uri="{C183D7F6-B498-43B3-948B-1728B52AA6E4}">
+                <adec:decorative xmlns:adec="http://schemas.microsoft.com/office/drawing/2017/decorative" val="1"/>
+              </a:ext>
+            </a:extLst>
+          </p:cNvPr>
+          <p:cNvSpPr>
+            <a:spLocks noGrp="1" noRot="1" noChangeAspect="1" noMove="1" noResize="1" noEditPoints="1" noAdjustHandles="1" noChangeArrowheads="1" noChangeShapeType="1" noTextEdit="1"/>
+          </p:cNvSpPr>
+          <p:nvPr>
+            <p:extLst>
+              <p:ext uri="{386F3935-93C4-4BCD-93E2-E3B085C9AB24}">
+                <p16:designElem xmlns:p16="http://schemas.microsoft.com/office/powerpoint/2015/main" val="1"/>
+              </p:ext>
+            </p:extLst>
+          </p:nvPr>
+        </p:nvSpPr>
+        <p:spPr>
+          <a:xfrm>
+            <a:off x="1258764" y="-8467"/>
+            <a:ext cx="3007349" cy="6866467"/>
+          </a:xfrm>
+          <a:custGeom>
+            <a:avLst/>
+            <a:gdLst/>
+            <a:ahLst/>
+            <a:cxnLst/>
+            <a:rect l="l" t="t" r="r" b="b"/>
+            <a:pathLst>
+              <a:path w="3007349" h="6866467">
+                <a:moveTo>
+                  <a:pt x="2045532" y="0"/>
+                </a:moveTo>
+                <a:lnTo>
+                  <a:pt x="3007349" y="0"/>
+                </a:lnTo>
+                <a:lnTo>
+                  <a:pt x="3007349" y="6866467"/>
+                </a:lnTo>
+                <a:lnTo>
+                  <a:pt x="0" y="6866467"/>
+                </a:lnTo>
+                <a:lnTo>
+                  <a:pt x="2045532" y="0"/>
+                </a:lnTo>
+                <a:close/>
+              </a:path>
+            </a:pathLst>
+          </a:custGeom>
+          <a:solidFill>
+            <a:schemeClr val="accent1">
+              <a:alpha val="30000"/>
+            </a:schemeClr>
+          </a:solidFill>
+          <a:ln>
+            <a:noFill/>
+          </a:ln>
+          <a:effectLst/>
+        </p:spPr>
+        <p:style>
+          <a:lnRef idx="1">
+            <a:schemeClr val="accent1"/>
+          </a:lnRef>
+          <a:fillRef idx="3">
+            <a:schemeClr val="accent1"/>
+          </a:fillRef>
+          <a:effectRef idx="2">
+            <a:schemeClr val="accent1"/>
+          </a:effectRef>
+          <a:fontRef idx="minor">
+            <a:schemeClr val="lt1"/>
+          </a:fontRef>
+        </p:style>
+      </p:sp>
+      <p:sp>
+        <p:nvSpPr>
+          <p:cNvPr id="65" name="Rectangle 25">
+            <a:extLst>
+              <a:ext uri="{FF2B5EF4-FFF2-40B4-BE49-F238E27FC236}">
+                <a16:creationId xmlns:a16="http://schemas.microsoft.com/office/drawing/2014/main" id="{C310626D-5743-49D4-8F7D-88C4F8F05774}"/>
+              </a:ext>
+              <a:ext uri="{C183D7F6-B498-43B3-948B-1728B52AA6E4}">
+                <adec:decorative xmlns:adec="http://schemas.microsoft.com/office/drawing/2017/decorative" val="1"/>
+              </a:ext>
+            </a:extLst>
+          </p:cNvPr>
+          <p:cNvSpPr>
+            <a:spLocks noGrp="1" noRot="1" noChangeAspect="1" noMove="1" noResize="1" noEditPoints="1" noAdjustHandles="1" noChangeArrowheads="1" noChangeShapeType="1" noTextEdit="1"/>
+          </p:cNvSpPr>
+          <p:nvPr>
+            <p:extLst>
+              <p:ext uri="{386F3935-93C4-4BCD-93E2-E3B085C9AB24}">
+                <p16:designElem xmlns:p16="http://schemas.microsoft.com/office/powerpoint/2015/main" val="1"/>
+              </p:ext>
+            </p:extLst>
+          </p:nvPr>
+        </p:nvSpPr>
+        <p:spPr>
+          <a:xfrm>
+            <a:off x="1680730" y="-8467"/>
+            <a:ext cx="2588558" cy="6866467"/>
+          </a:xfrm>
+          <a:custGeom>
+            <a:avLst/>
+            <a:gdLst/>
+            <a:ahLst/>
+            <a:cxnLst/>
+            <a:rect l="l" t="t" r="r" b="b"/>
+            <a:pathLst>
+              <a:path w="2573311" h="6866467">
+                <a:moveTo>
+                  <a:pt x="0" y="0"/>
+                </a:moveTo>
+                <a:lnTo>
+                  <a:pt x="2573311" y="0"/>
+                </a:lnTo>
+                <a:lnTo>
+                  <a:pt x="2573311" y="6866467"/>
+                </a:lnTo>
+                <a:lnTo>
+                  <a:pt x="1202336" y="6866467"/>
+                </a:lnTo>
+                <a:lnTo>
+                  <a:pt x="0" y="0"/>
+                </a:lnTo>
+                <a:close/>
+              </a:path>
+            </a:pathLst>
+          </a:custGeom>
+          <a:solidFill>
+            <a:schemeClr val="accent1">
+              <a:alpha val="20000"/>
+            </a:schemeClr>
+          </a:solidFill>
+          <a:ln>
+            <a:noFill/>
+          </a:ln>
+          <a:effectLst/>
+        </p:spPr>
+        <p:style>
+          <a:lnRef idx="1">
+            <a:schemeClr val="accent1"/>
+          </a:lnRef>
+          <a:fillRef idx="3">
+            <a:schemeClr val="accent1"/>
+          </a:fillRef>
+          <a:effectRef idx="2">
+            <a:schemeClr val="accent1"/>
+          </a:effectRef>
+          <a:fontRef idx="minor">
+            <a:schemeClr val="lt1"/>
+          </a:fontRef>
+        </p:style>
+      </p:sp>
+      <p:sp>
+        <p:nvSpPr>
+          <p:cNvPr id="67" name="Isosceles Triangle 66">
+            <a:extLst>
+              <a:ext uri="{FF2B5EF4-FFF2-40B4-BE49-F238E27FC236}">
+                <a16:creationId xmlns:a16="http://schemas.microsoft.com/office/drawing/2014/main" id="{3C195FC1-B568-4C72-9902-34CB35DDD7A1}"/>
+              </a:ext>
+              <a:ext uri="{C183D7F6-B498-43B3-948B-1728B52AA6E4}">
+                <adec:decorative xmlns:adec="http://schemas.microsoft.com/office/drawing/2017/decorative" val="1"/>
+              </a:ext>
+            </a:extLst>
+          </p:cNvPr>
+          <p:cNvSpPr>
+            <a:spLocks noGrp="1" noRot="1" noChangeAspect="1" noMove="1" noResize="1" noEditPoints="1" noAdjustHandles="1" noChangeArrowheads="1" noChangeShapeType="1" noTextEdit="1"/>
+          </p:cNvSpPr>
+          <p:nvPr>
+            <p:extLst>
+              <p:ext uri="{386F3935-93C4-4BCD-93E2-E3B085C9AB24}">
+                <p16:designElem xmlns:p16="http://schemas.microsoft.com/office/powerpoint/2015/main" val="1"/>
+              </p:ext>
+            </p:extLst>
+          </p:nvPr>
+        </p:nvSpPr>
+        <p:spPr>
+          <a:xfrm>
+            <a:off x="1009621" y="3048000"/>
+            <a:ext cx="3259667" cy="3810000"/>
+          </a:xfrm>
+          <a:prstGeom prst="triangle">
+            <a:avLst>
+              <a:gd name="adj" fmla="val 100000"/>
+            </a:avLst>
+          </a:prstGeom>
+          <a:solidFill>
+            <a:schemeClr val="accent2">
+              <a:alpha val="72000"/>
+            </a:schemeClr>
+          </a:solidFill>
+          <a:ln>
+            <a:noFill/>
+          </a:ln>
+          <a:effectLst/>
+        </p:spPr>
+        <p:style>
+          <a:lnRef idx="1">
+            <a:schemeClr val="accent1"/>
+          </a:lnRef>
+          <a:fillRef idx="3">
+            <a:schemeClr val="accent1"/>
+          </a:fillRef>
+          <a:effectRef idx="2">
+            <a:schemeClr val="accent1"/>
+          </a:effectRef>
+          <a:fontRef idx="minor">
+            <a:schemeClr val="lt1"/>
+          </a:fontRef>
+        </p:style>
+      </p:sp>
+      <p:sp>
+        <p:nvSpPr>
+          <p:cNvPr id="69" name="Rectangle 27">
+            <a:extLst>
+              <a:ext uri="{FF2B5EF4-FFF2-40B4-BE49-F238E27FC236}">
+                <a16:creationId xmlns:a16="http://schemas.microsoft.com/office/drawing/2014/main" id="{EF2BDF77-362C-43F0-8CBB-A969EC2AE0C4}"/>
+              </a:ext>
+              <a:ext uri="{C183D7F6-B498-43B3-948B-1728B52AA6E4}">
+                <adec:decorative xmlns:adec="http://schemas.microsoft.com/office/drawing/2017/decorative" val="1"/>
+              </a:ext>
+            </a:extLst>
+          </p:cNvPr>
+          <p:cNvSpPr>
+            <a:spLocks noGrp="1" noRot="1" noChangeAspect="1" noMove="1" noResize="1" noEditPoints="1" noAdjustHandles="1" noChangeArrowheads="1" noChangeShapeType="1" noTextEdit="1"/>
+          </p:cNvSpPr>
+          <p:nvPr>
+            <p:extLst>
+              <p:ext uri="{386F3935-93C4-4BCD-93E2-E3B085C9AB24}">
+                <p16:designElem xmlns:p16="http://schemas.microsoft.com/office/powerpoint/2015/main" val="1"/>
+              </p:ext>
+            </p:extLst>
+          </p:nvPr>
+        </p:nvSpPr>
+        <p:spPr>
+          <a:xfrm>
+            <a:off x="1411788" y="-8467"/>
+            <a:ext cx="2854326" cy="6866467"/>
+          </a:xfrm>
+          <a:custGeom>
+            <a:avLst/>
+            <a:gdLst/>
+            <a:ahLst/>
+            <a:cxnLst/>
+            <a:rect l="l" t="t" r="r" b="b"/>
+            <a:pathLst>
+              <a:path w="2858013" h="6866467">
+                <a:moveTo>
+                  <a:pt x="0" y="0"/>
+                </a:moveTo>
+                <a:lnTo>
+                  <a:pt x="2858013" y="0"/>
+                </a:lnTo>
+                <a:lnTo>
+                  <a:pt x="2858013" y="6866467"/>
+                </a:lnTo>
+                <a:lnTo>
+                  <a:pt x="2473942" y="6866467"/>
+                </a:lnTo>
+                <a:lnTo>
+                  <a:pt x="0" y="0"/>
+                </a:lnTo>
+                <a:close/>
+              </a:path>
+            </a:pathLst>
+          </a:custGeom>
+          <a:solidFill>
+            <a:schemeClr val="accent2">
+              <a:lumMod val="75000"/>
+              <a:alpha val="70000"/>
+            </a:schemeClr>
+          </a:solidFill>
+          <a:ln>
+            <a:noFill/>
+          </a:ln>
+          <a:effectLst/>
+        </p:spPr>
+        <p:style>
+          <a:lnRef idx="1">
+            <a:schemeClr val="accent1"/>
+          </a:lnRef>
+          <a:fillRef idx="3">
+            <a:schemeClr val="accent1"/>
+          </a:fillRef>
+          <a:effectRef idx="2">
+            <a:schemeClr val="accent1"/>
+          </a:effectRef>
+          <a:fontRef idx="minor">
+            <a:schemeClr val="lt1"/>
+          </a:fontRef>
+        </p:style>
+      </p:sp>
+      <p:sp>
+        <p:nvSpPr>
+          <p:cNvPr id="71" name="Isosceles Triangle 70">
+            <a:extLst>
+              <a:ext uri="{FF2B5EF4-FFF2-40B4-BE49-F238E27FC236}">
+                <a16:creationId xmlns:a16="http://schemas.microsoft.com/office/drawing/2014/main" id="{4BE96B01-3929-432D-B8C2-ADBCB74C2EF4}"/>
+              </a:ext>
+              <a:ext uri="{C183D7F6-B498-43B3-948B-1728B52AA6E4}">
+                <adec:decorative xmlns:adec="http://schemas.microsoft.com/office/drawing/2017/decorative" val="1"/>
+              </a:ext>
+            </a:extLst>
+          </p:cNvPr>
+          <p:cNvSpPr>
+            <a:spLocks noGrp="1" noRot="1" noChangeAspect="1" noMove="1" noResize="1" noEditPoints="1" noAdjustHandles="1" noChangeArrowheads="1" noChangeShapeType="1" noTextEdit="1"/>
+          </p:cNvSpPr>
+          <p:nvPr>
+            <p:extLst>
+              <p:ext uri="{386F3935-93C4-4BCD-93E2-E3B085C9AB24}">
+                <p16:designElem xmlns:p16="http://schemas.microsoft.com/office/powerpoint/2015/main" val="1"/>
+              </p:ext>
+            </p:extLst>
+          </p:nvPr>
+        </p:nvSpPr>
+        <p:spPr>
+          <a:xfrm>
+            <a:off x="2448954" y="3589867"/>
+            <a:ext cx="1817159" cy="3268133"/>
+          </a:xfrm>
+          <a:prstGeom prst="triangle">
+            <a:avLst>
+              <a:gd name="adj" fmla="val 100000"/>
+            </a:avLst>
+          </a:prstGeom>
+          <a:solidFill>
+            <a:schemeClr val="accent1">
+              <a:alpha val="80000"/>
+            </a:schemeClr>
+          </a:solidFill>
+          <a:ln>
+            <a:noFill/>
+          </a:ln>
+          <a:effectLst/>
+        </p:spPr>
+        <p:style>
+          <a:lnRef idx="1">
+            <a:schemeClr val="accent1"/>
+          </a:lnRef>
+          <a:fillRef idx="3">
+            <a:schemeClr val="accent1"/>
+          </a:fillRef>
+          <a:effectRef idx="2">
+            <a:schemeClr val="accent1"/>
+          </a:effectRef>
+          <a:fontRef idx="minor">
+            <a:schemeClr val="lt1"/>
+          </a:fontRef>
+        </p:style>
+      </p:sp>
+      <p:sp>
+        <p:nvSpPr>
+          <p:cNvPr id="73" name="Freeform: Shape 72">
+            <a:extLst>
+              <a:ext uri="{FF2B5EF4-FFF2-40B4-BE49-F238E27FC236}">
+                <a16:creationId xmlns:a16="http://schemas.microsoft.com/office/drawing/2014/main" id="{2A6FCDE6-CDE2-4C51-B18E-A95CFB679714}"/>
+              </a:ext>
+              <a:ext uri="{C183D7F6-B498-43B3-948B-1728B52AA6E4}">
+                <adec:decorative xmlns:adec="http://schemas.microsoft.com/office/drawing/2017/decorative" val="1"/>
+              </a:ext>
+            </a:extLst>
+          </p:cNvPr>
+          <p:cNvSpPr>
+            <a:spLocks noGrp="1" noRot="1" noChangeAspect="1" noMove="1" noResize="1" noEditPoints="1" noAdjustHandles="1" noChangeArrowheads="1" noChangeShapeType="1" noTextEdit="1"/>
+          </p:cNvSpPr>
+          <p:nvPr>
+            <p:extLst>
+              <p:ext uri="{386F3935-93C4-4BCD-93E2-E3B085C9AB24}">
+                <p16:designElem xmlns:p16="http://schemas.microsoft.com/office/powerpoint/2015/main" val="1"/>
+              </p:ext>
+            </p:extLst>
+          </p:nvPr>
+        </p:nvSpPr>
+        <p:spPr>
+          <a:xfrm>
+            <a:off x="3016287" y="-8467"/>
+            <a:ext cx="9175713" cy="6866467"/>
+          </a:xfrm>
+          <a:custGeom>
+            <a:avLst/>
+            <a:gdLst>
+              <a:gd name="connsiteX0" fmla="*/ 0 w 9175713"/>
+              <a:gd name="connsiteY0" fmla="*/ 0 h 6866467"/>
+              <a:gd name="connsiteX1" fmla="*/ 1249825 w 9175713"/>
+              <a:gd name="connsiteY1" fmla="*/ 0 h 6866467"/>
+              <a:gd name="connsiteX2" fmla="*/ 1249825 w 9175713"/>
+              <a:gd name="connsiteY2" fmla="*/ 8467 h 6866467"/>
+              <a:gd name="connsiteX3" fmla="*/ 9175713 w 9175713"/>
+              <a:gd name="connsiteY3" fmla="*/ 8467 h 6866467"/>
+              <a:gd name="connsiteX4" fmla="*/ 9175713 w 9175713"/>
+              <a:gd name="connsiteY4" fmla="*/ 6866467 h 6866467"/>
+              <a:gd name="connsiteX5" fmla="*/ 1249825 w 9175713"/>
+              <a:gd name="connsiteY5" fmla="*/ 6866467 h 6866467"/>
+              <a:gd name="connsiteX6" fmla="*/ 1109382 w 9175713"/>
+              <a:gd name="connsiteY6" fmla="*/ 6866467 h 6866467"/>
+            </a:gdLst>
+            <a:ahLst/>
+            <a:cxnLst>
+              <a:cxn ang="0">
+                <a:pos x="connsiteX0" y="connsiteY0"/>
+              </a:cxn>
+              <a:cxn ang="0">
+                <a:pos x="connsiteX1" y="connsiteY1"/>
+              </a:cxn>
+              <a:cxn ang="0">
+                <a:pos x="connsiteX2" y="connsiteY2"/>
+              </a:cxn>
+              <a:cxn ang="0">
+                <a:pos x="connsiteX3" y="connsiteY3"/>
+              </a:cxn>
+              <a:cxn ang="0">
+                <a:pos x="connsiteX4" y="connsiteY4"/>
+              </a:cxn>
+              <a:cxn ang="0">
+                <a:pos x="connsiteX5" y="connsiteY5"/>
+              </a:cxn>
+              <a:cxn ang="0">
+                <a:pos x="connsiteX6" y="connsiteY6"/>
+              </a:cxn>
+            </a:cxnLst>
+            <a:rect l="l" t="t" r="r" b="b"/>
+            <a:pathLst>
+              <a:path w="9175713" h="6866467">
+                <a:moveTo>
+                  <a:pt x="0" y="0"/>
+                </a:moveTo>
+                <a:lnTo>
+                  <a:pt x="1249825" y="0"/>
+                </a:lnTo>
+                <a:lnTo>
+                  <a:pt x="1249825" y="8467"/>
+                </a:lnTo>
+                <a:lnTo>
+                  <a:pt x="9175713" y="8467"/>
+                </a:lnTo>
+                <a:lnTo>
+                  <a:pt x="9175713" y="6866467"/>
+                </a:lnTo>
+                <a:lnTo>
+                  <a:pt x="1249825" y="6866467"/>
+                </a:lnTo>
+                <a:lnTo>
+                  <a:pt x="1109382" y="6866467"/>
+                </a:lnTo>
+                <a:close/>
+              </a:path>
+            </a:pathLst>
+          </a:custGeom>
+          <a:solidFill>
+            <a:schemeClr val="accent1">
+              <a:lumMod val="75000"/>
+            </a:schemeClr>
+          </a:solidFill>
+          <a:ln>
+            <a:noFill/>
+          </a:ln>
+        </p:spPr>
+        <p:style>
+          <a:lnRef idx="2">
+            <a:schemeClr val="accent1">
+              <a:shade val="50000"/>
+            </a:schemeClr>
+          </a:lnRef>
+          <a:fillRef idx="1">
+            <a:schemeClr val="accent1"/>
+          </a:fillRef>
+          <a:effectRef idx="0">
+            <a:schemeClr val="accent1"/>
+          </a:effectRef>
+          <a:fontRef idx="minor">
+            <a:schemeClr val="lt1"/>
+          </a:fontRef>
+        </p:style>
+        <p:txBody>
+          <a:bodyPr rtlCol="0" anchor="ctr"/>
+          <a:lstStyle/>
+          <a:p>
+            <a:pPr algn="ctr"/>
+            <a:endParaRPr lang="en-US"/>
+          </a:p>
+        </p:txBody>
+      </p:sp>
+      <p:sp>
+        <p:nvSpPr>
+          <p:cNvPr id="4" name="标题 3">
+            <a:extLst>
+              <a:ext uri="{FF2B5EF4-FFF2-40B4-BE49-F238E27FC236}">
+                <a16:creationId xmlns:a16="http://schemas.microsoft.com/office/drawing/2014/main" id="{67DB9153-4D58-46EE-A58B-6B0AD08136D0}"/>
+              </a:ext>
+            </a:extLst>
+          </p:cNvPr>
+          <p:cNvSpPr>
+            <a:spLocks noGrp="1"/>
+          </p:cNvSpPr>
+          <p:nvPr>
+            <p:ph type="title"/>
+          </p:nvPr>
+        </p:nvSpPr>
+        <p:spPr>
+          <a:xfrm>
             <a:off x="4266112" y="1894098"/>
             <a:ext cx="6960759" cy="2849671"/>
           </a:xfrm>
@@ -30093,7 +35149,7 @@
 </p:sld>
 </file>
 
-<file path=ppt/slides/slide31.xml><?xml version="1.0" encoding="utf-8"?>
+<file path=ppt/slides/slide33.xml><?xml version="1.0" encoding="utf-8"?>
 <p:sld xmlns:a="http://schemas.openxmlformats.org/drawingml/2006/main" xmlns:r="http://schemas.openxmlformats.org/officeDocument/2006/relationships" xmlns:p="http://schemas.openxmlformats.org/presentationml/2006/main">
   <p:cSld>
     <p:spTree>
@@ -30243,7 +35299,7 @@
 </p:sld>
 </file>
 
-<file path=ppt/slides/slide32.xml><?xml version="1.0" encoding="utf-8"?>
+<file path=ppt/slides/slide34.xml><?xml version="1.0" encoding="utf-8"?>
 <p:sld xmlns:a="http://schemas.openxmlformats.org/drawingml/2006/main" xmlns:r="http://schemas.openxmlformats.org/officeDocument/2006/relationships" xmlns:p="http://schemas.openxmlformats.org/presentationml/2006/main">
   <p:cSld>
     <p:bg>
@@ -31789,7 +36845,7 @@
 </p:sld>
 </file>
 
-<file path=ppt/slides/slide33.xml><?xml version="1.0" encoding="utf-8"?>
+<file path=ppt/slides/slide35.xml><?xml version="1.0" encoding="utf-8"?>
 <p:sld xmlns:a="http://schemas.openxmlformats.org/drawingml/2006/main" xmlns:r="http://schemas.openxmlformats.org/officeDocument/2006/relationships" xmlns:p="http://schemas.openxmlformats.org/presentationml/2006/main">
   <p:cSld>
     <p:spTree>
@@ -32031,7 +37087,7 @@
 </p:sld>
 </file>
 
-<file path=ppt/slides/slide34.xml><?xml version="1.0" encoding="utf-8"?>
+<file path=ppt/slides/slide36.xml><?xml version="1.0" encoding="utf-8"?>
 <p:sld xmlns:a="http://schemas.openxmlformats.org/drawingml/2006/main" xmlns:r="http://schemas.openxmlformats.org/officeDocument/2006/relationships" xmlns:p="http://schemas.openxmlformats.org/presentationml/2006/main">
   <p:cSld>
     <p:spTree>
@@ -32251,7 +37307,7 @@
 </p:sld>
 </file>
 
-<file path=ppt/slides/slide35.xml><?xml version="1.0" encoding="utf-8"?>
+<file path=ppt/slides/slide37.xml><?xml version="1.0" encoding="utf-8"?>
 <p:sld xmlns:a="http://schemas.openxmlformats.org/drawingml/2006/main" xmlns:r="http://schemas.openxmlformats.org/officeDocument/2006/relationships" xmlns:p="http://schemas.openxmlformats.org/presentationml/2006/main">
   <p:cSld>
     <p:bg>
@@ -33775,7 +38831,7 @@
 </p:sld>
 </file>
 
-<file path=ppt/slides/slide36.xml><?xml version="1.0" encoding="utf-8"?>
+<file path=ppt/slides/slide38.xml><?xml version="1.0" encoding="utf-8"?>
 <p:sld xmlns:a="http://schemas.openxmlformats.org/drawingml/2006/main" xmlns:r="http://schemas.openxmlformats.org/officeDocument/2006/relationships" xmlns:p="http://schemas.openxmlformats.org/presentationml/2006/main">
   <p:cSld>
     <p:spTree>
@@ -34047,7 +39103,7 @@
 </p:sld>
 </file>
 
-<file path=ppt/slides/slide37.xml><?xml version="1.0" encoding="utf-8"?>
+<file path=ppt/slides/slide39.xml><?xml version="1.0" encoding="utf-8"?>
 <p:sld xmlns:a="http://schemas.openxmlformats.org/drawingml/2006/main" xmlns:r="http://schemas.openxmlformats.org/officeDocument/2006/relationships" xmlns:p="http://schemas.openxmlformats.org/presentationml/2006/main">
   <p:cSld>
     <p:bg>
@@ -35571,7 +40627,164 @@
 </p:sld>
 </file>
 
-<file path=ppt/slides/slide38.xml><?xml version="1.0" encoding="utf-8"?>
+<file path=ppt/slides/slide4.xml><?xml version="1.0" encoding="utf-8"?>
+<p:sld xmlns:a="http://schemas.openxmlformats.org/drawingml/2006/main" xmlns:r="http://schemas.openxmlformats.org/officeDocument/2006/relationships" xmlns:p="http://schemas.openxmlformats.org/presentationml/2006/main">
+  <p:cSld>
+    <p:spTree>
+      <p:nvGrpSpPr>
+        <p:cNvPr id="1" name=""/>
+        <p:cNvGrpSpPr/>
+        <p:nvPr/>
+      </p:nvGrpSpPr>
+      <p:grpSpPr>
+        <a:xfrm>
+          <a:off x="0" y="0"/>
+          <a:ext cx="0" cy="0"/>
+          <a:chOff x="0" y="0"/>
+          <a:chExt cx="0" cy="0"/>
+        </a:xfrm>
+      </p:grpSpPr>
+      <p:sp>
+        <p:nvSpPr>
+          <p:cNvPr id="4" name="矩形 3">
+            <a:extLst>
+              <a:ext uri="{FF2B5EF4-FFF2-40B4-BE49-F238E27FC236}">
+                <a16:creationId xmlns:a16="http://schemas.microsoft.com/office/drawing/2014/main" id="{83ED1D1B-4032-4A47-8712-142FFA78BCF1}"/>
+              </a:ext>
+            </a:extLst>
+          </p:cNvPr>
+          <p:cNvSpPr/>
+          <p:nvPr/>
+        </p:nvSpPr>
+        <p:spPr>
+          <a:xfrm>
+            <a:off x="438149" y="788463"/>
+            <a:ext cx="9286875" cy="4846840"/>
+          </a:xfrm>
+          <a:prstGeom prst="rect">
+            <a:avLst/>
+          </a:prstGeom>
+        </p:spPr>
+        <p:txBody>
+          <a:bodyPr wrap="square">
+            <a:spAutoFit/>
+          </a:bodyPr>
+          <a:lstStyle/>
+          <a:p>
+            <a:pPr algn="just">
+              <a:lnSpc>
+                <a:spcPct val="172000"/>
+              </a:lnSpc>
+              <a:spcBef>
+                <a:spcPts val="1300"/>
+              </a:spcBef>
+              <a:spcAft>
+                <a:spcPts val="1300"/>
+              </a:spcAft>
+            </a:pPr>
+            <a:r>
+              <a:rPr lang="zh-CN" altLang="zh-CN" sz="3600" b="1" kern="100" dirty="0">
+                <a:latin typeface="Arial" panose="020B0604020202020204" pitchFamily="34" charset="0"/>
+                <a:ea typeface="黑体" panose="02010609060101010101" pitchFamily="49" charset="-122"/>
+                <a:cs typeface="Times New Roman" panose="02020603050405020304" pitchFamily="18" charset="0"/>
+              </a:rPr>
+              <a:t>愿景声明</a:t>
+            </a:r>
+          </a:p>
+          <a:p>
+            <a:pPr indent="266700" algn="just">
+              <a:lnSpc>
+                <a:spcPct val="150000"/>
+              </a:lnSpc>
+              <a:spcAft>
+                <a:spcPts val="0"/>
+              </a:spcAft>
+            </a:pPr>
+            <a:r>
+              <a:rPr lang="zh-CN" altLang="zh-CN" sz="2000" kern="100" dirty="0">
+                <a:latin typeface="Times New Roman" panose="02020603050405020304" pitchFamily="18" charset="0"/>
+                <a:ea typeface="Arial" panose="020B0604020202020204" pitchFamily="34" charset="0"/>
+                <a:cs typeface="Times New Roman" panose="02020603050405020304" pitchFamily="18" charset="0"/>
+              </a:rPr>
+              <a:t>“</a:t>
+            </a:r>
+            <a:r>
+              <a:rPr lang="zh-CN" altLang="zh-CN" sz="2000" kern="100" dirty="0">
+                <a:latin typeface="Times New Roman" panose="02020603050405020304" pitchFamily="18" charset="0"/>
+                <a:ea typeface="宋体" panose="02010600030101010101" pitchFamily="2" charset="-122"/>
+              </a:rPr>
+              <a:t>软件工程系列课程教学辅助网站</a:t>
+            </a:r>
+            <a:r>
+              <a:rPr lang="zh-CN" altLang="zh-CN" sz="2000" kern="100" dirty="0">
+                <a:latin typeface="Times New Roman" panose="02020603050405020304" pitchFamily="18" charset="0"/>
+                <a:ea typeface="Arial" panose="020B0604020202020204" pitchFamily="34" charset="0"/>
+                <a:cs typeface="Times New Roman" panose="02020603050405020304" pitchFamily="18" charset="0"/>
+              </a:rPr>
+              <a:t>”</a:t>
+            </a:r>
+            <a:r>
+              <a:rPr lang="zh-CN" altLang="zh-CN" sz="2000" kern="100" dirty="0">
+                <a:latin typeface="Times New Roman" panose="02020603050405020304" pitchFamily="18" charset="0"/>
+                <a:ea typeface="宋体" panose="02010600030101010101" pitchFamily="2" charset="-122"/>
+              </a:rPr>
+              <a:t>是一个专门针对软件工程系列课程的教学辅助网站，并可以有效的提供多课程交叉的资源共享与控制。它的主要用户是软件工程系列相关课程的教师和学习这系列课程的所有学生以及一些感兴趣的网友。它的功能就是服务教师和学生，使他们在教育和学习过程中得到便捷。</a:t>
+            </a:r>
+          </a:p>
+          <a:p>
+            <a:pPr indent="266700" algn="just">
+              <a:lnSpc>
+                <a:spcPct val="150000"/>
+              </a:lnSpc>
+              <a:spcAft>
+                <a:spcPts val="0"/>
+              </a:spcAft>
+            </a:pPr>
+            <a:r>
+              <a:rPr lang="en-US" altLang="zh-CN" sz="2000" kern="100" dirty="0">
+                <a:latin typeface="Times New Roman" panose="02020603050405020304" pitchFamily="18" charset="0"/>
+                <a:ea typeface="宋体" panose="02010600030101010101" pitchFamily="2" charset="-122"/>
+              </a:rPr>
+              <a:t>BB</a:t>
+            </a:r>
+            <a:r>
+              <a:rPr lang="zh-CN" altLang="zh-CN" sz="2000" kern="100" dirty="0">
+                <a:latin typeface="Times New Roman" panose="02020603050405020304" pitchFamily="18" charset="0"/>
+                <a:ea typeface="宋体" panose="02010600030101010101" pitchFamily="2" charset="-122"/>
+              </a:rPr>
+              <a:t>、</a:t>
+            </a:r>
+            <a:r>
+              <a:rPr lang="en-US" altLang="zh-CN" sz="2000" kern="100" dirty="0">
+                <a:latin typeface="Times New Roman" panose="02020603050405020304" pitchFamily="18" charset="0"/>
+                <a:ea typeface="宋体" panose="02010600030101010101" pitchFamily="2" charset="-122"/>
+              </a:rPr>
+              <a:t>MOOC</a:t>
+            </a:r>
+            <a:r>
+              <a:rPr lang="zh-CN" altLang="zh-CN" sz="2000" kern="100" dirty="0">
+                <a:latin typeface="Times New Roman" panose="02020603050405020304" pitchFamily="18" charset="0"/>
+                <a:ea typeface="宋体" panose="02010600030101010101" pitchFamily="2" charset="-122"/>
+              </a:rPr>
+              <a:t>针对教学过程的教学网站，所以需要软件工程系列课程教学辅助网站作为工程类专业学习的专业网站，因为此类课程领悟时间较长，需要通过实践证明，是一个持续长期的过程。此网站为学生和前辈和老师面向专业领域的长期的学习分享和交流提供了一个垂直交流的社区。</a:t>
+            </a:r>
+          </a:p>
+        </p:txBody>
+      </p:sp>
+    </p:spTree>
+    <p:extLst>
+      <p:ext uri="{BB962C8B-B14F-4D97-AF65-F5344CB8AC3E}">
+        <p14:creationId xmlns:p14="http://schemas.microsoft.com/office/powerpoint/2010/main" val="2037974991"/>
+      </p:ext>
+    </p:extLst>
+  </p:cSld>
+  <p:clrMapOvr>
+    <a:masterClrMapping/>
+  </p:clrMapOvr>
+</p:sld>
+</file>
+
+<file path=ppt/slides/slide40.xml><?xml version="1.0" encoding="utf-8"?>
 <p:sld xmlns:a="http://schemas.openxmlformats.org/drawingml/2006/main" xmlns:r="http://schemas.openxmlformats.org/officeDocument/2006/relationships" xmlns:p="http://schemas.openxmlformats.org/presentationml/2006/main">
   <p:cSld>
     <p:spTree>
@@ -35829,7 +41042,7 @@
 </p:sld>
 </file>
 
-<file path=ppt/slides/slide39.xml><?xml version="1.0" encoding="utf-8"?>
+<file path=ppt/slides/slide41.xml><?xml version="1.0" encoding="utf-8"?>
 <p:sld xmlns:a="http://schemas.openxmlformats.org/drawingml/2006/main" xmlns:r="http://schemas.openxmlformats.org/officeDocument/2006/relationships" xmlns:p="http://schemas.openxmlformats.org/presentationml/2006/main">
   <p:cSld>
     <p:spTree>
@@ -38188,164 +43401,7 @@
 </p:sld>
 </file>
 
-<file path=ppt/slides/slide4.xml><?xml version="1.0" encoding="utf-8"?>
-<p:sld xmlns:a="http://schemas.openxmlformats.org/drawingml/2006/main" xmlns:r="http://schemas.openxmlformats.org/officeDocument/2006/relationships" xmlns:p="http://schemas.openxmlformats.org/presentationml/2006/main">
-  <p:cSld>
-    <p:spTree>
-      <p:nvGrpSpPr>
-        <p:cNvPr id="1" name=""/>
-        <p:cNvGrpSpPr/>
-        <p:nvPr/>
-      </p:nvGrpSpPr>
-      <p:grpSpPr>
-        <a:xfrm>
-          <a:off x="0" y="0"/>
-          <a:ext cx="0" cy="0"/>
-          <a:chOff x="0" y="0"/>
-          <a:chExt cx="0" cy="0"/>
-        </a:xfrm>
-      </p:grpSpPr>
-      <p:sp>
-        <p:nvSpPr>
-          <p:cNvPr id="4" name="矩形 3">
-            <a:extLst>
-              <a:ext uri="{FF2B5EF4-FFF2-40B4-BE49-F238E27FC236}">
-                <a16:creationId xmlns:a16="http://schemas.microsoft.com/office/drawing/2014/main" id="{83ED1D1B-4032-4A47-8712-142FFA78BCF1}"/>
-              </a:ext>
-            </a:extLst>
-          </p:cNvPr>
-          <p:cNvSpPr/>
-          <p:nvPr/>
-        </p:nvSpPr>
-        <p:spPr>
-          <a:xfrm>
-            <a:off x="438149" y="788463"/>
-            <a:ext cx="9286875" cy="4846840"/>
-          </a:xfrm>
-          <a:prstGeom prst="rect">
-            <a:avLst/>
-          </a:prstGeom>
-        </p:spPr>
-        <p:txBody>
-          <a:bodyPr wrap="square">
-            <a:spAutoFit/>
-          </a:bodyPr>
-          <a:lstStyle/>
-          <a:p>
-            <a:pPr algn="just">
-              <a:lnSpc>
-                <a:spcPct val="172000"/>
-              </a:lnSpc>
-              <a:spcBef>
-                <a:spcPts val="1300"/>
-              </a:spcBef>
-              <a:spcAft>
-                <a:spcPts val="1300"/>
-              </a:spcAft>
-            </a:pPr>
-            <a:r>
-              <a:rPr lang="zh-CN" altLang="zh-CN" sz="3600" b="1" kern="100" dirty="0">
-                <a:latin typeface="Arial" panose="020B0604020202020204" pitchFamily="34" charset="0"/>
-                <a:ea typeface="黑体" panose="02010609060101010101" pitchFamily="49" charset="-122"/>
-                <a:cs typeface="Times New Roman" panose="02020603050405020304" pitchFamily="18" charset="0"/>
-              </a:rPr>
-              <a:t>愿景声明</a:t>
-            </a:r>
-          </a:p>
-          <a:p>
-            <a:pPr indent="266700" algn="just">
-              <a:lnSpc>
-                <a:spcPct val="150000"/>
-              </a:lnSpc>
-              <a:spcAft>
-                <a:spcPts val="0"/>
-              </a:spcAft>
-            </a:pPr>
-            <a:r>
-              <a:rPr lang="zh-CN" altLang="zh-CN" sz="2000" kern="100" dirty="0">
-                <a:latin typeface="Times New Roman" panose="02020603050405020304" pitchFamily="18" charset="0"/>
-                <a:ea typeface="Arial" panose="020B0604020202020204" pitchFamily="34" charset="0"/>
-                <a:cs typeface="Times New Roman" panose="02020603050405020304" pitchFamily="18" charset="0"/>
-              </a:rPr>
-              <a:t>“</a:t>
-            </a:r>
-            <a:r>
-              <a:rPr lang="zh-CN" altLang="zh-CN" sz="2000" kern="100" dirty="0">
-                <a:latin typeface="Times New Roman" panose="02020603050405020304" pitchFamily="18" charset="0"/>
-                <a:ea typeface="宋体" panose="02010600030101010101" pitchFamily="2" charset="-122"/>
-              </a:rPr>
-              <a:t>软件工程系列课程教学辅助网站</a:t>
-            </a:r>
-            <a:r>
-              <a:rPr lang="zh-CN" altLang="zh-CN" sz="2000" kern="100" dirty="0">
-                <a:latin typeface="Times New Roman" panose="02020603050405020304" pitchFamily="18" charset="0"/>
-                <a:ea typeface="Arial" panose="020B0604020202020204" pitchFamily="34" charset="0"/>
-                <a:cs typeface="Times New Roman" panose="02020603050405020304" pitchFamily="18" charset="0"/>
-              </a:rPr>
-              <a:t>”</a:t>
-            </a:r>
-            <a:r>
-              <a:rPr lang="zh-CN" altLang="zh-CN" sz="2000" kern="100" dirty="0">
-                <a:latin typeface="Times New Roman" panose="02020603050405020304" pitchFamily="18" charset="0"/>
-                <a:ea typeface="宋体" panose="02010600030101010101" pitchFamily="2" charset="-122"/>
-              </a:rPr>
-              <a:t>是一个专门针对软件工程系列课程的教学辅助网站，并可以有效的提供多课程交叉的资源共享与控制。它的主要用户是软件工程系列相关课程的教师和学习这系列课程的所有学生以及一些感兴趣的网友。它的功能就是服务教师和学生，使他们在教育和学习过程中得到便捷。</a:t>
-            </a:r>
-          </a:p>
-          <a:p>
-            <a:pPr indent="266700" algn="just">
-              <a:lnSpc>
-                <a:spcPct val="150000"/>
-              </a:lnSpc>
-              <a:spcAft>
-                <a:spcPts val="0"/>
-              </a:spcAft>
-            </a:pPr>
-            <a:r>
-              <a:rPr lang="en-US" altLang="zh-CN" sz="2000" kern="100" dirty="0">
-                <a:latin typeface="Times New Roman" panose="02020603050405020304" pitchFamily="18" charset="0"/>
-                <a:ea typeface="宋体" panose="02010600030101010101" pitchFamily="2" charset="-122"/>
-              </a:rPr>
-              <a:t>BB</a:t>
-            </a:r>
-            <a:r>
-              <a:rPr lang="zh-CN" altLang="zh-CN" sz="2000" kern="100" dirty="0">
-                <a:latin typeface="Times New Roman" panose="02020603050405020304" pitchFamily="18" charset="0"/>
-                <a:ea typeface="宋体" panose="02010600030101010101" pitchFamily="2" charset="-122"/>
-              </a:rPr>
-              <a:t>、</a:t>
-            </a:r>
-            <a:r>
-              <a:rPr lang="en-US" altLang="zh-CN" sz="2000" kern="100" dirty="0">
-                <a:latin typeface="Times New Roman" panose="02020603050405020304" pitchFamily="18" charset="0"/>
-                <a:ea typeface="宋体" panose="02010600030101010101" pitchFamily="2" charset="-122"/>
-              </a:rPr>
-              <a:t>MOOC</a:t>
-            </a:r>
-            <a:r>
-              <a:rPr lang="zh-CN" altLang="zh-CN" sz="2000" kern="100" dirty="0">
-                <a:latin typeface="Times New Roman" panose="02020603050405020304" pitchFamily="18" charset="0"/>
-                <a:ea typeface="宋体" panose="02010600030101010101" pitchFamily="2" charset="-122"/>
-              </a:rPr>
-              <a:t>针对教学过程的教学网站，所以需要软件工程系列课程教学辅助网站作为工程类专业学习的专业网站，因为此类课程领悟时间较长，需要通过实践证明，是一个持续长期的过程。此网站为学生和前辈和老师面向专业领域的长期的学习分享和交流提供了一个垂直交流的社区。</a:t>
-            </a:r>
-          </a:p>
-        </p:txBody>
-      </p:sp>
-    </p:spTree>
-    <p:extLst>
-      <p:ext uri="{BB962C8B-B14F-4D97-AF65-F5344CB8AC3E}">
-        <p14:creationId xmlns:p14="http://schemas.microsoft.com/office/powerpoint/2010/main" val="2037974991"/>
-      </p:ext>
-    </p:extLst>
-  </p:cSld>
-  <p:clrMapOvr>
-    <a:masterClrMapping/>
-  </p:clrMapOvr>
-</p:sld>
-</file>
-
-<file path=ppt/slides/slide40.xml><?xml version="1.0" encoding="utf-8"?>
+<file path=ppt/slides/slide42.xml><?xml version="1.0" encoding="utf-8"?>
 <p:sld xmlns:a="http://schemas.openxmlformats.org/drawingml/2006/main" xmlns:r="http://schemas.openxmlformats.org/officeDocument/2006/relationships" xmlns:p="http://schemas.openxmlformats.org/presentationml/2006/main">
   <p:cSld>
     <p:bg>
@@ -39869,7 +44925,7 @@
 </p:sld>
 </file>
 
-<file path=ppt/slides/slide41.xml><?xml version="1.0" encoding="utf-8"?>
+<file path=ppt/slides/slide43.xml><?xml version="1.0" encoding="utf-8"?>
 <p:sld xmlns:a="http://schemas.openxmlformats.org/drawingml/2006/main" xmlns:r="http://schemas.openxmlformats.org/officeDocument/2006/relationships" xmlns:p="http://schemas.openxmlformats.org/presentationml/2006/main">
   <p:cSld>
     <p:bg>
@@ -40968,7 +46024,7 @@
 </p:sld>
 </file>
 
-<file path=ppt/slides/slide42.xml><?xml version="1.0" encoding="utf-8"?>
+<file path=ppt/slides/slide44.xml><?xml version="1.0" encoding="utf-8"?>
 <p:sld xmlns:a="http://schemas.openxmlformats.org/drawingml/2006/main" xmlns:r="http://schemas.openxmlformats.org/officeDocument/2006/relationships" xmlns:p="http://schemas.openxmlformats.org/presentationml/2006/main">
   <p:cSld>
     <p:bg>
@@ -42128,7 +47184,7 @@
 </p:sld>
 </file>
 
-<file path=ppt/slides/slide43.xml><?xml version="1.0" encoding="utf-8"?>
+<file path=ppt/slides/slide45.xml><?xml version="1.0" encoding="utf-8"?>
 <p:sld xmlns:a="http://schemas.openxmlformats.org/drawingml/2006/main" xmlns:r="http://schemas.openxmlformats.org/officeDocument/2006/relationships" xmlns:p="http://schemas.openxmlformats.org/presentationml/2006/main">
   <p:cSld>
     <p:bg>
@@ -46115,7 +51171,7 @@
           <p:nvPr>
             <p:extLst>
               <p:ext uri="{D42A27DB-BD31-4B8C-83A1-F6EECF244321}">
-                <p14:modId xmlns:p14="http://schemas.microsoft.com/office/powerpoint/2010/main" val="400248206"/>
+                <p14:modId xmlns:p14="http://schemas.microsoft.com/office/powerpoint/2010/main" val="4048850905"/>
               </p:ext>
             </p:extLst>
           </p:nvPr>
@@ -46165,16 +51221,13 @@
                         </a:spcAft>
                       </a:pPr>
                       <a:r>
-                        <a:rPr lang="zh-CN" sz="2800" kern="100">
+                        <a:rPr lang="zh-CN" sz="2800" kern="100" dirty="0">
                           <a:effectLst/>
+                          <a:latin typeface="宋体" panose="02010600030101010101" pitchFamily="2" charset="-122"/>
+                          <a:ea typeface="宋体" panose="02010600030101010101" pitchFamily="2" charset="-122"/>
                         </a:rPr>
                         <a:t>用户群分类</a:t>
                       </a:r>
-                      <a:endParaRPr lang="zh-CN" sz="2800" kern="100">
-                        <a:effectLst/>
-                        <a:latin typeface="Times New Roman" panose="02020603050405020304" pitchFamily="18" charset="0"/>
-                        <a:ea typeface="宋体" panose="02010600030101010101" pitchFamily="2" charset="-122"/>
-                      </a:endParaRPr>
                     </a:p>
                   </a:txBody>
                   <a:tcPr marL="121303" marR="121303" marT="0" marB="0"/>
@@ -46192,14 +51245,11 @@
                       <a:r>
                         <a:rPr lang="zh-CN" sz="2800" kern="100">
                           <a:effectLst/>
+                          <a:latin typeface="宋体" panose="02010600030101010101" pitchFamily="2" charset="-122"/>
+                          <a:ea typeface="宋体" panose="02010600030101010101" pitchFamily="2" charset="-122"/>
                         </a:rPr>
                         <a:t>用户角色</a:t>
                       </a:r>
-                      <a:endParaRPr lang="zh-CN" sz="2800" kern="100">
-                        <a:effectLst/>
-                        <a:latin typeface="Times New Roman" panose="02020603050405020304" pitchFamily="18" charset="0"/>
-                        <a:ea typeface="宋体" panose="02010600030101010101" pitchFamily="2" charset="-122"/>
-                      </a:endParaRPr>
                     </a:p>
                   </a:txBody>
                   <a:tcPr marL="121303" marR="121303" marT="0" marB="0"/>
@@ -46217,14 +51267,11 @@
                       <a:r>
                         <a:rPr lang="zh-CN" sz="2800" kern="100">
                           <a:effectLst/>
+                          <a:latin typeface="宋体" panose="02010600030101010101" pitchFamily="2" charset="-122"/>
+                          <a:ea typeface="宋体" panose="02010600030101010101" pitchFamily="2" charset="-122"/>
                         </a:rPr>
                         <a:t>用户描述</a:t>
                       </a:r>
-                      <a:endParaRPr lang="zh-CN" sz="2800" kern="100">
-                        <a:effectLst/>
-                        <a:latin typeface="Times New Roman" panose="02020603050405020304" pitchFamily="18" charset="0"/>
-                        <a:ea typeface="宋体" panose="02010600030101010101" pitchFamily="2" charset="-122"/>
-                      </a:endParaRPr>
                     </a:p>
                   </a:txBody>
                   <a:tcPr marL="121303" marR="121303" marT="0" marB="0"/>
@@ -46249,14 +51296,11 @@
                       <a:r>
                         <a:rPr lang="zh-CN" sz="2800" kern="100">
                           <a:effectLst/>
+                          <a:latin typeface="宋体" panose="02010600030101010101" pitchFamily="2" charset="-122"/>
+                          <a:ea typeface="宋体" panose="02010600030101010101" pitchFamily="2" charset="-122"/>
                         </a:rPr>
                         <a:t>客户</a:t>
                       </a:r>
-                      <a:endParaRPr lang="zh-CN" sz="2800" kern="100">
-                        <a:effectLst/>
-                        <a:latin typeface="Times New Roman" panose="02020603050405020304" pitchFamily="18" charset="0"/>
-                        <a:ea typeface="宋体" panose="02010600030101010101" pitchFamily="2" charset="-122"/>
-                      </a:endParaRPr>
                     </a:p>
                   </a:txBody>
                   <a:tcPr marL="121303" marR="121303" marT="0" marB="0"/>
@@ -46274,14 +51318,11 @@
                       <a:r>
                         <a:rPr lang="zh-CN" sz="2800" kern="100">
                           <a:effectLst/>
+                          <a:latin typeface="宋体" panose="02010600030101010101" pitchFamily="2" charset="-122"/>
+                          <a:ea typeface="宋体" panose="02010600030101010101" pitchFamily="2" charset="-122"/>
                         </a:rPr>
                         <a:t>项目发起人</a:t>
                       </a:r>
-                      <a:endParaRPr lang="zh-CN" sz="2800" kern="100">
-                        <a:effectLst/>
-                        <a:latin typeface="Times New Roman" panose="02020603050405020304" pitchFamily="18" charset="0"/>
-                        <a:ea typeface="宋体" panose="02010600030101010101" pitchFamily="2" charset="-122"/>
-                      </a:endParaRPr>
                     </a:p>
                   </a:txBody>
                   <a:tcPr marL="121303" marR="121303" marT="0" marB="0"/>
@@ -46299,14 +51340,11 @@
                       <a:r>
                         <a:rPr lang="zh-CN" sz="2800" kern="100" dirty="0">
                           <a:effectLst/>
+                          <a:latin typeface="宋体" panose="02010600030101010101" pitchFamily="2" charset="-122"/>
+                          <a:ea typeface="宋体" panose="02010600030101010101" pitchFamily="2" charset="-122"/>
                         </a:rPr>
                         <a:t>本项目的项目发起人</a:t>
                       </a:r>
-                      <a:endParaRPr lang="zh-CN" sz="2800" kern="100" dirty="0">
-                        <a:effectLst/>
-                        <a:latin typeface="Times New Roman" panose="02020603050405020304" pitchFamily="18" charset="0"/>
-                        <a:ea typeface="宋体" panose="02010600030101010101" pitchFamily="2" charset="-122"/>
-                      </a:endParaRPr>
                     </a:p>
                   </a:txBody>
                   <a:tcPr marL="121303" marR="121303" marT="0" marB="0"/>
@@ -46329,16 +51367,13 @@
                         </a:spcAft>
                       </a:pPr>
                       <a:r>
-                        <a:rPr lang="zh-CN" sz="2800" kern="100">
+                        <a:rPr lang="zh-CN" sz="2800" kern="100" dirty="0">
                           <a:effectLst/>
+                          <a:latin typeface="宋体" panose="02010600030101010101" pitchFamily="2" charset="-122"/>
+                          <a:ea typeface="宋体" panose="02010600030101010101" pitchFamily="2" charset="-122"/>
                         </a:rPr>
                         <a:t>用户</a:t>
                       </a:r>
-                      <a:endParaRPr lang="zh-CN" sz="2800" kern="100">
-                        <a:effectLst/>
-                        <a:latin typeface="Times New Roman" panose="02020603050405020304" pitchFamily="18" charset="0"/>
-                        <a:ea typeface="宋体" panose="02010600030101010101" pitchFamily="2" charset="-122"/>
-                      </a:endParaRPr>
                     </a:p>
                   </a:txBody>
                   <a:tcPr marL="121303" marR="121303" marT="0" marB="0"/>
@@ -46356,14 +51391,11 @@
                       <a:r>
                         <a:rPr lang="zh-CN" sz="2800" kern="100">
                           <a:effectLst/>
+                          <a:latin typeface="宋体" panose="02010600030101010101" pitchFamily="2" charset="-122"/>
+                          <a:ea typeface="宋体" panose="02010600030101010101" pitchFamily="2" charset="-122"/>
                         </a:rPr>
                         <a:t>教师用户</a:t>
                       </a:r>
-                      <a:endParaRPr lang="zh-CN" sz="2800" kern="100">
-                        <a:effectLst/>
-                        <a:latin typeface="Times New Roman" panose="02020603050405020304" pitchFamily="18" charset="0"/>
-                        <a:ea typeface="宋体" panose="02010600030101010101" pitchFamily="2" charset="-122"/>
-                      </a:endParaRPr>
                     </a:p>
                   </a:txBody>
                   <a:tcPr marL="121303" marR="121303" marT="0" marB="0"/>
@@ -46381,14 +51413,11 @@
                       <a:r>
                         <a:rPr lang="zh-CN" sz="2800" kern="100">
                           <a:effectLst/>
+                          <a:latin typeface="宋体" panose="02010600030101010101" pitchFamily="2" charset="-122"/>
+                          <a:ea typeface="宋体" panose="02010600030101010101" pitchFamily="2" charset="-122"/>
                         </a:rPr>
                         <a:t>软件工程系列课程授课教师</a:t>
                       </a:r>
-                      <a:endParaRPr lang="zh-CN" sz="2800" kern="100">
-                        <a:effectLst/>
-                        <a:latin typeface="Times New Roman" panose="02020603050405020304" pitchFamily="18" charset="0"/>
-                        <a:ea typeface="宋体" panose="02010600030101010101" pitchFamily="2" charset="-122"/>
-                      </a:endParaRPr>
                     </a:p>
                   </a:txBody>
                   <a:tcPr marL="121303" marR="121303" marT="0" marB="0"/>
@@ -46423,14 +51452,11 @@
                       <a:r>
                         <a:rPr lang="zh-CN" sz="2800" kern="100">
                           <a:effectLst/>
+                          <a:latin typeface="宋体" panose="02010600030101010101" pitchFamily="2" charset="-122"/>
+                          <a:ea typeface="宋体" panose="02010600030101010101" pitchFamily="2" charset="-122"/>
                         </a:rPr>
                         <a:t>学生用户</a:t>
                       </a:r>
-                      <a:endParaRPr lang="zh-CN" sz="2800" kern="100">
-                        <a:effectLst/>
-                        <a:latin typeface="Times New Roman" panose="02020603050405020304" pitchFamily="18" charset="0"/>
-                        <a:ea typeface="宋体" panose="02010600030101010101" pitchFamily="2" charset="-122"/>
-                      </a:endParaRPr>
                     </a:p>
                   </a:txBody>
                   <a:tcPr marL="121303" marR="121303" marT="0" marB="0"/>
@@ -46448,14 +51474,11 @@
                       <a:r>
                         <a:rPr lang="zh-CN" sz="2800" kern="100">
                           <a:effectLst/>
+                          <a:latin typeface="宋体" panose="02010600030101010101" pitchFamily="2" charset="-122"/>
+                          <a:ea typeface="宋体" panose="02010600030101010101" pitchFamily="2" charset="-122"/>
                         </a:rPr>
                         <a:t>正在参与软件工程系列课程学习的学生</a:t>
                       </a:r>
-                      <a:endParaRPr lang="zh-CN" sz="2800" kern="100">
-                        <a:effectLst/>
-                        <a:latin typeface="Times New Roman" panose="02020603050405020304" pitchFamily="18" charset="0"/>
-                        <a:ea typeface="宋体" panose="02010600030101010101" pitchFamily="2" charset="-122"/>
-                      </a:endParaRPr>
                     </a:p>
                   </a:txBody>
                   <a:tcPr marL="121303" marR="121303" marT="0" marB="0"/>
@@ -46488,16 +51511,13 @@
                         </a:spcAft>
                       </a:pPr>
                       <a:r>
-                        <a:rPr lang="zh-CN" sz="2800" kern="100">
+                        <a:rPr lang="zh-CN" sz="2800" kern="100" dirty="0">
                           <a:effectLst/>
+                          <a:latin typeface="宋体" panose="02010600030101010101" pitchFamily="2" charset="-122"/>
+                          <a:ea typeface="宋体" panose="02010600030101010101" pitchFamily="2" charset="-122"/>
                         </a:rPr>
                         <a:t>游客用户</a:t>
                       </a:r>
-                      <a:endParaRPr lang="zh-CN" sz="2800" kern="100">
-                        <a:effectLst/>
-                        <a:latin typeface="Times New Roman" panose="02020603050405020304" pitchFamily="18" charset="0"/>
-                        <a:ea typeface="宋体" panose="02010600030101010101" pitchFamily="2" charset="-122"/>
-                      </a:endParaRPr>
                     </a:p>
                   </a:txBody>
                   <a:tcPr marL="121303" marR="121303" marT="0" marB="0"/>
@@ -46515,14 +51535,11 @@
                       <a:r>
                         <a:rPr lang="zh-CN" sz="2800" kern="100" dirty="0">
                           <a:effectLst/>
+                          <a:latin typeface="宋体" panose="02010600030101010101" pitchFamily="2" charset="-122"/>
+                          <a:ea typeface="宋体" panose="02010600030101010101" pitchFamily="2" charset="-122"/>
                         </a:rPr>
                         <a:t>对软件工程系列课程有兴趣的，非本专业内的学生或其他人员</a:t>
                       </a:r>
-                      <a:endParaRPr lang="zh-CN" sz="2800" kern="100" dirty="0">
-                        <a:effectLst/>
-                        <a:latin typeface="Times New Roman" panose="02020603050405020304" pitchFamily="18" charset="0"/>
-                        <a:ea typeface="宋体" panose="02010600030101010101" pitchFamily="2" charset="-122"/>
-                      </a:endParaRPr>
                     </a:p>
                   </a:txBody>
                   <a:tcPr marL="121303" marR="121303" marT="0" marB="0"/>
@@ -46557,14 +51574,11 @@
                       <a:r>
                         <a:rPr lang="zh-CN" sz="2800" kern="100">
                           <a:effectLst/>
+                          <a:latin typeface="宋体" panose="02010600030101010101" pitchFamily="2" charset="-122"/>
+                          <a:ea typeface="宋体" panose="02010600030101010101" pitchFamily="2" charset="-122"/>
                         </a:rPr>
                         <a:t>管理员用户</a:t>
                       </a:r>
-                      <a:endParaRPr lang="zh-CN" sz="2800" kern="100">
-                        <a:effectLst/>
-                        <a:latin typeface="Times New Roman" panose="02020603050405020304" pitchFamily="18" charset="0"/>
-                        <a:ea typeface="宋体" panose="02010600030101010101" pitchFamily="2" charset="-122"/>
-                      </a:endParaRPr>
                     </a:p>
                   </a:txBody>
                   <a:tcPr marL="121303" marR="121303" marT="0" marB="0"/>
@@ -46582,14 +51596,11 @@
                       <a:r>
                         <a:rPr lang="zh-CN" sz="2800" kern="100" dirty="0">
                           <a:effectLst/>
+                          <a:latin typeface="宋体" panose="02010600030101010101" pitchFamily="2" charset="-122"/>
+                          <a:ea typeface="宋体" panose="02010600030101010101" pitchFamily="2" charset="-122"/>
                         </a:rPr>
                         <a:t>负责网站维护、用户信息管理、交流区内容审核管理的人员</a:t>
                       </a:r>
-                      <a:endParaRPr lang="zh-CN" sz="2800" kern="100" dirty="0">
-                        <a:effectLst/>
-                        <a:latin typeface="Times New Roman" panose="02020603050405020304" pitchFamily="18" charset="0"/>
-                        <a:ea typeface="宋体" panose="02010600030101010101" pitchFamily="2" charset="-122"/>
-                      </a:endParaRPr>
                     </a:p>
                   </a:txBody>
                   <a:tcPr marL="121303" marR="121303" marT="0" marB="0"/>
@@ -46686,7 +51697,7 @@
           <p:nvPr>
             <p:extLst>
               <p:ext uri="{D42A27DB-BD31-4B8C-83A1-F6EECF244321}">
-                <p14:modId xmlns:p14="http://schemas.microsoft.com/office/powerpoint/2010/main" val="1554632092"/>
+                <p14:modId xmlns:p14="http://schemas.microsoft.com/office/powerpoint/2010/main" val="3842701724"/>
               </p:ext>
             </p:extLst>
           </p:nvPr>
@@ -46745,14 +51756,11 @@
                       <a:r>
                         <a:rPr lang="zh-CN" sz="2400" kern="100">
                           <a:effectLst/>
+                          <a:latin typeface="宋体" panose="02010600030101010101" pitchFamily="2" charset="-122"/>
+                          <a:ea typeface="宋体" panose="02010600030101010101" pitchFamily="2" charset="-122"/>
                         </a:rPr>
                         <a:t>名称</a:t>
                       </a:r>
-                      <a:endParaRPr lang="zh-CN" sz="2400" kern="100">
-                        <a:effectLst/>
-                        <a:latin typeface="Times New Roman" panose="02020603050405020304" pitchFamily="18" charset="0"/>
-                        <a:ea typeface="宋体" panose="02010600030101010101" pitchFamily="2" charset="-122"/>
-                      </a:endParaRPr>
                     </a:p>
                   </a:txBody>
                   <a:tcPr marL="68580" marR="68580" marT="0" marB="0"/>
@@ -46770,14 +51778,11 @@
                       <a:r>
                         <a:rPr lang="zh-CN" sz="2400" kern="100">
                           <a:effectLst/>
+                          <a:latin typeface="宋体" panose="02010600030101010101" pitchFamily="2" charset="-122"/>
+                          <a:ea typeface="宋体" panose="02010600030101010101" pitchFamily="2" charset="-122"/>
                         </a:rPr>
                         <a:t>人员</a:t>
                       </a:r>
-                      <a:endParaRPr lang="zh-CN" sz="2400" kern="100">
-                        <a:effectLst/>
-                        <a:latin typeface="Times New Roman" panose="02020603050405020304" pitchFamily="18" charset="0"/>
-                        <a:ea typeface="宋体" panose="02010600030101010101" pitchFamily="2" charset="-122"/>
-                      </a:endParaRPr>
                     </a:p>
                   </a:txBody>
                   <a:tcPr marL="68580" marR="68580" marT="0" marB="0"/>
@@ -46795,14 +51800,11 @@
                       <a:r>
                         <a:rPr lang="zh-CN" sz="2400" kern="100">
                           <a:effectLst/>
+                          <a:latin typeface="宋体" panose="02010600030101010101" pitchFamily="2" charset="-122"/>
+                          <a:ea typeface="宋体" panose="02010600030101010101" pitchFamily="2" charset="-122"/>
                         </a:rPr>
                         <a:t>沟通方式</a:t>
                       </a:r>
-                      <a:endParaRPr lang="zh-CN" sz="2400" kern="100">
-                        <a:effectLst/>
-                        <a:latin typeface="Times New Roman" panose="02020603050405020304" pitchFamily="18" charset="0"/>
-                        <a:ea typeface="宋体" panose="02010600030101010101" pitchFamily="2" charset="-122"/>
-                      </a:endParaRPr>
                     </a:p>
                   </a:txBody>
                   <a:tcPr marL="68580" marR="68580" marT="0" marB="0"/>
@@ -46818,16 +51820,13 @@
                         </a:spcAft>
                       </a:pPr>
                       <a:r>
-                        <a:rPr lang="zh-CN" sz="2400" kern="100">
+                        <a:rPr lang="zh-CN" sz="2400" kern="100" dirty="0">
                           <a:effectLst/>
+                          <a:latin typeface="宋体" panose="02010600030101010101" pitchFamily="2" charset="-122"/>
+                          <a:ea typeface="宋体" panose="02010600030101010101" pitchFamily="2" charset="-122"/>
                         </a:rPr>
                         <a:t>联系方式</a:t>
                       </a:r>
-                      <a:endParaRPr lang="zh-CN" sz="2400" kern="100">
-                        <a:effectLst/>
-                        <a:latin typeface="Times New Roman" panose="02020603050405020304" pitchFamily="18" charset="0"/>
-                        <a:ea typeface="宋体" panose="02010600030101010101" pitchFamily="2" charset="-122"/>
-                      </a:endParaRPr>
                     </a:p>
                   </a:txBody>
                   <a:tcPr marL="68580" marR="68580" marT="0" marB="0"/>
@@ -46852,14 +51851,11 @@
                       <a:r>
                         <a:rPr lang="zh-CN" sz="2400" kern="100" dirty="0">
                           <a:effectLst/>
+                          <a:latin typeface="宋体" panose="02010600030101010101" pitchFamily="2" charset="-122"/>
+                          <a:ea typeface="宋体" panose="02010600030101010101" pitchFamily="2" charset="-122"/>
                         </a:rPr>
                         <a:t>教师用户代表</a:t>
                       </a:r>
-                      <a:endParaRPr lang="zh-CN" sz="2400" kern="100" dirty="0">
-                        <a:effectLst/>
-                        <a:latin typeface="Times New Roman" panose="02020603050405020304" pitchFamily="18" charset="0"/>
-                        <a:ea typeface="宋体" panose="02010600030101010101" pitchFamily="2" charset="-122"/>
-                      </a:endParaRPr>
                     </a:p>
                   </a:txBody>
                   <a:tcPr marL="68580" marR="68580" marT="0" marB="0"/>
@@ -46877,14 +51873,11 @@
                       <a:r>
                         <a:rPr lang="zh-CN" sz="2400" kern="100">
                           <a:effectLst/>
+                          <a:latin typeface="宋体" panose="02010600030101010101" pitchFamily="2" charset="-122"/>
+                          <a:ea typeface="宋体" panose="02010600030101010101" pitchFamily="2" charset="-122"/>
                         </a:rPr>
                         <a:t>杨枨</a:t>
                       </a:r>
-                      <a:endParaRPr lang="zh-CN" sz="2400" kern="100">
-                        <a:effectLst/>
-                        <a:latin typeface="Times New Roman" panose="02020603050405020304" pitchFamily="18" charset="0"/>
-                        <a:ea typeface="宋体" panose="02010600030101010101" pitchFamily="2" charset="-122"/>
-                      </a:endParaRPr>
                     </a:p>
                   </a:txBody>
                   <a:tcPr marL="68580" marR="68580" marT="0" marB="0"/>
@@ -46902,14 +51895,11 @@
                       <a:r>
                         <a:rPr lang="zh-CN" sz="2400" kern="100">
                           <a:effectLst/>
+                          <a:latin typeface="宋体" panose="02010600030101010101" pitchFamily="2" charset="-122"/>
+                          <a:ea typeface="宋体" panose="02010600030101010101" pitchFamily="2" charset="-122"/>
                         </a:rPr>
                         <a:t>邮件，面对面访谈，微信</a:t>
                       </a:r>
-                      <a:endParaRPr lang="zh-CN" sz="2400" kern="100">
-                        <a:effectLst/>
-                        <a:latin typeface="Times New Roman" panose="02020603050405020304" pitchFamily="18" charset="0"/>
-                        <a:ea typeface="宋体" panose="02010600030101010101" pitchFamily="2" charset="-122"/>
-                      </a:endParaRPr>
                     </a:p>
                   </a:txBody>
                   <a:tcPr marL="68580" marR="68580" marT="0" marB="0"/>
@@ -46927,12 +51917,14 @@
                       <a:r>
                         <a:rPr lang="en-US" sz="2400" kern="100">
                           <a:effectLst/>
+                          <a:latin typeface="宋体" panose="02010600030101010101" pitchFamily="2" charset="-122"/>
+                          <a:ea typeface="宋体" panose="02010600030101010101" pitchFamily="2" charset="-122"/>
                         </a:rPr>
                         <a:t>yangc@zucc.edu.cn</a:t>
                       </a:r>
                       <a:endParaRPr lang="zh-CN" sz="2400" kern="100">
                         <a:effectLst/>
-                        <a:latin typeface="Times New Roman" panose="02020603050405020304" pitchFamily="18" charset="0"/>
+                        <a:latin typeface="宋体" panose="02010600030101010101" pitchFamily="2" charset="-122"/>
                         <a:ea typeface="宋体" panose="02010600030101010101" pitchFamily="2" charset="-122"/>
                       </a:endParaRPr>
                     </a:p>
@@ -46959,14 +51951,11 @@
                       <a:r>
                         <a:rPr lang="zh-CN" sz="2400" kern="100">
                           <a:effectLst/>
+                          <a:latin typeface="宋体" panose="02010600030101010101" pitchFamily="2" charset="-122"/>
+                          <a:ea typeface="宋体" panose="02010600030101010101" pitchFamily="2" charset="-122"/>
                         </a:rPr>
                         <a:t>学生用户代表</a:t>
                       </a:r>
-                      <a:endParaRPr lang="zh-CN" sz="2400" kern="100">
-                        <a:effectLst/>
-                        <a:latin typeface="Times New Roman" panose="02020603050405020304" pitchFamily="18" charset="0"/>
-                        <a:ea typeface="宋体" panose="02010600030101010101" pitchFamily="2" charset="-122"/>
-                      </a:endParaRPr>
                     </a:p>
                   </a:txBody>
                   <a:tcPr marL="68580" marR="68580" marT="0" marB="0"/>
@@ -46996,14 +51985,11 @@
                       <a:r>
                         <a:rPr lang="zh-CN" altLang="zh-CN" sz="2400" kern="100" dirty="0">
                           <a:effectLst/>
+                          <a:latin typeface="宋体" panose="02010600030101010101" pitchFamily="2" charset="-122"/>
+                          <a:ea typeface="宋体" panose="02010600030101010101" pitchFamily="2" charset="-122"/>
                         </a:rPr>
                         <a:t>彭慧铭</a:t>
                       </a:r>
-                      <a:endParaRPr lang="zh-CN" altLang="zh-CN" sz="2400" kern="100" dirty="0">
-                        <a:effectLst/>
-                        <a:latin typeface="Times New Roman" panose="02020603050405020304" pitchFamily="18" charset="0"/>
-                        <a:ea typeface="宋体" panose="02010600030101010101" pitchFamily="2" charset="-122"/>
-                      </a:endParaRPr>
                     </a:p>
                     <a:p>
                       <a:pPr algn="just">
@@ -47013,7 +51999,7 @@
                       </a:pPr>
                       <a:endParaRPr lang="zh-CN" sz="2400" kern="100" dirty="0">
                         <a:effectLst/>
-                        <a:latin typeface="Times New Roman" panose="02020603050405020304" pitchFamily="18" charset="0"/>
+                        <a:latin typeface="宋体" panose="02010600030101010101" pitchFamily="2" charset="-122"/>
                         <a:ea typeface="宋体" panose="02010600030101010101" pitchFamily="2" charset="-122"/>
                       </a:endParaRPr>
                     </a:p>
@@ -47033,14 +52019,11 @@
                       <a:r>
                         <a:rPr lang="zh-CN" sz="2400" kern="100">
                           <a:effectLst/>
+                          <a:latin typeface="宋体" panose="02010600030101010101" pitchFamily="2" charset="-122"/>
+                          <a:ea typeface="宋体" panose="02010600030101010101" pitchFamily="2" charset="-122"/>
                         </a:rPr>
                         <a:t>邮件，面对面访谈，微信</a:t>
                       </a:r>
-                      <a:endParaRPr lang="zh-CN" sz="2400" kern="100">
-                        <a:effectLst/>
-                        <a:latin typeface="Times New Roman" panose="02020603050405020304" pitchFamily="18" charset="0"/>
-                        <a:ea typeface="宋体" panose="02010600030101010101" pitchFamily="2" charset="-122"/>
-                      </a:endParaRPr>
                     </a:p>
                   </a:txBody>
                   <a:tcPr marL="68580" marR="68580" marT="0" marB="0"/>
@@ -47070,11 +52053,15 @@
                       <a:r>
                         <a:rPr lang="en-US" altLang="zh-CN" sz="2400" kern="100" dirty="0">
                           <a:effectLst/>
+                          <a:latin typeface="宋体" panose="02010600030101010101" pitchFamily="2" charset="-122"/>
+                          <a:ea typeface="宋体" panose="02010600030101010101" pitchFamily="2" charset="-122"/>
                         </a:rPr>
                         <a:t>31601403@stu.zucc.edu.cn</a:t>
                       </a:r>
                       <a:endParaRPr lang="zh-CN" altLang="zh-CN" sz="2400" kern="100" dirty="0">
                         <a:effectLst/>
+                        <a:latin typeface="宋体" panose="02010600030101010101" pitchFamily="2" charset="-122"/>
+                        <a:ea typeface="宋体" panose="02010600030101010101" pitchFamily="2" charset="-122"/>
                       </a:endParaRPr>
                     </a:p>
                     <a:p>
@@ -47085,7 +52072,7 @@
                       </a:pPr>
                       <a:endParaRPr lang="zh-CN" sz="2400" kern="100" dirty="0">
                         <a:effectLst/>
-                        <a:latin typeface="Times New Roman" panose="02020603050405020304" pitchFamily="18" charset="0"/>
+                        <a:latin typeface="宋体" panose="02010600030101010101" pitchFamily="2" charset="-122"/>
                         <a:ea typeface="宋体" panose="02010600030101010101" pitchFamily="2" charset="-122"/>
                       </a:endParaRPr>
                     </a:p>
@@ -47112,14 +52099,11 @@
                       <a:r>
                         <a:rPr lang="zh-CN" sz="2400" kern="100">
                           <a:effectLst/>
+                          <a:latin typeface="宋体" panose="02010600030101010101" pitchFamily="2" charset="-122"/>
+                          <a:ea typeface="宋体" panose="02010600030101010101" pitchFamily="2" charset="-122"/>
                         </a:rPr>
                         <a:t>管理员 代表</a:t>
                       </a:r>
-                      <a:endParaRPr lang="zh-CN" sz="2400" kern="100">
-                        <a:effectLst/>
-                        <a:latin typeface="Times New Roman" panose="02020603050405020304" pitchFamily="18" charset="0"/>
-                        <a:ea typeface="宋体" panose="02010600030101010101" pitchFamily="2" charset="-122"/>
-                      </a:endParaRPr>
                     </a:p>
                   </a:txBody>
                   <a:tcPr marL="68580" marR="68580" marT="0" marB="0"/>
@@ -47137,14 +52121,11 @@
                       <a:r>
                         <a:rPr lang="zh-CN" sz="2400" kern="100">
                           <a:effectLst/>
+                          <a:latin typeface="宋体" panose="02010600030101010101" pitchFamily="2" charset="-122"/>
+                          <a:ea typeface="宋体" panose="02010600030101010101" pitchFamily="2" charset="-122"/>
                         </a:rPr>
                         <a:t>潘琳</a:t>
                       </a:r>
-                      <a:endParaRPr lang="zh-CN" sz="2400" kern="100">
-                        <a:effectLst/>
-                        <a:latin typeface="Times New Roman" panose="02020603050405020304" pitchFamily="18" charset="0"/>
-                        <a:ea typeface="宋体" panose="02010600030101010101" pitchFamily="2" charset="-122"/>
-                      </a:endParaRPr>
                     </a:p>
                   </a:txBody>
                   <a:tcPr marL="68580" marR="68580" marT="0" marB="0"/>
@@ -47162,14 +52143,11 @@
                       <a:r>
                         <a:rPr lang="zh-CN" sz="2400" kern="100">
                           <a:effectLst/>
+                          <a:latin typeface="宋体" panose="02010600030101010101" pitchFamily="2" charset="-122"/>
+                          <a:ea typeface="宋体" panose="02010600030101010101" pitchFamily="2" charset="-122"/>
                         </a:rPr>
                         <a:t>邮件，面对面访谈，微信</a:t>
                       </a:r>
-                      <a:endParaRPr lang="zh-CN" sz="2400" kern="100">
-                        <a:effectLst/>
-                        <a:latin typeface="Times New Roman" panose="02020603050405020304" pitchFamily="18" charset="0"/>
-                        <a:ea typeface="宋体" panose="02010600030101010101" pitchFamily="2" charset="-122"/>
-                      </a:endParaRPr>
                     </a:p>
                   </a:txBody>
                   <a:tcPr marL="68580" marR="68580" marT="0" marB="0"/>
@@ -47187,12 +52165,14 @@
                       <a:r>
                         <a:rPr lang="en-US" sz="2400" kern="100">
                           <a:effectLst/>
+                          <a:latin typeface="宋体" panose="02010600030101010101" pitchFamily="2" charset="-122"/>
+                          <a:ea typeface="宋体" panose="02010600030101010101" pitchFamily="2" charset="-122"/>
                         </a:rPr>
                         <a:t>plpl1016</a:t>
                       </a:r>
                       <a:endParaRPr lang="zh-CN" sz="2400" kern="100">
                         <a:effectLst/>
-                        <a:latin typeface="Times New Roman" panose="02020603050405020304" pitchFamily="18" charset="0"/>
+                        <a:latin typeface="宋体" panose="02010600030101010101" pitchFamily="2" charset="-122"/>
                         <a:ea typeface="宋体" panose="02010600030101010101" pitchFamily="2" charset="-122"/>
                       </a:endParaRPr>
                     </a:p>
@@ -47219,14 +52199,11 @@
                       <a:r>
                         <a:rPr lang="zh-CN" sz="2400" kern="100">
                           <a:effectLst/>
+                          <a:latin typeface="宋体" panose="02010600030101010101" pitchFamily="2" charset="-122"/>
+                          <a:ea typeface="宋体" panose="02010600030101010101" pitchFamily="2" charset="-122"/>
                         </a:rPr>
                         <a:t>游客用户代表</a:t>
                       </a:r>
-                      <a:endParaRPr lang="zh-CN" sz="2400" kern="100">
-                        <a:effectLst/>
-                        <a:latin typeface="Times New Roman" panose="02020603050405020304" pitchFamily="18" charset="0"/>
-                        <a:ea typeface="宋体" panose="02010600030101010101" pitchFamily="2" charset="-122"/>
-                      </a:endParaRPr>
                     </a:p>
                   </a:txBody>
                   <a:tcPr marL="68580" marR="68580" marT="0" marB="0"/>
@@ -47244,14 +52221,11 @@
                       <a:r>
                         <a:rPr lang="zh-CN" sz="2400" kern="100">
                           <a:effectLst/>
+                          <a:latin typeface="宋体" panose="02010600030101010101" pitchFamily="2" charset="-122"/>
+                          <a:ea typeface="宋体" panose="02010600030101010101" pitchFamily="2" charset="-122"/>
                         </a:rPr>
                         <a:t>罗培成</a:t>
                       </a:r>
-                      <a:endParaRPr lang="zh-CN" sz="2400" kern="100">
-                        <a:effectLst/>
-                        <a:latin typeface="Times New Roman" panose="02020603050405020304" pitchFamily="18" charset="0"/>
-                        <a:ea typeface="宋体" panose="02010600030101010101" pitchFamily="2" charset="-122"/>
-                      </a:endParaRPr>
                     </a:p>
                   </a:txBody>
                   <a:tcPr marL="68580" marR="68580" marT="0" marB="0"/>
@@ -47269,14 +52243,11 @@
                       <a:r>
                         <a:rPr lang="zh-CN" sz="2400" kern="100">
                           <a:effectLst/>
+                          <a:latin typeface="宋体" panose="02010600030101010101" pitchFamily="2" charset="-122"/>
+                          <a:ea typeface="宋体" panose="02010600030101010101" pitchFamily="2" charset="-122"/>
                         </a:rPr>
                         <a:t>邮件，面对面访谈，微信</a:t>
                       </a:r>
-                      <a:endParaRPr lang="zh-CN" sz="2400" kern="100">
-                        <a:effectLst/>
-                        <a:latin typeface="Times New Roman" panose="02020603050405020304" pitchFamily="18" charset="0"/>
-                        <a:ea typeface="宋体" panose="02010600030101010101" pitchFamily="2" charset="-122"/>
-                      </a:endParaRPr>
                     </a:p>
                   </a:txBody>
                   <a:tcPr marL="68580" marR="68580" marT="0" marB="0"/>
@@ -47292,14 +52263,16 @@
                         </a:spcAft>
                       </a:pPr>
                       <a:r>
-                        <a:rPr lang="en-US" sz="2400" kern="100">
+                        <a:rPr lang="en-US" sz="2400" kern="100" dirty="0">
                           <a:effectLst/>
+                          <a:latin typeface="宋体" panose="02010600030101010101" pitchFamily="2" charset="-122"/>
+                          <a:ea typeface="宋体" panose="02010600030101010101" pitchFamily="2" charset="-122"/>
                         </a:rPr>
                         <a:t>31601358@stu.zucc.edu.cn</a:t>
                       </a:r>
-                      <a:endParaRPr lang="zh-CN" sz="2400" kern="100">
+                      <a:endParaRPr lang="zh-CN" sz="2400" kern="100" dirty="0">
                         <a:effectLst/>
-                        <a:latin typeface="Times New Roman" panose="02020603050405020304" pitchFamily="18" charset="0"/>
+                        <a:latin typeface="宋体" panose="02010600030101010101" pitchFamily="2" charset="-122"/>
                         <a:ea typeface="宋体" panose="02010600030101010101" pitchFamily="2" charset="-122"/>
                       </a:endParaRPr>
                     </a:p>
@@ -47326,14 +52299,11 @@
                       <a:r>
                         <a:rPr lang="zh-CN" sz="2400" kern="100">
                           <a:effectLst/>
+                          <a:latin typeface="宋体" panose="02010600030101010101" pitchFamily="2" charset="-122"/>
+                          <a:ea typeface="宋体" panose="02010600030101010101" pitchFamily="2" charset="-122"/>
                         </a:rPr>
                         <a:t>开发组代表</a:t>
                       </a:r>
-                      <a:endParaRPr lang="zh-CN" sz="2400" kern="100">
-                        <a:effectLst/>
-                        <a:latin typeface="Times New Roman" panose="02020603050405020304" pitchFamily="18" charset="0"/>
-                        <a:ea typeface="宋体" panose="02010600030101010101" pitchFamily="2" charset="-122"/>
-                      </a:endParaRPr>
                     </a:p>
                   </a:txBody>
                   <a:tcPr marL="68580" marR="68580" marT="0" marB="0"/>
@@ -47363,14 +52333,11 @@
                       <a:r>
                         <a:rPr lang="zh-CN" altLang="zh-CN" sz="2400" kern="100" dirty="0">
                           <a:effectLst/>
+                          <a:latin typeface="宋体" panose="02010600030101010101" pitchFamily="2" charset="-122"/>
+                          <a:ea typeface="宋体" panose="02010600030101010101" pitchFamily="2" charset="-122"/>
                         </a:rPr>
                         <a:t>雷震</a:t>
                       </a:r>
-                      <a:endParaRPr lang="zh-CN" altLang="zh-CN" sz="2400" kern="100" dirty="0">
-                        <a:effectLst/>
-                        <a:latin typeface="Times New Roman" panose="02020603050405020304" pitchFamily="18" charset="0"/>
-                        <a:ea typeface="宋体" panose="02010600030101010101" pitchFamily="2" charset="-122"/>
-                      </a:endParaRPr>
                     </a:p>
                   </a:txBody>
                   <a:tcPr marL="68580" marR="68580" marT="0" marB="0"/>
@@ -47388,14 +52355,11 @@
                       <a:r>
                         <a:rPr lang="zh-CN" sz="2400" kern="100">
                           <a:effectLst/>
+                          <a:latin typeface="宋体" panose="02010600030101010101" pitchFamily="2" charset="-122"/>
+                          <a:ea typeface="宋体" panose="02010600030101010101" pitchFamily="2" charset="-122"/>
                         </a:rPr>
                         <a:t>邮件，面对面访谈，微信</a:t>
                       </a:r>
-                      <a:endParaRPr lang="zh-CN" sz="2400" kern="100">
-                        <a:effectLst/>
-                        <a:latin typeface="Times New Roman" panose="02020603050405020304" pitchFamily="18" charset="0"/>
-                        <a:ea typeface="宋体" panose="02010600030101010101" pitchFamily="2" charset="-122"/>
-                      </a:endParaRPr>
                     </a:p>
                   </a:txBody>
                   <a:tcPr marL="68580" marR="68580" marT="0" marB="0"/>
@@ -47425,18 +52389,22 @@
                       <a:r>
                         <a:rPr lang="en-US" sz="2400" kern="100" dirty="0">
                           <a:effectLst/>
+                          <a:latin typeface="宋体" panose="02010600030101010101" pitchFamily="2" charset="-122"/>
+                          <a:ea typeface="宋体" panose="02010600030101010101" pitchFamily="2" charset="-122"/>
                         </a:rPr>
                         <a:t> </a:t>
                       </a:r>
                       <a:r>
                         <a:rPr lang="en-US" altLang="zh-CN" sz="2400" kern="100" dirty="0">
                           <a:effectLst/>
+                          <a:latin typeface="宋体" panose="02010600030101010101" pitchFamily="2" charset="-122"/>
+                          <a:ea typeface="宋体" panose="02010600030101010101" pitchFamily="2" charset="-122"/>
                         </a:rPr>
                         <a:t>leizhen960124@163.com</a:t>
                       </a:r>
                       <a:endParaRPr lang="zh-CN" altLang="zh-CN" sz="2400" kern="100" dirty="0">
                         <a:effectLst/>
-                        <a:latin typeface="Times New Roman" panose="02020603050405020304" pitchFamily="18" charset="0"/>
+                        <a:latin typeface="宋体" panose="02010600030101010101" pitchFamily="2" charset="-122"/>
                         <a:ea typeface="宋体" panose="02010600030101010101" pitchFamily="2" charset="-122"/>
                       </a:endParaRPr>
                     </a:p>
@@ -47448,7 +52416,7 @@
                       </a:pPr>
                       <a:endParaRPr lang="zh-CN" sz="2400" kern="100" dirty="0">
                         <a:effectLst/>
-                        <a:latin typeface="Times New Roman" panose="02020603050405020304" pitchFamily="18" charset="0"/>
+                        <a:latin typeface="宋体" panose="02010600030101010101" pitchFamily="2" charset="-122"/>
                         <a:ea typeface="宋体" panose="02010600030101010101" pitchFamily="2" charset="-122"/>
                       </a:endParaRPr>
                     </a:p>
